--- a/Vortrag/Seminar_TI_Sensorlose_Lokalisierung.pptx
+++ b/Vortrag/Seminar_TI_Sensorlose_Lokalisierung.pptx
@@ -5,10 +5,10 @@
     <p:sldMasterId id="2147483678" r:id="rId1"/>
   </p:sldMasterIdLst>
   <p:notesMasterIdLst>
-    <p:notesMasterId r:id="rId12"/>
+    <p:notesMasterId r:id="rId14"/>
   </p:notesMasterIdLst>
   <p:handoutMasterIdLst>
-    <p:handoutMasterId r:id="rId13"/>
+    <p:handoutMasterId r:id="rId15"/>
   </p:handoutMasterIdLst>
   <p:sldIdLst>
     <p:sldId id="257" r:id="rId2"/>
@@ -18,9 +18,11 @@
     <p:sldId id="279" r:id="rId6"/>
     <p:sldId id="292" r:id="rId7"/>
     <p:sldId id="296" r:id="rId8"/>
-    <p:sldId id="293" r:id="rId9"/>
-    <p:sldId id="291" r:id="rId10"/>
-    <p:sldId id="290" r:id="rId11"/>
+    <p:sldId id="297" r:id="rId9"/>
+    <p:sldId id="298" r:id="rId10"/>
+    <p:sldId id="293" r:id="rId11"/>
+    <p:sldId id="291" r:id="rId12"/>
+    <p:sldId id="290" r:id="rId13"/>
   </p:sldIdLst>
   <p:sldSz cx="9144000" cy="6858000" type="screen4x3"/>
   <p:notesSz cx="7099300" cy="10234613"/>
@@ -976,6 +978,226 @@
           <a:p>
             <a:r>
               <a:rPr lang="de-DE" dirty="0" smtClean="0"/>
+              <a:t>Licht</a:t>
+            </a:r>
+            <a:r>
+              <a:rPr lang="de-DE" baseline="0" dirty="0" smtClean="0"/>
+              <a:t> anschalten / Musik anmachen</a:t>
+            </a:r>
+          </a:p>
+          <a:p>
+            <a:endParaRPr lang="de-DE" baseline="0" dirty="0" smtClean="0"/>
+          </a:p>
+          <a:p>
+            <a:r>
+              <a:rPr kumimoji="1" lang="de-DE" sz="1200" b="0" i="0" u="none" strike="noStrike" kern="1200" baseline="0" dirty="0" err="1" smtClean="0">
+                <a:solidFill>
+                  <a:schemeClr val="tx1"/>
+                </a:solidFill>
+                <a:latin typeface="Verdana" pitchFamily="34" charset="0"/>
+                <a:ea typeface="+mn-ea"/>
+                <a:cs typeface="+mn-cs"/>
+              </a:rPr>
+              <a:t>colour</a:t>
+            </a:r>
+            <a:r>
+              <a:rPr kumimoji="1" lang="de-DE" sz="1200" b="0" i="0" u="none" strike="noStrike" kern="1200" baseline="0" dirty="0" smtClean="0">
+                <a:solidFill>
+                  <a:schemeClr val="tx1"/>
+                </a:solidFill>
+                <a:latin typeface="Verdana" pitchFamily="34" charset="0"/>
+                <a:ea typeface="+mn-ea"/>
+                <a:cs typeface="+mn-cs"/>
+              </a:rPr>
+              <a:t> </a:t>
+            </a:r>
+            <a:r>
+              <a:rPr kumimoji="1" lang="de-DE" sz="1200" b="0" i="0" u="none" strike="noStrike" kern="1200" baseline="0" dirty="0" err="1" smtClean="0">
+                <a:solidFill>
+                  <a:schemeClr val="tx1"/>
+                </a:solidFill>
+                <a:latin typeface="Verdana" pitchFamily="34" charset="0"/>
+                <a:ea typeface="+mn-ea"/>
+                <a:cs typeface="+mn-cs"/>
+              </a:rPr>
+              <a:t>Triclops</a:t>
+            </a:r>
+            <a:r>
+              <a:rPr kumimoji="1" lang="de-DE" sz="1200" b="0" i="0" u="none" strike="noStrike" kern="1200" baseline="0" dirty="0" smtClean="0">
+                <a:solidFill>
+                  <a:schemeClr val="tx1"/>
+                </a:solidFill>
+                <a:latin typeface="Verdana" pitchFamily="34" charset="0"/>
+                <a:ea typeface="+mn-ea"/>
+                <a:cs typeface="+mn-cs"/>
+              </a:rPr>
+              <a:t> </a:t>
+            </a:r>
+            <a:r>
+              <a:rPr kumimoji="1" lang="de-DE" sz="1200" b="0" i="0" u="none" strike="noStrike" kern="1200" baseline="0" dirty="0" err="1" smtClean="0">
+                <a:solidFill>
+                  <a:schemeClr val="tx1"/>
+                </a:solidFill>
+                <a:latin typeface="Verdana" pitchFamily="34" charset="0"/>
+                <a:ea typeface="+mn-ea"/>
+                <a:cs typeface="+mn-cs"/>
+              </a:rPr>
+              <a:t>stereo</a:t>
+            </a:r>
+            <a:r>
+              <a:rPr kumimoji="1" lang="de-DE" sz="1200" b="0" i="0" u="none" strike="noStrike" kern="1200" baseline="0" dirty="0" smtClean="0">
+                <a:solidFill>
+                  <a:schemeClr val="tx1"/>
+                </a:solidFill>
+                <a:latin typeface="Verdana" pitchFamily="34" charset="0"/>
+                <a:ea typeface="+mn-ea"/>
+                <a:cs typeface="+mn-cs"/>
+              </a:rPr>
+              <a:t> </a:t>
+            </a:r>
+            <a:r>
+              <a:rPr kumimoji="1" lang="de-DE" sz="1200" b="0" i="0" u="none" strike="noStrike" kern="1200" baseline="0" dirty="0" err="1" smtClean="0">
+                <a:solidFill>
+                  <a:schemeClr val="tx1"/>
+                </a:solidFill>
+                <a:latin typeface="Verdana" pitchFamily="34" charset="0"/>
+                <a:ea typeface="+mn-ea"/>
+                <a:cs typeface="+mn-cs"/>
+              </a:rPr>
+              <a:t>cameras</a:t>
+            </a:r>
+            <a:endParaRPr lang="de-DE" baseline="0" dirty="0" smtClean="0"/>
+          </a:p>
+        </p:txBody>
+      </p:sp>
+    </p:spTree>
+  </p:cSld>
+  <p:clrMapOvr>
+    <a:masterClrMapping/>
+  </p:clrMapOvr>
+</p:notes>
+</file>
+
+<file path=ppt/notesSlides/notesSlide11.xml><?xml version="1.0" encoding="utf-8"?>
+<p:notes xmlns:a="http://schemas.openxmlformats.org/drawingml/2006/main" xmlns:r="http://schemas.openxmlformats.org/officeDocument/2006/relationships" xmlns:p="http://schemas.openxmlformats.org/presentationml/2006/main">
+  <p:cSld>
+    <p:spTree>
+      <p:nvGrpSpPr>
+        <p:cNvPr id="1" name=""/>
+        <p:cNvGrpSpPr/>
+        <p:nvPr/>
+      </p:nvGrpSpPr>
+      <p:grpSpPr>
+        <a:xfrm>
+          <a:off x="0" y="0"/>
+          <a:ext cx="0" cy="0"/>
+          <a:chOff x="0" y="0"/>
+          <a:chExt cx="0" cy="0"/>
+        </a:xfrm>
+      </p:grpSpPr>
+      <p:sp>
+        <p:nvSpPr>
+          <p:cNvPr id="68610" name="Rectangle 2"/>
+          <p:cNvSpPr>
+            <a:spLocks noGrp="1" noRot="1" noChangeAspect="1" noChangeArrowheads="1" noTextEdit="1"/>
+          </p:cNvSpPr>
+          <p:nvPr>
+            <p:ph type="sldImg"/>
+          </p:nvPr>
+        </p:nvSpPr>
+        <p:spPr>
+          <a:ln/>
+        </p:spPr>
+      </p:sp>
+      <p:sp>
+        <p:nvSpPr>
+          <p:cNvPr id="68611" name="Rectangle 3"/>
+          <p:cNvSpPr>
+            <a:spLocks noGrp="1" noChangeArrowheads="1"/>
+          </p:cNvSpPr>
+          <p:nvPr>
+            <p:ph type="body" idx="1"/>
+          </p:nvPr>
+        </p:nvSpPr>
+        <p:spPr>
+          <a:noFill/>
+          <a:ln/>
+        </p:spPr>
+        <p:txBody>
+          <a:bodyPr/>
+          <a:lstStyle/>
+          <a:p>
+            <a:r>
+              <a:rPr lang="de-DE" dirty="0" smtClean="0"/>
+              <a:t>Verlauf</a:t>
+            </a:r>
+            <a:r>
+              <a:rPr lang="de-DE" baseline="0" dirty="0" smtClean="0"/>
+              <a:t> der Präsentation wird wie folgt aussehen</a:t>
+            </a:r>
+            <a:endParaRPr lang="de-DE" dirty="0" smtClean="0"/>
+          </a:p>
+        </p:txBody>
+      </p:sp>
+    </p:spTree>
+  </p:cSld>
+  <p:clrMapOvr>
+    <a:masterClrMapping/>
+  </p:clrMapOvr>
+</p:notes>
+</file>
+
+<file path=ppt/notesSlides/notesSlide12.xml><?xml version="1.0" encoding="utf-8"?>
+<p:notes xmlns:a="http://schemas.openxmlformats.org/drawingml/2006/main" xmlns:r="http://schemas.openxmlformats.org/officeDocument/2006/relationships" xmlns:p="http://schemas.openxmlformats.org/presentationml/2006/main">
+  <p:cSld>
+    <p:spTree>
+      <p:nvGrpSpPr>
+        <p:cNvPr id="1" name=""/>
+        <p:cNvGrpSpPr/>
+        <p:nvPr/>
+      </p:nvGrpSpPr>
+      <p:grpSpPr>
+        <a:xfrm>
+          <a:off x="0" y="0"/>
+          <a:ext cx="0" cy="0"/>
+          <a:chOff x="0" y="0"/>
+          <a:chExt cx="0" cy="0"/>
+        </a:xfrm>
+      </p:grpSpPr>
+      <p:sp>
+        <p:nvSpPr>
+          <p:cNvPr id="68610" name="Rectangle 2"/>
+          <p:cNvSpPr>
+            <a:spLocks noGrp="1" noRot="1" noChangeAspect="1" noChangeArrowheads="1" noTextEdit="1"/>
+          </p:cNvSpPr>
+          <p:nvPr>
+            <p:ph type="sldImg"/>
+          </p:nvPr>
+        </p:nvSpPr>
+        <p:spPr>
+          <a:ln/>
+        </p:spPr>
+      </p:sp>
+      <p:sp>
+        <p:nvSpPr>
+          <p:cNvPr id="68611" name="Rectangle 3"/>
+          <p:cNvSpPr>
+            <a:spLocks noGrp="1" noChangeArrowheads="1"/>
+          </p:cNvSpPr>
+          <p:nvPr>
+            <p:ph type="body" idx="1"/>
+          </p:nvPr>
+        </p:nvSpPr>
+        <p:spPr>
+          <a:noFill/>
+          <a:ln/>
+        </p:spPr>
+        <p:txBody>
+          <a:bodyPr/>
+          <a:lstStyle/>
+          <a:p>
+            <a:r>
+              <a:rPr lang="de-DE" dirty="0" smtClean="0"/>
               <a:t>Verlauf</a:t>
             </a:r>
             <a:r>
@@ -1444,13 +1666,8 @@
           <a:p>
             <a:r>
               <a:rPr lang="de-DE" dirty="0" smtClean="0"/>
-              <a:t>Verlauf</a:t>
-            </a:r>
-            <a:r>
-              <a:rPr lang="de-DE" baseline="0" dirty="0" smtClean="0"/>
-              <a:t> der Präsentation wird wie folgt aussehen</a:t>
-            </a:r>
-            <a:endParaRPr lang="de-DE" dirty="0" smtClean="0"/>
+              <a:t>Paper: kostengünstig…wirklich?</a:t>
+            </a:r>
           </a:p>
         </p:txBody>
       </p:sp>
@@ -1513,95 +1730,8 @@
           <a:p>
             <a:r>
               <a:rPr lang="de-DE" dirty="0" smtClean="0"/>
-              <a:t>Licht</a:t>
-            </a:r>
-            <a:r>
-              <a:rPr lang="de-DE" baseline="0" dirty="0" smtClean="0"/>
-              <a:t> anschalten / Musik anmachen</a:t>
-            </a:r>
-          </a:p>
-          <a:p>
-            <a:endParaRPr lang="de-DE" baseline="0" dirty="0" smtClean="0"/>
-          </a:p>
-          <a:p>
-            <a:r>
-              <a:rPr kumimoji="1" lang="de-DE" sz="1200" b="0" i="0" u="none" strike="noStrike" kern="1200" baseline="0" dirty="0" err="1" smtClean="0">
-                <a:solidFill>
-                  <a:schemeClr val="tx1"/>
-                </a:solidFill>
-                <a:latin typeface="Verdana" pitchFamily="34" charset="0"/>
-                <a:ea typeface="+mn-ea"/>
-                <a:cs typeface="+mn-cs"/>
-              </a:rPr>
-              <a:t>colour</a:t>
-            </a:r>
-            <a:r>
-              <a:rPr kumimoji="1" lang="de-DE" sz="1200" b="0" i="0" u="none" strike="noStrike" kern="1200" baseline="0" dirty="0" smtClean="0">
-                <a:solidFill>
-                  <a:schemeClr val="tx1"/>
-                </a:solidFill>
-                <a:latin typeface="Verdana" pitchFamily="34" charset="0"/>
-                <a:ea typeface="+mn-ea"/>
-                <a:cs typeface="+mn-cs"/>
-              </a:rPr>
-              <a:t> </a:t>
-            </a:r>
-            <a:r>
-              <a:rPr kumimoji="1" lang="de-DE" sz="1200" b="0" i="0" u="none" strike="noStrike" kern="1200" baseline="0" dirty="0" err="1" smtClean="0">
-                <a:solidFill>
-                  <a:schemeClr val="tx1"/>
-                </a:solidFill>
-                <a:latin typeface="Verdana" pitchFamily="34" charset="0"/>
-                <a:ea typeface="+mn-ea"/>
-                <a:cs typeface="+mn-cs"/>
-              </a:rPr>
-              <a:t>Triclops</a:t>
-            </a:r>
-            <a:r>
-              <a:rPr kumimoji="1" lang="de-DE" sz="1200" b="0" i="0" u="none" strike="noStrike" kern="1200" baseline="0" dirty="0" smtClean="0">
-                <a:solidFill>
-                  <a:schemeClr val="tx1"/>
-                </a:solidFill>
-                <a:latin typeface="Verdana" pitchFamily="34" charset="0"/>
-                <a:ea typeface="+mn-ea"/>
-                <a:cs typeface="+mn-cs"/>
-              </a:rPr>
-              <a:t> </a:t>
-            </a:r>
-            <a:r>
-              <a:rPr kumimoji="1" lang="de-DE" sz="1200" b="0" i="0" u="none" strike="noStrike" kern="1200" baseline="0" dirty="0" err="1" smtClean="0">
-                <a:solidFill>
-                  <a:schemeClr val="tx1"/>
-                </a:solidFill>
-                <a:latin typeface="Verdana" pitchFamily="34" charset="0"/>
-                <a:ea typeface="+mn-ea"/>
-                <a:cs typeface="+mn-cs"/>
-              </a:rPr>
-              <a:t>stereo</a:t>
-            </a:r>
-            <a:r>
-              <a:rPr kumimoji="1" lang="de-DE" sz="1200" b="0" i="0" u="none" strike="noStrike" kern="1200" baseline="0" dirty="0" smtClean="0">
-                <a:solidFill>
-                  <a:schemeClr val="tx1"/>
-                </a:solidFill>
-                <a:latin typeface="Verdana" pitchFamily="34" charset="0"/>
-                <a:ea typeface="+mn-ea"/>
-                <a:cs typeface="+mn-cs"/>
-              </a:rPr>
-              <a:t> </a:t>
-            </a:r>
-            <a:r>
-              <a:rPr kumimoji="1" lang="de-DE" sz="1200" b="0" i="0" u="none" strike="noStrike" kern="1200" baseline="0" dirty="0" err="1" smtClean="0">
-                <a:solidFill>
-                  <a:schemeClr val="tx1"/>
-                </a:solidFill>
-                <a:latin typeface="Verdana" pitchFamily="34" charset="0"/>
-                <a:ea typeface="+mn-ea"/>
-                <a:cs typeface="+mn-cs"/>
-              </a:rPr>
-              <a:t>cameras</a:t>
-            </a:r>
-            <a:endParaRPr lang="de-DE" baseline="0" dirty="0" smtClean="0"/>
+              <a:t>Paper: kostengünstig…wirklich?</a:t>
+            </a:r>
           </a:p>
         </p:txBody>
       </p:sp>
@@ -1664,13 +1794,8 @@
           <a:p>
             <a:r>
               <a:rPr lang="de-DE" dirty="0" smtClean="0"/>
-              <a:t>Verlauf</a:t>
-            </a:r>
-            <a:r>
-              <a:rPr lang="de-DE" baseline="0" dirty="0" smtClean="0"/>
-              <a:t> der Präsentation wird wie folgt aussehen</a:t>
-            </a:r>
-            <a:endParaRPr lang="de-DE" dirty="0" smtClean="0"/>
+              <a:t>Paper: kostengünstig…wirklich?</a:t>
+            </a:r>
           </a:p>
         </p:txBody>
       </p:sp>
@@ -4831,6 +4956,814 @@
           <a:lstStyle/>
           <a:p>
             <a:r>
+              <a:rPr lang="en-US" sz="1800" dirty="0"/>
+              <a:t>Computer-Vision</a:t>
+            </a:r>
+            <a:endParaRPr lang="de-DE" sz="1800" dirty="0" smtClean="0"/>
+          </a:p>
+        </p:txBody>
+      </p:sp>
+      <p:sp>
+        <p:nvSpPr>
+          <p:cNvPr id="67587" name="Rectangle 3"/>
+          <p:cNvSpPr>
+            <a:spLocks noGrp="1" noChangeArrowheads="1"/>
+          </p:cNvSpPr>
+          <p:nvPr>
+            <p:ph type="body" idx="1"/>
+          </p:nvPr>
+        </p:nvSpPr>
+        <p:spPr>
+          <a:xfrm>
+            <a:off x="250825" y="762001"/>
+            <a:ext cx="8642350" cy="5638799"/>
+          </a:xfrm>
+        </p:spPr>
+        <p:txBody>
+          <a:bodyPr/>
+          <a:lstStyle/>
+          <a:p>
+            <a:pPr marL="342900" indent="-342900">
+              <a:buFont typeface="Arial" pitchFamily="34" charset="0"/>
+              <a:buChar char="•"/>
+            </a:pPr>
+            <a:r>
+              <a:rPr lang="de-DE" sz="2200" dirty="0" smtClean="0"/>
+              <a:t>Lokalisierung und Tracking durch Kameras</a:t>
+            </a:r>
+          </a:p>
+          <a:p>
+            <a:pPr marL="342900" indent="-342900">
+              <a:buFont typeface="Arial" pitchFamily="34" charset="0"/>
+              <a:buChar char="•"/>
+            </a:pPr>
+            <a:r>
+              <a:rPr lang="de-DE" sz="2200" dirty="0" smtClean="0"/>
+              <a:t>Intelligente Umgebung</a:t>
+            </a:r>
+          </a:p>
+          <a:p>
+            <a:pPr marL="342900" indent="-342900">
+              <a:buFont typeface="Arial" pitchFamily="34" charset="0"/>
+              <a:buChar char="•"/>
+            </a:pPr>
+            <a:r>
+              <a:rPr lang="de-DE" sz="2200" dirty="0" smtClean="0"/>
+              <a:t>Auslösen von Ereignissen auf Grundlage der Position bzw. des Verhaltens einer Person</a:t>
+            </a:r>
+          </a:p>
+          <a:p>
+            <a:pPr marL="342900" indent="-342900">
+              <a:buFont typeface="Arial" pitchFamily="34" charset="0"/>
+              <a:buChar char="•"/>
+            </a:pPr>
+            <a:r>
+              <a:rPr lang="de-DE" sz="2200" dirty="0" smtClean="0"/>
+              <a:t>Genauigkeit: ca. 10 cm</a:t>
+            </a:r>
+          </a:p>
+          <a:p>
+            <a:pPr marL="342900" indent="-342900">
+              <a:buFont typeface="Arial" pitchFamily="34" charset="0"/>
+              <a:buChar char="•"/>
+            </a:pPr>
+            <a:r>
+              <a:rPr lang="de-DE" sz="2200" dirty="0" smtClean="0"/>
+              <a:t>Aufbau:</a:t>
+            </a:r>
+          </a:p>
+          <a:p>
+            <a:pPr marL="698500" lvl="1" indent="-342900">
+              <a:buFont typeface="Arial" pitchFamily="34" charset="0"/>
+              <a:buChar char="•"/>
+            </a:pPr>
+            <a:r>
+              <a:rPr lang="de-DE" sz="2200" dirty="0" smtClean="0"/>
+              <a:t>verschiedene Kameras</a:t>
+            </a:r>
+          </a:p>
+          <a:p>
+            <a:pPr marL="698500" lvl="1" indent="-342900">
+              <a:buFont typeface="Arial" pitchFamily="34" charset="0"/>
+              <a:buChar char="•"/>
+            </a:pPr>
+            <a:r>
+              <a:rPr lang="de-DE" sz="2200" dirty="0" smtClean="0"/>
+              <a:t>Pro Kamera ein PC + PC für Tracking</a:t>
+            </a:r>
+            <a:endParaRPr lang="de-DE" sz="2200" dirty="0"/>
+          </a:p>
+          <a:p>
+            <a:pPr marL="698500" lvl="1" indent="-342900">
+              <a:buFont typeface="Arial" pitchFamily="34" charset="0"/>
+              <a:buChar char="•"/>
+            </a:pPr>
+            <a:endParaRPr lang="de-DE" sz="2200" dirty="0" smtClean="0"/>
+          </a:p>
+          <a:p>
+            <a:pPr marL="342900" indent="-342900">
+              <a:buFont typeface="Arial" pitchFamily="34" charset="0"/>
+              <a:buChar char="•"/>
+            </a:pPr>
+            <a:endParaRPr lang="de-DE" sz="2200" dirty="0" smtClean="0"/>
+          </a:p>
+        </p:txBody>
+      </p:sp>
+      <p:pic>
+        <p:nvPicPr>
+          <p:cNvPr id="3074" name="Picture 2"/>
+          <p:cNvPicPr>
+            <a:picLocks noChangeAspect="1" noChangeArrowheads="1"/>
+          </p:cNvPicPr>
+          <p:nvPr/>
+        </p:nvPicPr>
+        <p:blipFill>
+          <a:blip r:embed="rId3">
+            <a:extLst>
+              <a:ext uri="{28A0092B-C50C-407E-A947-70E740481C1C}">
+                <a14:useLocalDpi xmlns:a14="http://schemas.microsoft.com/office/drawing/2010/main" val="0"/>
+              </a:ext>
+            </a:extLst>
+          </a:blip>
+          <a:srcRect/>
+          <a:stretch>
+            <a:fillRect/>
+          </a:stretch>
+        </p:blipFill>
+        <p:spPr bwMode="auto">
+          <a:xfrm>
+            <a:off x="5997575" y="3167062"/>
+            <a:ext cx="3133725" cy="3419475"/>
+          </a:xfrm>
+          <a:prstGeom prst="rect">
+            <a:avLst/>
+          </a:prstGeom>
+          <a:noFill/>
+          <a:ln>
+            <a:noFill/>
+          </a:ln>
+          <a:effectLst/>
+          <a:extLst>
+            <a:ext uri="{909E8E84-426E-40DD-AFC4-6F175D3DCCD1}">
+              <a14:hiddenFill xmlns:a14="http://schemas.microsoft.com/office/drawing/2010/main">
+                <a:solidFill>
+                  <a:schemeClr val="accent1"/>
+                </a:solidFill>
+              </a14:hiddenFill>
+            </a:ext>
+            <a:ext uri="{91240B29-F687-4F45-9708-019B960494DF}">
+              <a14:hiddenLine xmlns:a14="http://schemas.microsoft.com/office/drawing/2010/main" w="9525">
+                <a:solidFill>
+                  <a:schemeClr val="tx1"/>
+                </a:solidFill>
+                <a:miter lim="800000"/>
+                <a:headEnd/>
+                <a:tailEnd/>
+              </a14:hiddenLine>
+            </a:ext>
+            <a:ext uri="{AF507438-7753-43E0-B8FC-AC1667EBCBE1}">
+              <a14:hiddenEffects xmlns:a14="http://schemas.microsoft.com/office/drawing/2010/main">
+                <a:effectLst>
+                  <a:outerShdw dist="35921" dir="2700000" algn="ctr" rotWithShape="0">
+                    <a:schemeClr val="bg2"/>
+                  </a:outerShdw>
+                </a:effectLst>
+              </a14:hiddenEffects>
+            </a:ext>
+          </a:extLst>
+        </p:spPr>
+      </p:pic>
+    </p:spTree>
+    <p:extLst>
+      <p:ext uri="{BB962C8B-B14F-4D97-AF65-F5344CB8AC3E}">
+        <p14:creationId xmlns:p14="http://schemas.microsoft.com/office/powerpoint/2010/main" val="693853472"/>
+      </p:ext>
+    </p:extLst>
+  </p:cSld>
+  <p:clrMapOvr>
+    <a:masterClrMapping/>
+  </p:clrMapOvr>
+  <p:transition spd="slow"/>
+  <p:timing>
+    <p:tnLst>
+      <p:par>
+        <p:cTn id="1" dur="indefinite" restart="never" nodeType="tmRoot"/>
+      </p:par>
+    </p:tnLst>
+  </p:timing>
+</p:sld>
+</file>
+
+<file path=ppt/slides/slide11.xml><?xml version="1.0" encoding="utf-8"?>
+<p:sld xmlns:a="http://schemas.openxmlformats.org/drawingml/2006/main" xmlns:r="http://schemas.openxmlformats.org/officeDocument/2006/relationships" xmlns:p="http://schemas.openxmlformats.org/presentationml/2006/main">
+  <p:cSld>
+    <p:spTree>
+      <p:nvGrpSpPr>
+        <p:cNvPr id="1" name=""/>
+        <p:cNvGrpSpPr/>
+        <p:nvPr/>
+      </p:nvGrpSpPr>
+      <p:grpSpPr>
+        <a:xfrm>
+          <a:off x="0" y="0"/>
+          <a:ext cx="0" cy="0"/>
+          <a:chOff x="0" y="0"/>
+          <a:chExt cx="0" cy="0"/>
+        </a:xfrm>
+      </p:grpSpPr>
+      <p:sp>
+        <p:nvSpPr>
+          <p:cNvPr id="4" name="Rectangle 8"/>
+          <p:cNvSpPr>
+            <a:spLocks noGrp="1" noChangeArrowheads="1"/>
+          </p:cNvSpPr>
+          <p:nvPr>
+            <p:ph type="ftr" sz="quarter" idx="10"/>
+          </p:nvPr>
+        </p:nvSpPr>
+        <p:spPr>
+          <a:xfrm>
+            <a:off x="250824" y="6629400"/>
+            <a:ext cx="8359101" cy="228600"/>
+          </a:xfrm>
+          <a:ln/>
+        </p:spPr>
+        <p:txBody>
+          <a:bodyPr/>
+          <a:lstStyle/>
+          <a:p>
+            <a:r>
+              <a:rPr lang="de-DE" dirty="0"/>
+              <a:t>Seminar – Lokalisierung: </a:t>
+            </a:r>
+            <a:r>
+              <a:rPr lang="de-DE" dirty="0" err="1"/>
+              <a:t>Inertialsensorik</a:t>
+            </a:r>
+            <a:r>
+              <a:rPr lang="de-DE" dirty="0"/>
+              <a:t> und Funksysteme  - </a:t>
+            </a:r>
+            <a:r>
+              <a:rPr lang="de-DE" dirty="0" smtClean="0"/>
+              <a:t>17.06.2015 </a:t>
+            </a:r>
+            <a:r>
+              <a:rPr lang="de-DE" dirty="0"/>
+              <a:t>		</a:t>
+            </a:r>
+            <a:r>
+              <a:rPr lang="de-DE" dirty="0" err="1"/>
+              <a:t>Artemij</a:t>
+            </a:r>
+            <a:r>
+              <a:rPr lang="de-DE" dirty="0"/>
+              <a:t> </a:t>
+            </a:r>
+            <a:r>
+              <a:rPr lang="de-DE" dirty="0" err="1"/>
+              <a:t>Voskobojnikov</a:t>
+            </a:r>
+            <a:r>
+              <a:rPr lang="de-DE" dirty="0"/>
+              <a:t> und Benjamin </a:t>
+            </a:r>
+            <a:r>
+              <a:rPr lang="de-DE" dirty="0" err="1"/>
+              <a:t>Swiers</a:t>
+            </a:r>
+            <a:r>
+              <a:rPr lang="de-DE" dirty="0"/>
+              <a:t>		</a:t>
+            </a:r>
+          </a:p>
+        </p:txBody>
+      </p:sp>
+      <p:sp>
+        <p:nvSpPr>
+          <p:cNvPr id="67586" name="Rectangle 2"/>
+          <p:cNvSpPr>
+            <a:spLocks noGrp="1" noChangeArrowheads="1"/>
+          </p:cNvSpPr>
+          <p:nvPr>
+            <p:ph type="title"/>
+          </p:nvPr>
+        </p:nvSpPr>
+        <p:spPr>
+          <a:xfrm>
+            <a:off x="200025" y="298450"/>
+            <a:ext cx="6454775" cy="428625"/>
+          </a:xfrm>
+        </p:spPr>
+        <p:txBody>
+          <a:bodyPr/>
+          <a:lstStyle/>
+          <a:p>
+            <a:r>
+              <a:rPr lang="en-US" sz="1800" dirty="0" err="1" smtClean="0"/>
+              <a:t>Quellen</a:t>
+            </a:r>
+            <a:endParaRPr lang="de-DE" sz="1800" dirty="0" smtClean="0"/>
+          </a:p>
+        </p:txBody>
+      </p:sp>
+      <p:sp>
+        <p:nvSpPr>
+          <p:cNvPr id="67587" name="Rectangle 3"/>
+          <p:cNvSpPr>
+            <a:spLocks noGrp="1" noChangeArrowheads="1"/>
+          </p:cNvSpPr>
+          <p:nvPr>
+            <p:ph type="body" idx="1"/>
+          </p:nvPr>
+        </p:nvSpPr>
+        <p:spPr>
+          <a:xfrm>
+            <a:off x="250825" y="762001"/>
+            <a:ext cx="8642350" cy="5638799"/>
+          </a:xfrm>
+        </p:spPr>
+        <p:txBody>
+          <a:bodyPr/>
+          <a:lstStyle/>
+          <a:p>
+            <a:r>
+              <a:rPr lang="de-DE" sz="2200" dirty="0" smtClean="0"/>
+              <a:t>1) Gabriel </a:t>
+            </a:r>
+            <a:r>
+              <a:rPr lang="de-DE" sz="2200" dirty="0" err="1" smtClean="0"/>
+              <a:t>Deak</a:t>
+            </a:r>
+            <a:r>
+              <a:rPr lang="de-DE" sz="2200" dirty="0" smtClean="0"/>
+              <a:t>, </a:t>
+            </a:r>
+            <a:r>
+              <a:rPr lang="de-DE" sz="2200" dirty="0"/>
+              <a:t>Kevin Curran, Joan </a:t>
+            </a:r>
+            <a:r>
+              <a:rPr lang="de-DE" sz="2200" dirty="0" err="1" smtClean="0"/>
+              <a:t>Condell</a:t>
+            </a:r>
+            <a:r>
+              <a:rPr lang="de-DE" sz="2200" dirty="0" smtClean="0"/>
+              <a:t>, Intelligent Systems</a:t>
+            </a:r>
+          </a:p>
+          <a:p>
+            <a:r>
+              <a:rPr lang="de-DE" sz="2200" dirty="0" smtClean="0"/>
+              <a:t>    </a:t>
+            </a:r>
+            <a:r>
+              <a:rPr lang="de-DE" sz="2200" dirty="0"/>
+              <a:t>Research </a:t>
+            </a:r>
+            <a:r>
+              <a:rPr lang="de-DE" sz="2200" dirty="0" err="1"/>
+              <a:t>Centre</a:t>
+            </a:r>
+            <a:r>
+              <a:rPr lang="de-DE" sz="2200" dirty="0"/>
+              <a:t>, University </a:t>
+            </a:r>
+            <a:r>
+              <a:rPr lang="de-DE" sz="2200" dirty="0" err="1"/>
+              <a:t>of</a:t>
+            </a:r>
+            <a:r>
+              <a:rPr lang="de-DE" sz="2200" dirty="0"/>
+              <a:t> Ulster, </a:t>
+            </a:r>
+            <a:r>
+              <a:rPr lang="de-DE" sz="2200" dirty="0" err="1"/>
+              <a:t>Derry</a:t>
+            </a:r>
+            <a:r>
+              <a:rPr lang="de-DE" sz="2200" dirty="0"/>
+              <a:t>, N. </a:t>
+            </a:r>
+            <a:r>
+              <a:rPr lang="de-DE" sz="2200" dirty="0" err="1"/>
+              <a:t>Ireland</a:t>
+            </a:r>
+            <a:r>
+              <a:rPr lang="de-DE" sz="2200" dirty="0"/>
+              <a:t> BT48 7JL, </a:t>
+            </a:r>
+            <a:endParaRPr lang="de-DE" sz="2200" dirty="0" smtClean="0"/>
+          </a:p>
+          <a:p>
+            <a:r>
+              <a:rPr lang="de-DE" sz="2200" dirty="0"/>
+              <a:t> </a:t>
+            </a:r>
+            <a:r>
+              <a:rPr lang="de-DE" sz="2200" dirty="0" smtClean="0"/>
+              <a:t>   UK</a:t>
+            </a:r>
+          </a:p>
+          <a:p>
+            <a:r>
+              <a:rPr lang="de-DE" sz="2200" dirty="0" smtClean="0"/>
+              <a:t>2) Jürgen Kemper, Institut für Roboterforschung, Technische </a:t>
+            </a:r>
+          </a:p>
+          <a:p>
+            <a:r>
+              <a:rPr lang="de-DE" sz="2200" dirty="0"/>
+              <a:t> </a:t>
+            </a:r>
+            <a:r>
+              <a:rPr lang="de-DE" sz="2200" dirty="0" smtClean="0"/>
+              <a:t>   Universität Dortmund</a:t>
+            </a:r>
+          </a:p>
+          <a:p>
+            <a:r>
+              <a:rPr lang="de-DE" sz="2200" dirty="0" smtClean="0"/>
+              <a:t>3) Philipp </a:t>
+            </a:r>
+            <a:r>
+              <a:rPr lang="de-DE" sz="2200" dirty="0" err="1"/>
+              <a:t>Leusmann</a:t>
+            </a:r>
+            <a:r>
+              <a:rPr lang="de-DE" sz="2200" dirty="0"/>
+              <a:t>, Christian </a:t>
+            </a:r>
+            <a:r>
+              <a:rPr lang="de-DE" sz="2200" dirty="0" err="1" smtClean="0"/>
+              <a:t>Möllering</a:t>
+            </a:r>
+            <a:r>
+              <a:rPr lang="de-DE" sz="2200" dirty="0" smtClean="0"/>
+              <a:t>,, Lars </a:t>
+            </a:r>
+            <a:r>
+              <a:rPr lang="de-DE" sz="2200" dirty="0"/>
+              <a:t>Klack, Kai </a:t>
+            </a:r>
+            <a:r>
+              <a:rPr lang="de-DE" sz="2200" dirty="0" err="1"/>
+              <a:t>Kasugai</a:t>
+            </a:r>
+            <a:r>
+              <a:rPr lang="de-DE" sz="2200" dirty="0"/>
+              <a:t>, </a:t>
+            </a:r>
+            <a:endParaRPr lang="de-DE" sz="2200" dirty="0" smtClean="0"/>
+          </a:p>
+          <a:p>
+            <a:r>
+              <a:rPr lang="de-DE" sz="2200" dirty="0"/>
+              <a:t> </a:t>
+            </a:r>
+            <a:r>
+              <a:rPr lang="de-DE" sz="2200" dirty="0" smtClean="0"/>
+              <a:t>   Martina </a:t>
+            </a:r>
+            <a:r>
+              <a:rPr lang="de-DE" sz="2200" dirty="0" err="1" smtClean="0"/>
+              <a:t>Ziefl</a:t>
+            </a:r>
+            <a:r>
+              <a:rPr lang="de-DE" sz="2200" dirty="0" smtClean="0"/>
+              <a:t>, </a:t>
+            </a:r>
+            <a:r>
+              <a:rPr lang="de-DE" sz="2200" dirty="0" err="1" smtClean="0"/>
+              <a:t>eHealth</a:t>
+            </a:r>
+            <a:r>
+              <a:rPr lang="de-DE" sz="2200" dirty="0" smtClean="0"/>
+              <a:t> </a:t>
+            </a:r>
+            <a:r>
+              <a:rPr lang="de-DE" sz="2200" dirty="0"/>
+              <a:t>Group, </a:t>
+            </a:r>
+            <a:r>
+              <a:rPr lang="de-DE" sz="2200" dirty="0" err="1"/>
+              <a:t>HumTec</a:t>
+            </a:r>
+            <a:r>
+              <a:rPr lang="de-DE" sz="2200" dirty="0"/>
+              <a:t> / Communication </a:t>
+            </a:r>
+            <a:r>
+              <a:rPr lang="de-DE" sz="2200" dirty="0" smtClean="0"/>
+              <a:t>Science </a:t>
+            </a:r>
+          </a:p>
+          <a:p>
+            <a:r>
+              <a:rPr lang="de-DE" sz="2200" dirty="0" smtClean="0"/>
+              <a:t>    RWTH Aachen University, Aachen, Germany</a:t>
+            </a:r>
+          </a:p>
+          <a:p>
+            <a:r>
+              <a:rPr lang="de-DE" sz="2200" dirty="0"/>
+              <a:t>4) Alan </a:t>
+            </a:r>
+            <a:r>
+              <a:rPr lang="de-DE" sz="2200" dirty="0" err="1"/>
+              <a:t>Bränzel</a:t>
+            </a:r>
+            <a:r>
+              <a:rPr lang="de-DE" sz="2200" dirty="0"/>
+              <a:t>, Christian Holz, Daniel Hoffmann, Dominik Schmidt</a:t>
+            </a:r>
+            <a:r>
+              <a:rPr lang="de-DE" sz="2200" dirty="0" smtClean="0"/>
+              <a:t>,</a:t>
+            </a:r>
+          </a:p>
+          <a:p>
+            <a:r>
+              <a:rPr lang="de-DE" sz="2200" dirty="0" smtClean="0"/>
+              <a:t>    Marius </a:t>
+            </a:r>
+            <a:r>
+              <a:rPr lang="de-DE" sz="2200" dirty="0" err="1" smtClean="0"/>
+              <a:t>Knaust</a:t>
+            </a:r>
+            <a:r>
+              <a:rPr lang="de-DE" sz="2200" dirty="0" smtClean="0"/>
+              <a:t>, Patrick </a:t>
+            </a:r>
+            <a:r>
+              <a:rPr lang="de-DE" sz="2200" dirty="0" err="1"/>
+              <a:t>Lühne</a:t>
+            </a:r>
+            <a:r>
+              <a:rPr lang="de-DE" sz="2200" dirty="0"/>
+              <a:t>, René </a:t>
+            </a:r>
+            <a:r>
+              <a:rPr lang="de-DE" sz="2200" dirty="0" err="1"/>
+              <a:t>Meusel</a:t>
+            </a:r>
+            <a:r>
+              <a:rPr lang="de-DE" sz="2200" dirty="0"/>
+              <a:t>, Stephan Richter</a:t>
+            </a:r>
+            <a:r>
+              <a:rPr lang="de-DE" sz="2200" dirty="0" smtClean="0"/>
+              <a:t>,</a:t>
+            </a:r>
+          </a:p>
+          <a:p>
+            <a:r>
+              <a:rPr lang="de-DE" sz="2200" dirty="0"/>
+              <a:t> </a:t>
+            </a:r>
+            <a:r>
+              <a:rPr lang="de-DE" sz="2200" dirty="0" smtClean="0"/>
+              <a:t>   </a:t>
+            </a:r>
+            <a:r>
+              <a:rPr lang="de-DE" sz="2200" dirty="0"/>
+              <a:t>Patrick </a:t>
+            </a:r>
+            <a:r>
+              <a:rPr lang="de-DE" sz="2200" dirty="0" err="1" smtClean="0"/>
+              <a:t>Baudisch</a:t>
+            </a:r>
+            <a:r>
+              <a:rPr lang="de-DE" sz="2200" dirty="0" smtClean="0"/>
+              <a:t>, Hasso </a:t>
+            </a:r>
+            <a:r>
+              <a:rPr lang="de-DE" sz="2200" dirty="0"/>
+              <a:t>Plattner Institute, Potsdam, </a:t>
+            </a:r>
+            <a:r>
+              <a:rPr lang="de-DE" sz="2200" dirty="0" smtClean="0"/>
+              <a:t>Germany</a:t>
+            </a:r>
+          </a:p>
+          <a:p>
+            <a:r>
+              <a:rPr lang="de-DE" sz="2200" dirty="0" smtClean="0"/>
+              <a:t>5) </a:t>
+            </a:r>
+            <a:r>
+              <a:rPr lang="en-US" sz="2200" dirty="0" err="1"/>
+              <a:t>Peng</a:t>
+            </a:r>
+            <a:r>
+              <a:rPr lang="en-US" sz="2200" dirty="0"/>
+              <a:t> </a:t>
+            </a:r>
+            <a:r>
+              <a:rPr lang="en-US" sz="2200" dirty="0" err="1"/>
+              <a:t>Duan</a:t>
+            </a:r>
+            <a:r>
+              <a:rPr lang="en-US" sz="2200" dirty="0"/>
+              <a:t>, </a:t>
+            </a:r>
+            <a:r>
+              <a:rPr lang="en-US" sz="2200" dirty="0" err="1"/>
+              <a:t>Guohui</a:t>
+            </a:r>
+            <a:r>
+              <a:rPr lang="en-US" sz="2200" dirty="0"/>
+              <a:t> </a:t>
+            </a:r>
+            <a:r>
+              <a:rPr lang="en-US" sz="2200" dirty="0" err="1"/>
+              <a:t>Tian</a:t>
+            </a:r>
+            <a:r>
+              <a:rPr lang="en-US" sz="2200" dirty="0"/>
+              <a:t>* and Wei </a:t>
+            </a:r>
+            <a:r>
+              <a:rPr lang="en-US" sz="2200" dirty="0" smtClean="0"/>
+              <a:t>Zhang, School </a:t>
+            </a:r>
+            <a:r>
+              <a:rPr lang="en-US" sz="2200" dirty="0"/>
+              <a:t>of Control </a:t>
+            </a:r>
+            <a:endParaRPr lang="en-US" sz="2200" dirty="0" smtClean="0"/>
+          </a:p>
+          <a:p>
+            <a:r>
+              <a:rPr lang="en-US" sz="2200" dirty="0"/>
+              <a:t> </a:t>
+            </a:r>
+            <a:r>
+              <a:rPr lang="en-US" sz="2200" dirty="0" smtClean="0"/>
+              <a:t>   Science </a:t>
+            </a:r>
+            <a:r>
+              <a:rPr lang="en-US" sz="2200" dirty="0"/>
+              <a:t>and </a:t>
+            </a:r>
+            <a:r>
+              <a:rPr lang="en-US" sz="2200" dirty="0" smtClean="0"/>
+              <a:t>Engineering, Shandong </a:t>
+            </a:r>
+            <a:r>
+              <a:rPr lang="en-US" sz="2200" dirty="0"/>
+              <a:t>University, Jinan, 250061, </a:t>
+            </a:r>
+            <a:endParaRPr lang="en-US" sz="2200" dirty="0" smtClean="0"/>
+          </a:p>
+          <a:p>
+            <a:r>
+              <a:rPr lang="en-US" sz="2200" dirty="0"/>
+              <a:t> </a:t>
+            </a:r>
+            <a:r>
+              <a:rPr lang="en-US" sz="2200" dirty="0" smtClean="0"/>
+              <a:t>   P.R</a:t>
+            </a:r>
+            <a:r>
+              <a:rPr lang="en-US" sz="2200" dirty="0"/>
+              <a:t>. </a:t>
+            </a:r>
+            <a:r>
+              <a:rPr lang="en-US" sz="2200" dirty="0" smtClean="0"/>
+              <a:t>China</a:t>
+            </a:r>
+            <a:endParaRPr lang="de-DE" sz="2200" dirty="0" smtClean="0"/>
+          </a:p>
+        </p:txBody>
+      </p:sp>
+    </p:spTree>
+    <p:extLst>
+      <p:ext uri="{BB962C8B-B14F-4D97-AF65-F5344CB8AC3E}">
+        <p14:creationId xmlns:p14="http://schemas.microsoft.com/office/powerpoint/2010/main" val="2152446562"/>
+      </p:ext>
+    </p:extLst>
+  </p:cSld>
+  <p:clrMapOvr>
+    <a:masterClrMapping/>
+  </p:clrMapOvr>
+  <p:transition spd="slow"/>
+  <p:timing>
+    <p:tnLst>
+      <p:par>
+        <p:cTn id="1" dur="indefinite" restart="never" nodeType="tmRoot"/>
+      </p:par>
+    </p:tnLst>
+  </p:timing>
+</p:sld>
+</file>
+
+<file path=ppt/slides/slide12.xml><?xml version="1.0" encoding="utf-8"?>
+<p:sld xmlns:a="http://schemas.openxmlformats.org/drawingml/2006/main" xmlns:r="http://schemas.openxmlformats.org/officeDocument/2006/relationships" xmlns:p="http://schemas.openxmlformats.org/presentationml/2006/main">
+  <p:cSld>
+    <p:spTree>
+      <p:nvGrpSpPr>
+        <p:cNvPr id="1" name=""/>
+        <p:cNvGrpSpPr/>
+        <p:nvPr/>
+      </p:nvGrpSpPr>
+      <p:grpSpPr>
+        <a:xfrm>
+          <a:off x="0" y="0"/>
+          <a:ext cx="0" cy="0"/>
+          <a:chOff x="0" y="0"/>
+          <a:chExt cx="0" cy="0"/>
+        </a:xfrm>
+      </p:grpSpPr>
+      <p:sp>
+        <p:nvSpPr>
+          <p:cNvPr id="4" name="Rectangle 8"/>
+          <p:cNvSpPr>
+            <a:spLocks noGrp="1" noChangeArrowheads="1"/>
+          </p:cNvSpPr>
+          <p:nvPr>
+            <p:ph type="ftr" sz="quarter" idx="10"/>
+          </p:nvPr>
+        </p:nvSpPr>
+        <p:spPr>
+          <a:xfrm>
+            <a:off x="250824" y="6629400"/>
+            <a:ext cx="8359101" cy="228600"/>
+          </a:xfrm>
+          <a:ln/>
+        </p:spPr>
+        <p:txBody>
+          <a:bodyPr/>
+          <a:lstStyle/>
+          <a:p>
+            <a:r>
+              <a:rPr lang="de-DE" dirty="0"/>
+              <a:t>Seminar – Lokalisierung: </a:t>
+            </a:r>
+            <a:r>
+              <a:rPr lang="de-DE" dirty="0" err="1"/>
+              <a:t>Inertialsensorik</a:t>
+            </a:r>
+            <a:r>
+              <a:rPr lang="de-DE" dirty="0"/>
+              <a:t> und Funksysteme  - </a:t>
+            </a:r>
+            <a:r>
+              <a:rPr lang="de-DE" dirty="0" smtClean="0"/>
+              <a:t>17.06.2015 </a:t>
+            </a:r>
+            <a:r>
+              <a:rPr lang="de-DE" dirty="0"/>
+              <a:t>		</a:t>
+            </a:r>
+            <a:r>
+              <a:rPr lang="de-DE" dirty="0" err="1"/>
+              <a:t>Artemij</a:t>
+            </a:r>
+            <a:r>
+              <a:rPr lang="de-DE" dirty="0"/>
+              <a:t> </a:t>
+            </a:r>
+            <a:r>
+              <a:rPr lang="de-DE" dirty="0" err="1"/>
+              <a:t>Voskobojnikov</a:t>
+            </a:r>
+            <a:r>
+              <a:rPr lang="de-DE" dirty="0"/>
+              <a:t> und Benjamin </a:t>
+            </a:r>
+            <a:r>
+              <a:rPr lang="de-DE" dirty="0" err="1"/>
+              <a:t>Swiers</a:t>
+            </a:r>
+            <a:r>
+              <a:rPr lang="de-DE" dirty="0"/>
+              <a:t>		</a:t>
+            </a:r>
+          </a:p>
+        </p:txBody>
+      </p:sp>
+      <p:sp>
+        <p:nvSpPr>
+          <p:cNvPr id="67586" name="Rectangle 2"/>
+          <p:cNvSpPr>
+            <a:spLocks noGrp="1" noChangeArrowheads="1"/>
+          </p:cNvSpPr>
+          <p:nvPr>
+            <p:ph type="title"/>
+          </p:nvPr>
+        </p:nvSpPr>
+        <p:spPr>
+          <a:xfrm>
+            <a:off x="200025" y="298450"/>
+            <a:ext cx="6454775" cy="428625"/>
+          </a:xfrm>
+        </p:spPr>
+        <p:txBody>
+          <a:bodyPr/>
+          <a:lstStyle/>
+          <a:p>
+            <a:r>
               <a:rPr lang="en-US" sz="1800" dirty="0" err="1" smtClean="0"/>
               <a:t>Quellen</a:t>
             </a:r>
@@ -6499,7 +7432,6 @@
               <a:rPr lang="de-DE" sz="2200" dirty="0" smtClean="0"/>
               <a:t>Wird in Klimaanlage integriert</a:t>
             </a:r>
-            <a:endParaRPr lang="de-DE" sz="2200" dirty="0"/>
           </a:p>
           <a:p>
             <a:pPr marL="342900" indent="-342900">
@@ -6508,9 +7440,19 @@
             </a:pPr>
             <a:r>
               <a:rPr lang="de-DE" sz="2200" dirty="0" smtClean="0"/>
+              <a:t>Genauigkeit gering, da lediglich Öffnen/ Schließen von Türen erkannt wird </a:t>
+            </a:r>
+            <a:endParaRPr lang="de-DE" sz="2200" dirty="0"/>
+          </a:p>
+          <a:p>
+            <a:pPr marL="342900" indent="-342900">
+              <a:buFont typeface="Arial" pitchFamily="34" charset="0"/>
+              <a:buChar char="•"/>
+            </a:pPr>
+            <a:r>
+              <a:rPr lang="de-DE" sz="2200" dirty="0" smtClean="0"/>
               <a:t>Alternative: Bewegungssensoren, die den Weg einer Person registrieren</a:t>
             </a:r>
-            <a:endParaRPr lang="de-DE" sz="2200" dirty="0" smtClean="0"/>
           </a:p>
         </p:txBody>
       </p:sp>
@@ -6537,7 +7479,7 @@
         </p:blipFill>
         <p:spPr bwMode="auto">
           <a:xfrm>
-            <a:off x="4151313" y="3429000"/>
+            <a:off x="3986213" y="3187700"/>
             <a:ext cx="4829175" cy="3133725"/>
           </a:xfrm>
           <a:prstGeom prst="rect">
@@ -6748,7 +7690,7 @@
             </a:pPr>
             <a:r>
               <a:rPr lang="de-DE" sz="2200" dirty="0" smtClean="0"/>
-              <a:t>Drucksensoren auf dem Boden</a:t>
+              <a:t>Piezoelemente auf dem Boden</a:t>
             </a:r>
           </a:p>
           <a:p>
@@ -6758,7 +7700,17 @@
             </a:pPr>
             <a:r>
               <a:rPr lang="de-DE" sz="2200" dirty="0" smtClean="0"/>
-              <a:t>Piezoelektronische </a:t>
+              <a:t>Kapazitätsänderungen</a:t>
+            </a:r>
+          </a:p>
+          <a:p>
+            <a:pPr marL="698500" lvl="1" indent="-342900">
+              <a:buFont typeface="Arial" pitchFamily="34" charset="0"/>
+              <a:buChar char="•"/>
+            </a:pPr>
+            <a:r>
+              <a:rPr lang="de-DE" sz="2200" dirty="0" smtClean="0"/>
+              <a:t>Kameras (nächste Folie)</a:t>
             </a:r>
           </a:p>
           <a:p>
@@ -6778,7 +7730,11 @@
             </a:pPr>
             <a:r>
               <a:rPr lang="de-DE" sz="2200" dirty="0" smtClean="0"/>
-              <a:t>Funktionalität geht über Lokalisierung/ Tracking hinaus</a:t>
+              <a:t>Möglichkeiten:</a:t>
+            </a:r>
+            <a:r>
+              <a:rPr lang="de-DE" sz="2200" dirty="0" smtClean="0"/>
+              <a:t> </a:t>
             </a:r>
           </a:p>
           <a:p>
@@ -6788,7 +7744,7 @@
             </a:pPr>
             <a:r>
               <a:rPr lang="de-DE" sz="2200" dirty="0" smtClean="0"/>
-              <a:t>Schritterkennung</a:t>
+              <a:t>Lokalisierung</a:t>
             </a:r>
           </a:p>
           <a:p>
@@ -6798,16 +7754,141 @@
             </a:pPr>
             <a:r>
               <a:rPr lang="de-DE" sz="2200" dirty="0" smtClean="0"/>
-              <a:t>Erkennen </a:t>
-            </a:r>
-            <a:r>
-              <a:rPr lang="de-DE" sz="2200" smtClean="0"/>
-              <a:t>von Stürzen</a:t>
+              <a:t>Tracking</a:t>
             </a:r>
             <a:endParaRPr lang="de-DE" sz="2200" dirty="0" smtClean="0"/>
           </a:p>
-        </p:txBody>
-      </p:sp>
+          <a:p>
+            <a:pPr marL="698500" lvl="1" indent="-342900">
+              <a:buFont typeface="Arial" pitchFamily="34" charset="0"/>
+              <a:buChar char="•"/>
+            </a:pPr>
+            <a:r>
+              <a:rPr lang="de-DE" sz="2200" dirty="0" smtClean="0"/>
+              <a:t>Schritterkennung</a:t>
+            </a:r>
+          </a:p>
+          <a:p>
+            <a:pPr marL="698500" lvl="1" indent="-342900">
+              <a:buFont typeface="Arial" pitchFamily="34" charset="0"/>
+              <a:buChar char="•"/>
+            </a:pPr>
+            <a:r>
+              <a:rPr lang="de-DE" sz="2200" dirty="0" smtClean="0"/>
+              <a:t>Erkennen von Stürzen</a:t>
+            </a:r>
+          </a:p>
+          <a:p>
+            <a:pPr marL="698500" lvl="1" indent="-342900">
+              <a:buFont typeface="Arial" pitchFamily="34" charset="0"/>
+              <a:buChar char="•"/>
+            </a:pPr>
+            <a:r>
+              <a:rPr lang="de-DE" sz="2200" dirty="0" smtClean="0"/>
+              <a:t>Interaktion mit dem </a:t>
+            </a:r>
+            <a:r>
+              <a:rPr lang="de-DE" sz="2200" dirty="0" smtClean="0"/>
+              <a:t>Boden</a:t>
+            </a:r>
+          </a:p>
+          <a:p>
+            <a:pPr marL="698500" lvl="1" indent="-342900">
+              <a:buFont typeface="Arial" pitchFamily="34" charset="0"/>
+              <a:buChar char="•"/>
+            </a:pPr>
+            <a:endParaRPr lang="de-DE" sz="2200" dirty="0"/>
+          </a:p>
+          <a:p>
+            <a:pPr marL="698500" lvl="1" indent="-342900">
+              <a:buFont typeface="Arial" pitchFamily="34" charset="0"/>
+              <a:buChar char="•"/>
+            </a:pPr>
+            <a:endParaRPr lang="de-DE" sz="2200" dirty="0" smtClean="0"/>
+          </a:p>
+          <a:p>
+            <a:pPr marL="698500" lvl="1" indent="-342900">
+              <a:buFont typeface="Arial" pitchFamily="34" charset="0"/>
+              <a:buChar char="•"/>
+            </a:pPr>
+            <a:endParaRPr lang="de-DE" sz="2200" dirty="0" smtClean="0"/>
+          </a:p>
+          <a:p>
+            <a:pPr lvl="1" indent="0">
+              <a:buNone/>
+            </a:pPr>
+            <a:r>
+              <a:rPr lang="de-DE" sz="900" dirty="0" smtClean="0"/>
+              <a:t>Quelle</a:t>
+            </a:r>
+            <a:r>
+              <a:rPr lang="de-DE" sz="900" dirty="0"/>
+              <a:t>: </a:t>
+            </a:r>
+            <a:r>
+              <a:rPr lang="de-DE" sz="900" dirty="0">
+                <a:hlinkClick r:id="rId3"/>
+              </a:rPr>
+              <a:t>http://</a:t>
+            </a:r>
+            <a:r>
+              <a:rPr lang="de-DE" sz="900" dirty="0" smtClean="0">
+                <a:hlinkClick r:id="rId3"/>
+              </a:rPr>
+              <a:t>i.kinja-img.com/gawker-media/image/upload/s-</a:t>
+            </a:r>
+            <a:r>
+              <a:rPr lang="de-DE" sz="900" dirty="0">
+                <a:hlinkClick r:id="rId3"/>
+              </a:rPr>
+              <a:t>-WB7wQYq6--/</a:t>
+            </a:r>
+            <a:r>
+              <a:rPr lang="de-DE" sz="900" dirty="0" smtClean="0">
+                <a:hlinkClick r:id="rId3"/>
+              </a:rPr>
+              <a:t>c_fit,fl_progressive,q_80,w_636/19gzk7od0artwjpg.jpg</a:t>
+            </a:r>
+            <a:endParaRPr lang="de-DE" sz="900" dirty="0" smtClean="0"/>
+          </a:p>
+          <a:p>
+            <a:pPr lvl="1" indent="0">
+              <a:buNone/>
+            </a:pPr>
+            <a:endParaRPr lang="de-DE" sz="900" dirty="0" smtClean="0"/>
+          </a:p>
+        </p:txBody>
+      </p:sp>
+      <p:pic>
+        <p:nvPicPr>
+          <p:cNvPr id="2" name="Grafik 1"/>
+          <p:cNvPicPr>
+            <a:picLocks noChangeAspect="1"/>
+          </p:cNvPicPr>
+          <p:nvPr/>
+        </p:nvPicPr>
+        <p:blipFill>
+          <a:blip r:embed="rId4">
+            <a:extLst>
+              <a:ext uri="{28A0092B-C50C-407E-A947-70E740481C1C}">
+                <a14:useLocalDpi xmlns:a14="http://schemas.microsoft.com/office/drawing/2010/main" val="0"/>
+              </a:ext>
+            </a:extLst>
+          </a:blip>
+          <a:stretch>
+            <a:fillRect/>
+          </a:stretch>
+        </p:blipFill>
+        <p:spPr>
+          <a:xfrm>
+            <a:off x="4378825" y="2895600"/>
+            <a:ext cx="4676275" cy="3213100"/>
+          </a:xfrm>
+          <a:prstGeom prst="rect">
+            <a:avLst/>
+          </a:prstGeom>
+        </p:spPr>
+      </p:pic>
     </p:spTree>
     <p:extLst>
       <p:ext uri="{BB962C8B-B14F-4D97-AF65-F5344CB8AC3E}">
@@ -6935,8 +8016,16 @@
           <a:lstStyle/>
           <a:p>
             <a:r>
+              <a:rPr lang="en-US" sz="1800" dirty="0" err="1" smtClean="0"/>
+              <a:t>GravitySpace</a:t>
+            </a:r>
+            <a:r>
               <a:rPr lang="en-US" sz="1800" dirty="0"/>
-              <a:t>Computer-Vision</a:t>
+              <a:t> </a:t>
+            </a:r>
+            <a:r>
+              <a:rPr lang="en-US" sz="1800" dirty="0" smtClean="0"/>
+              <a:t>(HPI)</a:t>
             </a:r>
             <a:endParaRPr lang="de-DE" sz="1800" dirty="0" smtClean="0"/>
           </a:p>
@@ -6968,7 +8057,7 @@
             </a:pPr>
             <a:r>
               <a:rPr lang="de-DE" sz="2200" dirty="0" smtClean="0"/>
-              <a:t>Lokalisierung und Tracking durch Kameras</a:t>
+              <a:t>Nutze die Tatsache aus, dass ein Objekte unter Druck verschiedene Abdrücke hinterlässt</a:t>
             </a:r>
           </a:p>
           <a:p>
@@ -6978,7 +8067,7 @@
             </a:pPr>
             <a:r>
               <a:rPr lang="de-DE" sz="2200" dirty="0" smtClean="0"/>
-              <a:t>Intelligente Umgebung</a:t>
+              <a:t>Glasboden, unter dem Kameras angebracht sind</a:t>
             </a:r>
           </a:p>
           <a:p>
@@ -6988,27 +8077,7 @@
             </a:pPr>
             <a:r>
               <a:rPr lang="de-DE" sz="2200" dirty="0" smtClean="0"/>
-              <a:t>Auslösen von Ereignissen auf Grundlage der Position bzw. des Verhaltens einer Person</a:t>
-            </a:r>
-          </a:p>
-          <a:p>
-            <a:pPr marL="342900" indent="-342900">
-              <a:buFont typeface="Arial" pitchFamily="34" charset="0"/>
-              <a:buChar char="•"/>
-            </a:pPr>
-            <a:r>
-              <a:rPr lang="de-DE" sz="2200" dirty="0" smtClean="0"/>
-              <a:t>Genauigkeit: ca. 10 cm</a:t>
-            </a:r>
-          </a:p>
-          <a:p>
-            <a:pPr marL="342900" indent="-342900">
-              <a:buFont typeface="Arial" pitchFamily="34" charset="0"/>
-              <a:buChar char="•"/>
-            </a:pPr>
-            <a:r>
-              <a:rPr lang="de-DE" sz="2200" dirty="0" smtClean="0"/>
-              <a:t>Aufbau:</a:t>
+              <a:t>Möglichkeiten:</a:t>
             </a:r>
           </a:p>
           <a:p>
@@ -7018,7 +8087,7 @@
             </a:pPr>
             <a:r>
               <a:rPr lang="de-DE" sz="2200" dirty="0" smtClean="0"/>
-              <a:t>verschiedene Kameras</a:t>
+              <a:t>Lokalisierung</a:t>
             </a:r>
           </a:p>
           <a:p>
@@ -7028,29 +8097,34 @@
             </a:pPr>
             <a:r>
               <a:rPr lang="de-DE" sz="2200" dirty="0" smtClean="0"/>
-              <a:t>Pro Kamera ein PC + PC für Tracking</a:t>
-            </a:r>
-            <a:endParaRPr lang="de-DE" sz="2200" dirty="0"/>
+              <a:t>Tracking</a:t>
+            </a:r>
           </a:p>
           <a:p>
             <a:pPr marL="698500" lvl="1" indent="-342900">
               <a:buFont typeface="Arial" pitchFamily="34" charset="0"/>
               <a:buChar char="•"/>
             </a:pPr>
-            <a:endParaRPr lang="de-DE" sz="2200" dirty="0" smtClean="0"/>
-          </a:p>
-          <a:p>
-            <a:pPr marL="342900" indent="-342900">
+            <a:r>
+              <a:rPr lang="de-DE" sz="2200" dirty="0" smtClean="0"/>
+              <a:t>Interaktion</a:t>
+            </a:r>
+          </a:p>
+          <a:p>
+            <a:pPr marL="698500" lvl="1" indent="-342900">
               <a:buFont typeface="Arial" pitchFamily="34" charset="0"/>
               <a:buChar char="•"/>
             </a:pPr>
-            <a:endParaRPr lang="de-DE" sz="2200" dirty="0" smtClean="0"/>
+            <a:r>
+              <a:rPr lang="de-DE" sz="2200" dirty="0" smtClean="0"/>
+              <a:t>Identifikation</a:t>
+            </a:r>
           </a:p>
         </p:txBody>
       </p:sp>
       <p:pic>
         <p:nvPicPr>
-          <p:cNvPr id="3074" name="Picture 2"/>
+          <p:cNvPr id="1026" name="Picture 2"/>
           <p:cNvPicPr>
             <a:picLocks noChangeAspect="1" noChangeArrowheads="1"/>
           </p:cNvPicPr>
@@ -7071,8 +8145,8 @@
         </p:blipFill>
         <p:spPr bwMode="auto">
           <a:xfrm>
-            <a:off x="5997575" y="3167062"/>
-            <a:ext cx="3133725" cy="3419475"/>
+            <a:off x="4991100" y="1790059"/>
+            <a:ext cx="3633788" cy="2486666"/>
           </a:xfrm>
           <a:prstGeom prst="rect">
             <a:avLst/>
@@ -7112,10 +8186,138 @@
           </a:extLst>
         </p:spPr>
       </p:pic>
+      <p:pic>
+        <p:nvPicPr>
+          <p:cNvPr id="1027" name="Picture 3"/>
+          <p:cNvPicPr>
+            <a:picLocks noChangeAspect="1" noChangeArrowheads="1"/>
+          </p:cNvPicPr>
+          <p:nvPr/>
+        </p:nvPicPr>
+        <p:blipFill>
+          <a:blip r:embed="rId4">
+            <a:extLst>
+              <a:ext uri="{28A0092B-C50C-407E-A947-70E740481C1C}">
+                <a14:useLocalDpi xmlns:a14="http://schemas.microsoft.com/office/drawing/2010/main" val="0"/>
+              </a:ext>
+            </a:extLst>
+          </a:blip>
+          <a:srcRect/>
+          <a:stretch>
+            <a:fillRect/>
+          </a:stretch>
+        </p:blipFill>
+        <p:spPr bwMode="auto">
+          <a:xfrm>
+            <a:off x="301625" y="4111625"/>
+            <a:ext cx="3398073" cy="2254250"/>
+          </a:xfrm>
+          <a:prstGeom prst="rect">
+            <a:avLst/>
+          </a:prstGeom>
+          <a:noFill/>
+          <a:ln>
+            <a:noFill/>
+          </a:ln>
+          <a:effectLst/>
+          <a:extLst>
+            <a:ext uri="{909E8E84-426E-40DD-AFC4-6F175D3DCCD1}">
+              <a14:hiddenFill xmlns:a14="http://schemas.microsoft.com/office/drawing/2010/main">
+                <a:solidFill>
+                  <a:schemeClr val="accent1"/>
+                </a:solidFill>
+              </a14:hiddenFill>
+            </a:ext>
+            <a:ext uri="{91240B29-F687-4F45-9708-019B960494DF}">
+              <a14:hiddenLine xmlns:a14="http://schemas.microsoft.com/office/drawing/2010/main" w="9525">
+                <a:solidFill>
+                  <a:schemeClr val="tx1"/>
+                </a:solidFill>
+                <a:miter lim="800000"/>
+                <a:headEnd/>
+                <a:tailEnd/>
+              </a14:hiddenLine>
+            </a:ext>
+            <a:ext uri="{AF507438-7753-43E0-B8FC-AC1667EBCBE1}">
+              <a14:hiddenEffects xmlns:a14="http://schemas.microsoft.com/office/drawing/2010/main">
+                <a:effectLst>
+                  <a:outerShdw dist="35921" dir="2700000" algn="ctr" rotWithShape="0">
+                    <a:schemeClr val="bg2"/>
+                  </a:outerShdw>
+                </a:effectLst>
+              </a14:hiddenEffects>
+            </a:ext>
+          </a:extLst>
+        </p:spPr>
+      </p:pic>
+      <p:pic>
+        <p:nvPicPr>
+          <p:cNvPr id="1029" name="Picture 5"/>
+          <p:cNvPicPr>
+            <a:picLocks noChangeAspect="1" noChangeArrowheads="1"/>
+          </p:cNvPicPr>
+          <p:nvPr/>
+        </p:nvPicPr>
+        <p:blipFill>
+          <a:blip r:embed="rId5">
+            <a:extLst>
+              <a:ext uri="{28A0092B-C50C-407E-A947-70E740481C1C}">
+                <a14:useLocalDpi xmlns:a14="http://schemas.microsoft.com/office/drawing/2010/main" val="0"/>
+              </a:ext>
+            </a:extLst>
+          </a:blip>
+          <a:srcRect/>
+          <a:stretch>
+            <a:fillRect/>
+          </a:stretch>
+        </p:blipFill>
+        <p:spPr bwMode="auto">
+          <a:xfrm>
+            <a:off x="4898232" y="4276725"/>
+            <a:ext cx="3726656" cy="1962266"/>
+          </a:xfrm>
+          <a:prstGeom prst="rect">
+            <a:avLst/>
+          </a:prstGeom>
+          <a:noFill/>
+          <a:ln>
+            <a:noFill/>
+          </a:ln>
+          <a:effectLst/>
+          <a:extLst>
+            <a:ext uri="{909E8E84-426E-40DD-AFC4-6F175D3DCCD1}">
+              <a14:hiddenFill xmlns:a14="http://schemas.microsoft.com/office/drawing/2010/main">
+                <a:solidFill>
+                  <a:schemeClr val="accent1"/>
+                </a:solidFill>
+              </a14:hiddenFill>
+            </a:ext>
+            <a:ext uri="{91240B29-F687-4F45-9708-019B960494DF}">
+              <a14:hiddenLine xmlns:a14="http://schemas.microsoft.com/office/drawing/2010/main" w="9525">
+                <a:solidFill>
+                  <a:schemeClr val="tx1"/>
+                </a:solidFill>
+                <a:miter lim="800000"/>
+                <a:headEnd/>
+                <a:tailEnd/>
+              </a14:hiddenLine>
+            </a:ext>
+            <a:ext uri="{AF507438-7753-43E0-B8FC-AC1667EBCBE1}">
+              <a14:hiddenEffects xmlns:a14="http://schemas.microsoft.com/office/drawing/2010/main">
+                <a:effectLst>
+                  <a:outerShdw dist="35921" dir="2700000" algn="ctr" rotWithShape="0">
+                    <a:schemeClr val="bg2"/>
+                  </a:outerShdw>
+                </a:effectLst>
+              </a14:hiddenEffects>
+            </a:ext>
+          </a:extLst>
+        </p:spPr>
+      </p:pic>
     </p:spTree>
     <p:extLst>
       <p:ext uri="{BB962C8B-B14F-4D97-AF65-F5344CB8AC3E}">
-        <p14:creationId xmlns:p14="http://schemas.microsoft.com/office/powerpoint/2010/main" val="693853472"/>
+        <p14:creationId xmlns:p14="http://schemas.microsoft.com/office/powerpoint/2010/main" val="692245389"/>
       </p:ext>
     </p:extLst>
   </p:cSld>
@@ -7240,7 +8442,15 @@
           <a:p>
             <a:r>
               <a:rPr lang="en-US" sz="1800" dirty="0" err="1" smtClean="0"/>
-              <a:t>Quellen</a:t>
+              <a:t>GravitySpace</a:t>
+            </a:r>
+            <a:r>
+              <a:rPr lang="en-US" sz="1800" dirty="0"/>
+              <a:t> </a:t>
+            </a:r>
+            <a:r>
+              <a:rPr lang="en-US" sz="1800" dirty="0" smtClean="0"/>
+              <a:t>(HPI)</a:t>
             </a:r>
             <a:endParaRPr lang="de-DE" sz="1800" dirty="0" smtClean="0"/>
           </a:p>
@@ -7266,360 +8476,182 @@
           <a:bodyPr/>
           <a:lstStyle/>
           <a:p>
-            <a:r>
-              <a:rPr lang="de-DE" sz="2200" dirty="0" smtClean="0"/>
-              <a:t>1) Gabriel </a:t>
-            </a:r>
-            <a:r>
-              <a:rPr lang="de-DE" sz="2200" dirty="0" err="1" smtClean="0"/>
-              <a:t>Deak</a:t>
-            </a:r>
-            <a:r>
-              <a:rPr lang="de-DE" sz="2200" dirty="0" smtClean="0"/>
-              <a:t>, </a:t>
-            </a:r>
-            <a:r>
-              <a:rPr lang="de-DE" sz="2200" dirty="0"/>
-              <a:t>Kevin Curran, Joan </a:t>
-            </a:r>
-            <a:r>
-              <a:rPr lang="de-DE" sz="2200" dirty="0" err="1" smtClean="0"/>
-              <a:t>Condell</a:t>
-            </a:r>
-            <a:r>
-              <a:rPr lang="de-DE" sz="2200" dirty="0" smtClean="0"/>
-              <a:t>, Intelligent Systems</a:t>
-            </a:r>
-          </a:p>
-          <a:p>
-            <a:r>
-              <a:rPr lang="de-DE" sz="2200" dirty="0" smtClean="0"/>
-              <a:t>    </a:t>
-            </a:r>
-            <a:r>
-              <a:rPr lang="de-DE" sz="2200" dirty="0"/>
-              <a:t>Research </a:t>
-            </a:r>
-            <a:r>
-              <a:rPr lang="de-DE" sz="2200" dirty="0" err="1"/>
-              <a:t>Centre</a:t>
-            </a:r>
-            <a:r>
-              <a:rPr lang="de-DE" sz="2200" dirty="0"/>
-              <a:t>, University </a:t>
-            </a:r>
-            <a:r>
-              <a:rPr lang="de-DE" sz="2200" dirty="0" err="1"/>
-              <a:t>of</a:t>
-            </a:r>
-            <a:r>
-              <a:rPr lang="de-DE" sz="2200" dirty="0"/>
-              <a:t> Ulster, </a:t>
-            </a:r>
-            <a:r>
-              <a:rPr lang="de-DE" sz="2200" dirty="0" err="1"/>
-              <a:t>Derry</a:t>
-            </a:r>
-            <a:r>
-              <a:rPr lang="de-DE" sz="2200" dirty="0"/>
-              <a:t>, N. </a:t>
-            </a:r>
-            <a:r>
-              <a:rPr lang="de-DE" sz="2200" dirty="0" err="1"/>
-              <a:t>Ireland</a:t>
-            </a:r>
-            <a:r>
-              <a:rPr lang="de-DE" sz="2200" dirty="0"/>
-              <a:t> BT48 7JL, </a:t>
-            </a:r>
+            <a:pPr marL="342900" indent="-342900">
+              <a:buFont typeface="Arial" pitchFamily="34" charset="0"/>
+              <a:buChar char="•"/>
+            </a:pPr>
             <a:endParaRPr lang="de-DE" sz="2200" dirty="0" smtClean="0"/>
           </a:p>
-          <a:p>
-            <a:r>
-              <a:rPr lang="de-DE" sz="2200" dirty="0"/>
-              <a:t> </a:t>
-            </a:r>
-            <a:r>
-              <a:rPr lang="de-DE" sz="2200" dirty="0" smtClean="0"/>
-              <a:t>   UK</a:t>
-            </a:r>
-          </a:p>
-          <a:p>
-            <a:r>
-              <a:rPr lang="de-DE" sz="2200" dirty="0" smtClean="0"/>
-              <a:t>2) Jürgen Kemper, Institut für Roboterforschung, Technische </a:t>
-            </a:r>
-          </a:p>
-          <a:p>
-            <a:r>
-              <a:rPr lang="de-DE" sz="2200" dirty="0"/>
-              <a:t> </a:t>
-            </a:r>
-            <a:r>
-              <a:rPr lang="de-DE" sz="2200" dirty="0" smtClean="0"/>
-              <a:t>   Universität Dortmund</a:t>
-            </a:r>
-          </a:p>
-          <a:p>
-            <a:r>
-              <a:rPr lang="de-DE" sz="2200" dirty="0" smtClean="0"/>
-              <a:t>3) Philipp </a:t>
-            </a:r>
-            <a:r>
-              <a:rPr lang="de-DE" sz="2200" dirty="0" err="1"/>
-              <a:t>Leusmann</a:t>
-            </a:r>
-            <a:r>
-              <a:rPr lang="de-DE" sz="2200" dirty="0"/>
-              <a:t>, Christian </a:t>
-            </a:r>
-            <a:r>
-              <a:rPr lang="de-DE" sz="2200" dirty="0" err="1" smtClean="0"/>
-              <a:t>Möllering</a:t>
-            </a:r>
-            <a:r>
-              <a:rPr lang="de-DE" sz="2200" dirty="0" smtClean="0"/>
-              <a:t>,, Lars </a:t>
-            </a:r>
-            <a:r>
-              <a:rPr lang="de-DE" sz="2200" dirty="0"/>
-              <a:t>Klack, Kai </a:t>
-            </a:r>
-            <a:r>
-              <a:rPr lang="de-DE" sz="2200" dirty="0" err="1"/>
-              <a:t>Kasugai</a:t>
-            </a:r>
-            <a:r>
-              <a:rPr lang="de-DE" sz="2200" dirty="0"/>
-              <a:t>, </a:t>
-            </a:r>
-            <a:endParaRPr lang="de-DE" sz="2200" dirty="0" smtClean="0"/>
-          </a:p>
-          <a:p>
-            <a:r>
-              <a:rPr lang="de-DE" sz="2200" dirty="0"/>
-              <a:t> </a:t>
-            </a:r>
-            <a:r>
-              <a:rPr lang="de-DE" sz="2200" dirty="0" smtClean="0"/>
-              <a:t>   Martina </a:t>
-            </a:r>
-            <a:r>
-              <a:rPr lang="de-DE" sz="2200" dirty="0" err="1" smtClean="0"/>
-              <a:t>Ziefl</a:t>
-            </a:r>
-            <a:r>
-              <a:rPr lang="de-DE" sz="2200" dirty="0" smtClean="0"/>
-              <a:t>, </a:t>
-            </a:r>
-            <a:r>
-              <a:rPr lang="de-DE" sz="2200" dirty="0" err="1" smtClean="0"/>
-              <a:t>eHealth</a:t>
-            </a:r>
-            <a:r>
-              <a:rPr lang="de-DE" sz="2200" dirty="0" smtClean="0"/>
-              <a:t> </a:t>
-            </a:r>
-            <a:r>
-              <a:rPr lang="de-DE" sz="2200" dirty="0"/>
-              <a:t>Group, </a:t>
-            </a:r>
-            <a:r>
-              <a:rPr lang="de-DE" sz="2200" dirty="0" err="1"/>
-              <a:t>HumTec</a:t>
-            </a:r>
-            <a:r>
-              <a:rPr lang="de-DE" sz="2200" dirty="0"/>
-              <a:t> / Communication </a:t>
-            </a:r>
-            <a:r>
-              <a:rPr lang="de-DE" sz="2200" dirty="0" smtClean="0"/>
-              <a:t>Science </a:t>
-            </a:r>
-          </a:p>
-          <a:p>
-            <a:r>
-              <a:rPr lang="de-DE" sz="2200" dirty="0" smtClean="0"/>
-              <a:t>    RWTH Aachen University, Aachen, Germany</a:t>
-            </a:r>
-          </a:p>
-          <a:p>
-            <a:r>
-              <a:rPr lang="de-DE" sz="2200" dirty="0"/>
-              <a:t>4) Alan </a:t>
-            </a:r>
-            <a:r>
-              <a:rPr lang="de-DE" sz="2200" dirty="0" err="1"/>
-              <a:t>Bränzel</a:t>
-            </a:r>
-            <a:r>
-              <a:rPr lang="de-DE" sz="2200" dirty="0"/>
-              <a:t>, Christian Holz, Daniel Hoffmann, Dominik Schmidt</a:t>
-            </a:r>
-            <a:r>
-              <a:rPr lang="de-DE" sz="2200" dirty="0" smtClean="0"/>
-              <a:t>,</a:t>
-            </a:r>
-          </a:p>
-          <a:p>
-            <a:r>
-              <a:rPr lang="de-DE" sz="2200" dirty="0" smtClean="0"/>
-              <a:t>    Marius </a:t>
-            </a:r>
-            <a:r>
-              <a:rPr lang="de-DE" sz="2200" dirty="0" err="1" smtClean="0"/>
-              <a:t>Knaust</a:t>
-            </a:r>
-            <a:r>
-              <a:rPr lang="de-DE" sz="2200" dirty="0" smtClean="0"/>
-              <a:t>, Patrick </a:t>
-            </a:r>
-            <a:r>
-              <a:rPr lang="de-DE" sz="2200" dirty="0" err="1"/>
-              <a:t>Lühne</a:t>
-            </a:r>
-            <a:r>
-              <a:rPr lang="de-DE" sz="2200" dirty="0"/>
-              <a:t>, René </a:t>
-            </a:r>
-            <a:r>
-              <a:rPr lang="de-DE" sz="2200" dirty="0" err="1"/>
-              <a:t>Meusel</a:t>
-            </a:r>
-            <a:r>
-              <a:rPr lang="de-DE" sz="2200" dirty="0"/>
-              <a:t>, Stephan Richter</a:t>
-            </a:r>
-            <a:r>
-              <a:rPr lang="de-DE" sz="2200" dirty="0" smtClean="0"/>
-              <a:t>,</a:t>
-            </a:r>
-          </a:p>
-          <a:p>
-            <a:r>
-              <a:rPr lang="de-DE" sz="2200" dirty="0"/>
-              <a:t> </a:t>
-            </a:r>
-            <a:r>
-              <a:rPr lang="de-DE" sz="2200" dirty="0" smtClean="0"/>
-              <a:t>   </a:t>
-            </a:r>
-            <a:r>
-              <a:rPr lang="de-DE" sz="2200" dirty="0"/>
-              <a:t>Patrick </a:t>
-            </a:r>
-            <a:r>
-              <a:rPr lang="de-DE" sz="2200" dirty="0" err="1" smtClean="0"/>
-              <a:t>Baudisch</a:t>
-            </a:r>
-            <a:r>
-              <a:rPr lang="de-DE" sz="2200" dirty="0" smtClean="0"/>
-              <a:t>, Hasso </a:t>
-            </a:r>
-            <a:r>
-              <a:rPr lang="de-DE" sz="2200" dirty="0"/>
-              <a:t>Plattner Institute, Potsdam, </a:t>
-            </a:r>
-            <a:r>
-              <a:rPr lang="de-DE" sz="2200" dirty="0" smtClean="0"/>
-              <a:t>Germany</a:t>
-            </a:r>
-          </a:p>
-          <a:p>
-            <a:r>
-              <a:rPr lang="de-DE" sz="2200" dirty="0" smtClean="0"/>
-              <a:t>5) </a:t>
-            </a:r>
-            <a:r>
-              <a:rPr lang="en-US" sz="2200" dirty="0" err="1"/>
-              <a:t>Peng</a:t>
-            </a:r>
-            <a:r>
-              <a:rPr lang="en-US" sz="2200" dirty="0"/>
-              <a:t> </a:t>
-            </a:r>
-            <a:r>
-              <a:rPr lang="en-US" sz="2200" dirty="0" err="1"/>
-              <a:t>Duan</a:t>
-            </a:r>
-            <a:r>
-              <a:rPr lang="en-US" sz="2200" dirty="0"/>
-              <a:t>, </a:t>
-            </a:r>
-            <a:r>
-              <a:rPr lang="en-US" sz="2200" dirty="0" err="1"/>
-              <a:t>Guohui</a:t>
-            </a:r>
-            <a:r>
-              <a:rPr lang="en-US" sz="2200" dirty="0"/>
-              <a:t> </a:t>
-            </a:r>
-            <a:r>
-              <a:rPr lang="en-US" sz="2200" dirty="0" err="1"/>
-              <a:t>Tian</a:t>
-            </a:r>
-            <a:r>
-              <a:rPr lang="en-US" sz="2200" dirty="0"/>
-              <a:t>* and Wei </a:t>
-            </a:r>
-            <a:r>
-              <a:rPr lang="en-US" sz="2200" dirty="0" smtClean="0"/>
-              <a:t>Zhang, School </a:t>
-            </a:r>
-            <a:r>
-              <a:rPr lang="en-US" sz="2200" dirty="0"/>
-              <a:t>of Control </a:t>
-            </a:r>
-            <a:endParaRPr lang="en-US" sz="2200" dirty="0" smtClean="0"/>
-          </a:p>
-          <a:p>
-            <a:r>
-              <a:rPr lang="en-US" sz="2200" dirty="0"/>
-              <a:t> </a:t>
-            </a:r>
-            <a:r>
-              <a:rPr lang="en-US" sz="2200" dirty="0" smtClean="0"/>
-              <a:t>   Science </a:t>
-            </a:r>
-            <a:r>
-              <a:rPr lang="en-US" sz="2200" dirty="0"/>
-              <a:t>and </a:t>
-            </a:r>
-            <a:r>
-              <a:rPr lang="en-US" sz="2200" dirty="0" smtClean="0"/>
-              <a:t>Engineering, Shandong </a:t>
-            </a:r>
-            <a:r>
-              <a:rPr lang="en-US" sz="2200" dirty="0"/>
-              <a:t>University, Jinan, 250061, </a:t>
-            </a:r>
-            <a:endParaRPr lang="en-US" sz="2200" dirty="0" smtClean="0"/>
-          </a:p>
-          <a:p>
-            <a:r>
-              <a:rPr lang="en-US" sz="2200" dirty="0"/>
-              <a:t> </a:t>
-            </a:r>
-            <a:r>
-              <a:rPr lang="en-US" sz="2200" dirty="0" smtClean="0"/>
-              <a:t>   P.R</a:t>
-            </a:r>
-            <a:r>
-              <a:rPr lang="en-US" sz="2200" dirty="0"/>
-              <a:t>. </a:t>
-            </a:r>
-            <a:r>
-              <a:rPr lang="en-US" sz="2200" dirty="0" smtClean="0"/>
-              <a:t>China</a:t>
-            </a:r>
-            <a:endParaRPr lang="de-DE" sz="2200" dirty="0" smtClean="0"/>
-          </a:p>
-        </p:txBody>
-      </p:sp>
+        </p:txBody>
+      </p:sp>
+      <p:pic>
+        <p:nvPicPr>
+          <p:cNvPr id="1027" name="Picture 3"/>
+          <p:cNvPicPr>
+            <a:picLocks noChangeAspect="1" noChangeArrowheads="1"/>
+          </p:cNvPicPr>
+          <p:nvPr/>
+        </p:nvPicPr>
+        <p:blipFill>
+          <a:blip r:embed="rId3">
+            <a:extLst>
+              <a:ext uri="{28A0092B-C50C-407E-A947-70E740481C1C}">
+                <a14:useLocalDpi xmlns:a14="http://schemas.microsoft.com/office/drawing/2010/main" val="0"/>
+              </a:ext>
+            </a:extLst>
+          </a:blip>
+          <a:srcRect/>
+          <a:stretch>
+            <a:fillRect/>
+          </a:stretch>
+        </p:blipFill>
+        <p:spPr bwMode="auto">
+          <a:xfrm>
+            <a:off x="226302" y="746124"/>
+            <a:ext cx="4178194" cy="2771775"/>
+          </a:xfrm>
+          <a:prstGeom prst="rect">
+            <a:avLst/>
+          </a:prstGeom>
+          <a:noFill/>
+          <a:ln>
+            <a:noFill/>
+          </a:ln>
+          <a:effectLst/>
+          <a:extLst>
+            <a:ext uri="{909E8E84-426E-40DD-AFC4-6F175D3DCCD1}">
+              <a14:hiddenFill xmlns:a14="http://schemas.microsoft.com/office/drawing/2010/main">
+                <a:solidFill>
+                  <a:schemeClr val="accent1"/>
+                </a:solidFill>
+              </a14:hiddenFill>
+            </a:ext>
+            <a:ext uri="{91240B29-F687-4F45-9708-019B960494DF}">
+              <a14:hiddenLine xmlns:a14="http://schemas.microsoft.com/office/drawing/2010/main" w="9525">
+                <a:solidFill>
+                  <a:schemeClr val="tx1"/>
+                </a:solidFill>
+                <a:miter lim="800000"/>
+                <a:headEnd/>
+                <a:tailEnd/>
+              </a14:hiddenLine>
+            </a:ext>
+            <a:ext uri="{AF507438-7753-43E0-B8FC-AC1667EBCBE1}">
+              <a14:hiddenEffects xmlns:a14="http://schemas.microsoft.com/office/drawing/2010/main">
+                <a:effectLst>
+                  <a:outerShdw dist="35921" dir="2700000" algn="ctr" rotWithShape="0">
+                    <a:schemeClr val="bg2"/>
+                  </a:outerShdw>
+                </a:effectLst>
+              </a14:hiddenEffects>
+            </a:ext>
+          </a:extLst>
+        </p:spPr>
+      </p:pic>
+      <p:pic>
+        <p:nvPicPr>
+          <p:cNvPr id="1029" name="Picture 5"/>
+          <p:cNvPicPr>
+            <a:picLocks noChangeAspect="1" noChangeArrowheads="1"/>
+          </p:cNvPicPr>
+          <p:nvPr/>
+        </p:nvPicPr>
+        <p:blipFill>
+          <a:blip r:embed="rId4">
+            <a:extLst>
+              <a:ext uri="{28A0092B-C50C-407E-A947-70E740481C1C}">
+                <a14:useLocalDpi xmlns:a14="http://schemas.microsoft.com/office/drawing/2010/main" val="0"/>
+              </a:ext>
+            </a:extLst>
+          </a:blip>
+          <a:srcRect/>
+          <a:stretch>
+            <a:fillRect/>
+          </a:stretch>
+        </p:blipFill>
+        <p:spPr bwMode="auto">
+          <a:xfrm>
+            <a:off x="4182572" y="3844923"/>
+            <a:ext cx="4685179" cy="2466975"/>
+          </a:xfrm>
+          <a:prstGeom prst="rect">
+            <a:avLst/>
+          </a:prstGeom>
+          <a:noFill/>
+          <a:ln>
+            <a:noFill/>
+          </a:ln>
+          <a:effectLst/>
+          <a:extLst>
+            <a:ext uri="{909E8E84-426E-40DD-AFC4-6F175D3DCCD1}">
+              <a14:hiddenFill xmlns:a14="http://schemas.microsoft.com/office/drawing/2010/main">
+                <a:solidFill>
+                  <a:schemeClr val="accent1"/>
+                </a:solidFill>
+              </a14:hiddenFill>
+            </a:ext>
+            <a:ext uri="{91240B29-F687-4F45-9708-019B960494DF}">
+              <a14:hiddenLine xmlns:a14="http://schemas.microsoft.com/office/drawing/2010/main" w="9525">
+                <a:solidFill>
+                  <a:schemeClr val="tx1"/>
+                </a:solidFill>
+                <a:miter lim="800000"/>
+                <a:headEnd/>
+                <a:tailEnd/>
+              </a14:hiddenLine>
+            </a:ext>
+            <a:ext uri="{AF507438-7753-43E0-B8FC-AC1667EBCBE1}">
+              <a14:hiddenEffects xmlns:a14="http://schemas.microsoft.com/office/drawing/2010/main">
+                <a:effectLst>
+                  <a:outerShdw dist="35921" dir="2700000" algn="ctr" rotWithShape="0">
+                    <a:schemeClr val="bg2"/>
+                  </a:outerShdw>
+                </a:effectLst>
+              </a14:hiddenEffects>
+            </a:ext>
+          </a:extLst>
+        </p:spPr>
+      </p:pic>
+      <p:cxnSp>
+        <p:nvCxnSpPr>
+          <p:cNvPr id="3" name="Gewinkelte Verbindung 2"/>
+          <p:cNvCxnSpPr/>
+          <p:nvPr/>
+        </p:nvCxnSpPr>
+        <p:spPr bwMode="auto">
+          <a:xfrm>
+            <a:off x="2197100" y="3714748"/>
+            <a:ext cx="1358903" cy="1104903"/>
+          </a:xfrm>
+          <a:prstGeom prst="bentConnector3">
+            <a:avLst>
+              <a:gd name="adj1" fmla="val -467"/>
+            </a:avLst>
+          </a:prstGeom>
+          <a:ln>
+            <a:headEnd type="none" w="med" len="med"/>
+            <a:tailEnd type="arrow"/>
+          </a:ln>
+        </p:spPr>
+        <p:style>
+          <a:lnRef idx="3">
+            <a:schemeClr val="accent2"/>
+          </a:lnRef>
+          <a:fillRef idx="0">
+            <a:schemeClr val="accent2"/>
+          </a:fillRef>
+          <a:effectRef idx="2">
+            <a:schemeClr val="accent2"/>
+          </a:effectRef>
+          <a:fontRef idx="minor">
+            <a:schemeClr val="tx1"/>
+          </a:fontRef>
+        </p:style>
+      </p:cxnSp>
     </p:spTree>
     <p:extLst>
       <p:ext uri="{BB962C8B-B14F-4D97-AF65-F5344CB8AC3E}">
-        <p14:creationId xmlns:p14="http://schemas.microsoft.com/office/powerpoint/2010/main" val="2152446562"/>
+        <p14:creationId xmlns:p14="http://schemas.microsoft.com/office/powerpoint/2010/main" val="3103527347"/>
       </p:ext>
     </p:extLst>
   </p:cSld>

--- a/Vortrag/Seminar_TI_Sensorlose_Lokalisierung.pptx
+++ b/Vortrag/Seminar_TI_Sensorlose_Lokalisierung.pptx
@@ -1666,8 +1666,18 @@
           <a:p>
             <a:r>
               <a:rPr lang="de-DE" dirty="0" smtClean="0"/>
-              <a:t>Paper: kostengünstig…wirklich?</a:t>
-            </a:r>
+              <a:t>Paper: kostengünstig…wirklich</a:t>
+            </a:r>
+            <a:r>
+              <a:rPr lang="de-DE" dirty="0" smtClean="0"/>
+              <a:t>?</a:t>
+            </a:r>
+          </a:p>
+          <a:p>
+            <a:endParaRPr lang="de-DE" dirty="0" smtClean="0"/>
+          </a:p>
+          <a:p>
+            <a:endParaRPr lang="de-DE" dirty="0" smtClean="0"/>
           </a:p>
         </p:txBody>
       </p:sp>
@@ -6716,8 +6726,19 @@
             </a:pPr>
             <a:r>
               <a:rPr lang="de-DE" sz="2200" dirty="0" smtClean="0"/>
+              <a:t>Genauigkeit: +- 30 cm</a:t>
+            </a:r>
+          </a:p>
+          <a:p>
+            <a:pPr marL="641350" lvl="1" indent="-285750">
+              <a:buFont typeface="Arial" pitchFamily="34" charset="0"/>
+              <a:buChar char="•"/>
+            </a:pPr>
+            <a:r>
+              <a:rPr lang="de-DE" sz="2200" dirty="0" smtClean="0"/>
               <a:t>Vorteile</a:t>
             </a:r>
+            <a:endParaRPr lang="de-DE" sz="2200" dirty="0" smtClean="0"/>
           </a:p>
           <a:p>
             <a:pPr marL="1009650" lvl="2" indent="-285750">
@@ -7451,8 +7472,23 @@
             </a:pPr>
             <a:r>
               <a:rPr lang="de-DE" sz="2200" dirty="0" smtClean="0"/>
-              <a:t>Alternative: Bewegungssensoren, die den Weg einer Person registrieren</a:t>
-            </a:r>
+              <a:t>Alternative: Bewegungssensoren, die den Weg einer Person </a:t>
+            </a:r>
+            <a:r>
+              <a:rPr lang="de-DE" sz="2200" dirty="0" smtClean="0"/>
+              <a:t>registrieren</a:t>
+            </a:r>
+          </a:p>
+          <a:p>
+            <a:pPr marL="342900" indent="-342900">
+              <a:buFont typeface="Arial" pitchFamily="34" charset="0"/>
+              <a:buChar char="•"/>
+            </a:pPr>
+            <a:r>
+              <a:rPr lang="de-DE" sz="2200" dirty="0" smtClean="0"/>
+              <a:t>Genauigkeit: gering</a:t>
+            </a:r>
+            <a:endParaRPr lang="de-DE" sz="2200" dirty="0" smtClean="0"/>
           </a:p>
         </p:txBody>
       </p:sp>
@@ -7730,11 +7766,7 @@
             </a:pPr>
             <a:r>
               <a:rPr lang="de-DE" sz="2200" dirty="0" smtClean="0"/>
-              <a:t>Möglichkeiten:</a:t>
-            </a:r>
-            <a:r>
-              <a:rPr lang="de-DE" sz="2200" dirty="0" smtClean="0"/>
-              <a:t> </a:t>
+              <a:t>Möglichkeiten: </a:t>
             </a:r>
           </a:p>
           <a:p>
@@ -7756,7 +7788,6 @@
               <a:rPr lang="de-DE" sz="2200" dirty="0" smtClean="0"/>
               <a:t>Tracking</a:t>
             </a:r>
-            <a:endParaRPr lang="de-DE" sz="2200" dirty="0" smtClean="0"/>
           </a:p>
           <a:p>
             <a:pPr marL="698500" lvl="1" indent="-342900">
@@ -7791,6 +7822,37 @@
               <a:rPr lang="de-DE" sz="2200" dirty="0" smtClean="0"/>
               <a:t>Boden</a:t>
             </a:r>
+          </a:p>
+          <a:p>
+            <a:pPr marL="342900" indent="-342900">
+              <a:buFont typeface="Arial" pitchFamily="34" charset="0"/>
+              <a:buChar char="•"/>
+            </a:pPr>
+            <a:r>
+              <a:rPr lang="de-DE" sz="2200" dirty="0" smtClean="0"/>
+              <a:t>Genauigkeit:</a:t>
+            </a:r>
+          </a:p>
+          <a:p>
+            <a:pPr marL="698500" lvl="1" indent="-342900">
+              <a:buFont typeface="Arial" pitchFamily="34" charset="0"/>
+              <a:buChar char="•"/>
+            </a:pPr>
+            <a:r>
+              <a:rPr lang="de-DE" sz="2200" dirty="0" smtClean="0"/>
+              <a:t>Abhängig von # Sensoren</a:t>
+            </a:r>
+          </a:p>
+          <a:p>
+            <a:pPr marL="698500" lvl="1" indent="-342900">
+              <a:buFont typeface="Arial" pitchFamily="34" charset="0"/>
+              <a:buChar char="•"/>
+            </a:pPr>
+            <a:r>
+              <a:rPr lang="de-DE" sz="2200" dirty="0" smtClean="0"/>
+              <a:t>Laufend vs. stehend</a:t>
+            </a:r>
+            <a:endParaRPr lang="de-DE" sz="2200" dirty="0" smtClean="0"/>
           </a:p>
           <a:p>
             <a:pPr marL="698500" lvl="1" indent="-342900">

--- a/Vortrag/Seminar_TI_Sensorlose_Lokalisierung.pptx
+++ b/Vortrag/Seminar_TI_Sensorlose_Lokalisierung.pptx
@@ -5,24 +5,30 @@
     <p:sldMasterId id="2147483678" r:id="rId1"/>
   </p:sldMasterIdLst>
   <p:notesMasterIdLst>
-    <p:notesMasterId r:id="rId14"/>
+    <p:notesMasterId r:id="rId20"/>
   </p:notesMasterIdLst>
   <p:handoutMasterIdLst>
-    <p:handoutMasterId r:id="rId15"/>
+    <p:handoutMasterId r:id="rId21"/>
   </p:handoutMasterIdLst>
   <p:sldIdLst>
     <p:sldId id="257" r:id="rId2"/>
     <p:sldId id="289" r:id="rId3"/>
-    <p:sldId id="294" r:id="rId4"/>
-    <p:sldId id="295" r:id="rId5"/>
-    <p:sldId id="279" r:id="rId6"/>
-    <p:sldId id="292" r:id="rId7"/>
-    <p:sldId id="296" r:id="rId8"/>
-    <p:sldId id="297" r:id="rId9"/>
-    <p:sldId id="298" r:id="rId10"/>
-    <p:sldId id="293" r:id="rId11"/>
-    <p:sldId id="291" r:id="rId12"/>
-    <p:sldId id="290" r:id="rId13"/>
+    <p:sldId id="301" r:id="rId4"/>
+    <p:sldId id="302" r:id="rId5"/>
+    <p:sldId id="294" r:id="rId6"/>
+    <p:sldId id="303" r:id="rId7"/>
+    <p:sldId id="299" r:id="rId8"/>
+    <p:sldId id="304" r:id="rId9"/>
+    <p:sldId id="295" r:id="rId10"/>
+    <p:sldId id="300" r:id="rId11"/>
+    <p:sldId id="279" r:id="rId12"/>
+    <p:sldId id="292" r:id="rId13"/>
+    <p:sldId id="296" r:id="rId14"/>
+    <p:sldId id="297" r:id="rId15"/>
+    <p:sldId id="298" r:id="rId16"/>
+    <p:sldId id="293" r:id="rId17"/>
+    <p:sldId id="291" r:id="rId18"/>
+    <p:sldId id="290" r:id="rId19"/>
   </p:sldIdLst>
   <p:sldSz cx="9144000" cy="6858000" type="screen4x3"/>
   <p:notesSz cx="7099300" cy="10234613"/>
@@ -978,95 +984,13 @@
           <a:p>
             <a:r>
               <a:rPr lang="de-DE" dirty="0" smtClean="0"/>
-              <a:t>Licht</a:t>
+              <a:t>Verlauf</a:t>
             </a:r>
             <a:r>
               <a:rPr lang="de-DE" baseline="0" dirty="0" smtClean="0"/>
-              <a:t> anschalten / Musik anmachen</a:t>
-            </a:r>
-          </a:p>
-          <a:p>
-            <a:endParaRPr lang="de-DE" baseline="0" dirty="0" smtClean="0"/>
-          </a:p>
-          <a:p>
-            <a:r>
-              <a:rPr kumimoji="1" lang="de-DE" sz="1200" b="0" i="0" u="none" strike="noStrike" kern="1200" baseline="0" dirty="0" err="1" smtClean="0">
-                <a:solidFill>
-                  <a:schemeClr val="tx1"/>
-                </a:solidFill>
-                <a:latin typeface="Verdana" pitchFamily="34" charset="0"/>
-                <a:ea typeface="+mn-ea"/>
-                <a:cs typeface="+mn-cs"/>
-              </a:rPr>
-              <a:t>colour</a:t>
-            </a:r>
-            <a:r>
-              <a:rPr kumimoji="1" lang="de-DE" sz="1200" b="0" i="0" u="none" strike="noStrike" kern="1200" baseline="0" dirty="0" smtClean="0">
-                <a:solidFill>
-                  <a:schemeClr val="tx1"/>
-                </a:solidFill>
-                <a:latin typeface="Verdana" pitchFamily="34" charset="0"/>
-                <a:ea typeface="+mn-ea"/>
-                <a:cs typeface="+mn-cs"/>
-              </a:rPr>
-              <a:t> </a:t>
-            </a:r>
-            <a:r>
-              <a:rPr kumimoji="1" lang="de-DE" sz="1200" b="0" i="0" u="none" strike="noStrike" kern="1200" baseline="0" dirty="0" err="1" smtClean="0">
-                <a:solidFill>
-                  <a:schemeClr val="tx1"/>
-                </a:solidFill>
-                <a:latin typeface="Verdana" pitchFamily="34" charset="0"/>
-                <a:ea typeface="+mn-ea"/>
-                <a:cs typeface="+mn-cs"/>
-              </a:rPr>
-              <a:t>Triclops</a:t>
-            </a:r>
-            <a:r>
-              <a:rPr kumimoji="1" lang="de-DE" sz="1200" b="0" i="0" u="none" strike="noStrike" kern="1200" baseline="0" dirty="0" smtClean="0">
-                <a:solidFill>
-                  <a:schemeClr val="tx1"/>
-                </a:solidFill>
-                <a:latin typeface="Verdana" pitchFamily="34" charset="0"/>
-                <a:ea typeface="+mn-ea"/>
-                <a:cs typeface="+mn-cs"/>
-              </a:rPr>
-              <a:t> </a:t>
-            </a:r>
-            <a:r>
-              <a:rPr kumimoji="1" lang="de-DE" sz="1200" b="0" i="0" u="none" strike="noStrike" kern="1200" baseline="0" dirty="0" err="1" smtClean="0">
-                <a:solidFill>
-                  <a:schemeClr val="tx1"/>
-                </a:solidFill>
-                <a:latin typeface="Verdana" pitchFamily="34" charset="0"/>
-                <a:ea typeface="+mn-ea"/>
-                <a:cs typeface="+mn-cs"/>
-              </a:rPr>
-              <a:t>stereo</a:t>
-            </a:r>
-            <a:r>
-              <a:rPr kumimoji="1" lang="de-DE" sz="1200" b="0" i="0" u="none" strike="noStrike" kern="1200" baseline="0" dirty="0" smtClean="0">
-                <a:solidFill>
-                  <a:schemeClr val="tx1"/>
-                </a:solidFill>
-                <a:latin typeface="Verdana" pitchFamily="34" charset="0"/>
-                <a:ea typeface="+mn-ea"/>
-                <a:cs typeface="+mn-cs"/>
-              </a:rPr>
-              <a:t> </a:t>
-            </a:r>
-            <a:r>
-              <a:rPr kumimoji="1" lang="de-DE" sz="1200" b="0" i="0" u="none" strike="noStrike" kern="1200" baseline="0" dirty="0" err="1" smtClean="0">
-                <a:solidFill>
-                  <a:schemeClr val="tx1"/>
-                </a:solidFill>
-                <a:latin typeface="Verdana" pitchFamily="34" charset="0"/>
-                <a:ea typeface="+mn-ea"/>
-                <a:cs typeface="+mn-cs"/>
-              </a:rPr>
-              <a:t>cameras</a:t>
-            </a:r>
-            <a:endParaRPr lang="de-DE" baseline="0" dirty="0" smtClean="0"/>
+              <a:t> der Präsentation wird wie folgt aussehen</a:t>
+            </a:r>
+            <a:endParaRPr lang="de-DE" dirty="0" smtClean="0"/>
           </a:p>
         </p:txBody>
       </p:sp>
@@ -1127,15 +1051,69 @@
           <a:bodyPr/>
           <a:lstStyle/>
           <a:p>
-            <a:r>
-              <a:rPr lang="de-DE" dirty="0" smtClean="0"/>
-              <a:t>Verlauf</a:t>
-            </a:r>
-            <a:r>
-              <a:rPr lang="de-DE" baseline="0" dirty="0" smtClean="0"/>
-              <a:t> der Präsentation wird wie folgt aussehen</a:t>
-            </a:r>
-            <a:endParaRPr lang="de-DE" dirty="0" smtClean="0"/>
+            <a:pPr marL="0" indent="0">
+              <a:buFont typeface="Arial" pitchFamily="34" charset="0"/>
+              <a:buNone/>
+            </a:pPr>
+            <a:r>
+              <a:rPr lang="de-DE" sz="1200" dirty="0" smtClean="0"/>
+              <a:t>Thermopiles: </a:t>
+            </a:r>
+            <a:r>
+              <a:rPr kumimoji="1" lang="de-DE" sz="1200" b="0" i="0" u="none" strike="noStrike" kern="1200" baseline="0" dirty="0" smtClean="0">
+                <a:solidFill>
+                  <a:schemeClr val="tx1"/>
+                </a:solidFill>
+                <a:latin typeface="Verdana" pitchFamily="34" charset="0"/>
+                <a:ea typeface="+mn-ea"/>
+                <a:cs typeface="+mn-cs"/>
+              </a:rPr>
+              <a:t>Bauelemente, die thermische Energie in elektrische Energie umwandeln</a:t>
+            </a:r>
+          </a:p>
+          <a:p>
+            <a:pPr marL="0" indent="0">
+              <a:buFont typeface="Arial" pitchFamily="34" charset="0"/>
+              <a:buNone/>
+            </a:pPr>
+            <a:endParaRPr kumimoji="1" lang="de-DE" sz="1200" b="0" i="0" u="none" strike="noStrike" kern="1200" baseline="0" dirty="0" smtClean="0">
+              <a:solidFill>
+                <a:schemeClr val="tx1"/>
+              </a:solidFill>
+              <a:latin typeface="Verdana" pitchFamily="34" charset="0"/>
+              <a:ea typeface="+mn-ea"/>
+              <a:cs typeface="+mn-cs"/>
+            </a:endParaRPr>
+          </a:p>
+          <a:p>
+            <a:pPr marL="0" indent="0">
+              <a:buFont typeface="Arial" pitchFamily="34" charset="0"/>
+              <a:buNone/>
+            </a:pPr>
+            <a:r>
+              <a:rPr lang="de-DE" sz="2200" dirty="0" smtClean="0"/>
+              <a:t>Schutz der Privatsphäre</a:t>
+            </a:r>
+            <a:r>
+              <a:rPr lang="de-DE" sz="1200" dirty="0" smtClean="0"/>
+              <a:t>:</a:t>
+            </a:r>
+            <a:r>
+              <a:rPr lang="de-DE" sz="1200" baseline="0" dirty="0" smtClean="0"/>
+              <a:t> </a:t>
+            </a:r>
+            <a:r>
+              <a:rPr kumimoji="1" lang="de-DE" sz="1200" b="0" i="0" u="none" strike="noStrike" kern="1200" baseline="0" dirty="0" smtClean="0">
+                <a:solidFill>
+                  <a:schemeClr val="tx1"/>
+                </a:solidFill>
+                <a:latin typeface="Verdana" pitchFamily="34" charset="0"/>
+                <a:ea typeface="+mn-ea"/>
+                <a:cs typeface="+mn-cs"/>
+              </a:rPr>
+              <a:t>Verzicht von bildgebenden Sensoren</a:t>
+            </a:r>
+            <a:endParaRPr lang="de-DE" sz="2200" dirty="0" smtClean="0"/>
           </a:p>
         </p:txBody>
       </p:sp>
@@ -1216,6 +1194,493 @@
 </p:notes>
 </file>
 
+<file path=ppt/notesSlides/notesSlide13.xml><?xml version="1.0" encoding="utf-8"?>
+<p:notes xmlns:a="http://schemas.openxmlformats.org/drawingml/2006/main" xmlns:r="http://schemas.openxmlformats.org/officeDocument/2006/relationships" xmlns:p="http://schemas.openxmlformats.org/presentationml/2006/main">
+  <p:cSld>
+    <p:spTree>
+      <p:nvGrpSpPr>
+        <p:cNvPr id="1" name=""/>
+        <p:cNvGrpSpPr/>
+        <p:nvPr/>
+      </p:nvGrpSpPr>
+      <p:grpSpPr>
+        <a:xfrm>
+          <a:off x="0" y="0"/>
+          <a:ext cx="0" cy="0"/>
+          <a:chOff x="0" y="0"/>
+          <a:chExt cx="0" cy="0"/>
+        </a:xfrm>
+      </p:grpSpPr>
+      <p:sp>
+        <p:nvSpPr>
+          <p:cNvPr id="68610" name="Rectangle 2"/>
+          <p:cNvSpPr>
+            <a:spLocks noGrp="1" noRot="1" noChangeAspect="1" noChangeArrowheads="1" noTextEdit="1"/>
+          </p:cNvSpPr>
+          <p:nvPr>
+            <p:ph type="sldImg"/>
+          </p:nvPr>
+        </p:nvSpPr>
+        <p:spPr>
+          <a:ln/>
+        </p:spPr>
+      </p:sp>
+      <p:sp>
+        <p:nvSpPr>
+          <p:cNvPr id="68611" name="Rectangle 3"/>
+          <p:cNvSpPr>
+            <a:spLocks noGrp="1" noChangeArrowheads="1"/>
+          </p:cNvSpPr>
+          <p:nvPr>
+            <p:ph type="body" idx="1"/>
+          </p:nvPr>
+        </p:nvSpPr>
+        <p:spPr>
+          <a:noFill/>
+          <a:ln/>
+        </p:spPr>
+        <p:txBody>
+          <a:bodyPr/>
+          <a:lstStyle/>
+          <a:p>
+            <a:r>
+              <a:rPr lang="de-DE" dirty="0" smtClean="0"/>
+              <a:t>Paper: kostengünstig…wirklich?</a:t>
+            </a:r>
+          </a:p>
+          <a:p>
+            <a:endParaRPr lang="de-DE" dirty="0" smtClean="0"/>
+          </a:p>
+          <a:p>
+            <a:endParaRPr lang="de-DE" dirty="0" smtClean="0"/>
+          </a:p>
+        </p:txBody>
+      </p:sp>
+    </p:spTree>
+  </p:cSld>
+  <p:clrMapOvr>
+    <a:masterClrMapping/>
+  </p:clrMapOvr>
+</p:notes>
+</file>
+
+<file path=ppt/notesSlides/notesSlide14.xml><?xml version="1.0" encoding="utf-8"?>
+<p:notes xmlns:a="http://schemas.openxmlformats.org/drawingml/2006/main" xmlns:r="http://schemas.openxmlformats.org/officeDocument/2006/relationships" xmlns:p="http://schemas.openxmlformats.org/presentationml/2006/main">
+  <p:cSld>
+    <p:spTree>
+      <p:nvGrpSpPr>
+        <p:cNvPr id="1" name=""/>
+        <p:cNvGrpSpPr/>
+        <p:nvPr/>
+      </p:nvGrpSpPr>
+      <p:grpSpPr>
+        <a:xfrm>
+          <a:off x="0" y="0"/>
+          <a:ext cx="0" cy="0"/>
+          <a:chOff x="0" y="0"/>
+          <a:chExt cx="0" cy="0"/>
+        </a:xfrm>
+      </p:grpSpPr>
+      <p:sp>
+        <p:nvSpPr>
+          <p:cNvPr id="68610" name="Rectangle 2"/>
+          <p:cNvSpPr>
+            <a:spLocks noGrp="1" noRot="1" noChangeAspect="1" noChangeArrowheads="1" noTextEdit="1"/>
+          </p:cNvSpPr>
+          <p:nvPr>
+            <p:ph type="sldImg"/>
+          </p:nvPr>
+        </p:nvSpPr>
+        <p:spPr>
+          <a:ln/>
+        </p:spPr>
+      </p:sp>
+      <p:sp>
+        <p:nvSpPr>
+          <p:cNvPr id="68611" name="Rectangle 3"/>
+          <p:cNvSpPr>
+            <a:spLocks noGrp="1" noChangeArrowheads="1"/>
+          </p:cNvSpPr>
+          <p:nvPr>
+            <p:ph type="body" idx="1"/>
+          </p:nvPr>
+        </p:nvSpPr>
+        <p:spPr>
+          <a:noFill/>
+          <a:ln/>
+        </p:spPr>
+        <p:txBody>
+          <a:bodyPr/>
+          <a:lstStyle/>
+          <a:p>
+            <a:r>
+              <a:rPr lang="de-DE" dirty="0" smtClean="0"/>
+              <a:t>Paper: kostengünstig…wirklich?</a:t>
+            </a:r>
+          </a:p>
+        </p:txBody>
+      </p:sp>
+    </p:spTree>
+  </p:cSld>
+  <p:clrMapOvr>
+    <a:masterClrMapping/>
+  </p:clrMapOvr>
+</p:notes>
+</file>
+
+<file path=ppt/notesSlides/notesSlide15.xml><?xml version="1.0" encoding="utf-8"?>
+<p:notes xmlns:a="http://schemas.openxmlformats.org/drawingml/2006/main" xmlns:r="http://schemas.openxmlformats.org/officeDocument/2006/relationships" xmlns:p="http://schemas.openxmlformats.org/presentationml/2006/main">
+  <p:cSld>
+    <p:spTree>
+      <p:nvGrpSpPr>
+        <p:cNvPr id="1" name=""/>
+        <p:cNvGrpSpPr/>
+        <p:nvPr/>
+      </p:nvGrpSpPr>
+      <p:grpSpPr>
+        <a:xfrm>
+          <a:off x="0" y="0"/>
+          <a:ext cx="0" cy="0"/>
+          <a:chOff x="0" y="0"/>
+          <a:chExt cx="0" cy="0"/>
+        </a:xfrm>
+      </p:grpSpPr>
+      <p:sp>
+        <p:nvSpPr>
+          <p:cNvPr id="68610" name="Rectangle 2"/>
+          <p:cNvSpPr>
+            <a:spLocks noGrp="1" noRot="1" noChangeAspect="1" noChangeArrowheads="1" noTextEdit="1"/>
+          </p:cNvSpPr>
+          <p:nvPr>
+            <p:ph type="sldImg"/>
+          </p:nvPr>
+        </p:nvSpPr>
+        <p:spPr>
+          <a:ln/>
+        </p:spPr>
+      </p:sp>
+      <p:sp>
+        <p:nvSpPr>
+          <p:cNvPr id="68611" name="Rectangle 3"/>
+          <p:cNvSpPr>
+            <a:spLocks noGrp="1" noChangeArrowheads="1"/>
+          </p:cNvSpPr>
+          <p:nvPr>
+            <p:ph type="body" idx="1"/>
+          </p:nvPr>
+        </p:nvSpPr>
+        <p:spPr>
+          <a:noFill/>
+          <a:ln/>
+        </p:spPr>
+        <p:txBody>
+          <a:bodyPr/>
+          <a:lstStyle/>
+          <a:p>
+            <a:r>
+              <a:rPr lang="de-DE" dirty="0" smtClean="0"/>
+              <a:t>Paper: kostengünstig…wirklich?</a:t>
+            </a:r>
+          </a:p>
+        </p:txBody>
+      </p:sp>
+    </p:spTree>
+  </p:cSld>
+  <p:clrMapOvr>
+    <a:masterClrMapping/>
+  </p:clrMapOvr>
+</p:notes>
+</file>
+
+<file path=ppt/notesSlides/notesSlide16.xml><?xml version="1.0" encoding="utf-8"?>
+<p:notes xmlns:a="http://schemas.openxmlformats.org/drawingml/2006/main" xmlns:r="http://schemas.openxmlformats.org/officeDocument/2006/relationships" xmlns:p="http://schemas.openxmlformats.org/presentationml/2006/main">
+  <p:cSld>
+    <p:spTree>
+      <p:nvGrpSpPr>
+        <p:cNvPr id="1" name=""/>
+        <p:cNvGrpSpPr/>
+        <p:nvPr/>
+      </p:nvGrpSpPr>
+      <p:grpSpPr>
+        <a:xfrm>
+          <a:off x="0" y="0"/>
+          <a:ext cx="0" cy="0"/>
+          <a:chOff x="0" y="0"/>
+          <a:chExt cx="0" cy="0"/>
+        </a:xfrm>
+      </p:grpSpPr>
+      <p:sp>
+        <p:nvSpPr>
+          <p:cNvPr id="68610" name="Rectangle 2"/>
+          <p:cNvSpPr>
+            <a:spLocks noGrp="1" noRot="1" noChangeAspect="1" noChangeArrowheads="1" noTextEdit="1"/>
+          </p:cNvSpPr>
+          <p:nvPr>
+            <p:ph type="sldImg"/>
+          </p:nvPr>
+        </p:nvSpPr>
+        <p:spPr>
+          <a:ln/>
+        </p:spPr>
+      </p:sp>
+      <p:sp>
+        <p:nvSpPr>
+          <p:cNvPr id="68611" name="Rectangle 3"/>
+          <p:cNvSpPr>
+            <a:spLocks noGrp="1" noChangeArrowheads="1"/>
+          </p:cNvSpPr>
+          <p:nvPr>
+            <p:ph type="body" idx="1"/>
+          </p:nvPr>
+        </p:nvSpPr>
+        <p:spPr>
+          <a:noFill/>
+          <a:ln/>
+        </p:spPr>
+        <p:txBody>
+          <a:bodyPr/>
+          <a:lstStyle/>
+          <a:p>
+            <a:r>
+              <a:rPr lang="de-DE" dirty="0" smtClean="0"/>
+              <a:t>Licht</a:t>
+            </a:r>
+            <a:r>
+              <a:rPr lang="de-DE" baseline="0" dirty="0" smtClean="0"/>
+              <a:t> anschalten / Musik anmachen</a:t>
+            </a:r>
+          </a:p>
+          <a:p>
+            <a:endParaRPr lang="de-DE" baseline="0" dirty="0" smtClean="0"/>
+          </a:p>
+          <a:p>
+            <a:r>
+              <a:rPr kumimoji="1" lang="de-DE" sz="1200" b="0" i="0" u="none" strike="noStrike" kern="1200" baseline="0" dirty="0" err="1" smtClean="0">
+                <a:solidFill>
+                  <a:schemeClr val="tx1"/>
+                </a:solidFill>
+                <a:latin typeface="Verdana" pitchFamily="34" charset="0"/>
+                <a:ea typeface="+mn-ea"/>
+                <a:cs typeface="+mn-cs"/>
+              </a:rPr>
+              <a:t>colour</a:t>
+            </a:r>
+            <a:r>
+              <a:rPr kumimoji="1" lang="de-DE" sz="1200" b="0" i="0" u="none" strike="noStrike" kern="1200" baseline="0" dirty="0" smtClean="0">
+                <a:solidFill>
+                  <a:schemeClr val="tx1"/>
+                </a:solidFill>
+                <a:latin typeface="Verdana" pitchFamily="34" charset="0"/>
+                <a:ea typeface="+mn-ea"/>
+                <a:cs typeface="+mn-cs"/>
+              </a:rPr>
+              <a:t> </a:t>
+            </a:r>
+            <a:r>
+              <a:rPr kumimoji="1" lang="de-DE" sz="1200" b="0" i="0" u="none" strike="noStrike" kern="1200" baseline="0" dirty="0" err="1" smtClean="0">
+                <a:solidFill>
+                  <a:schemeClr val="tx1"/>
+                </a:solidFill>
+                <a:latin typeface="Verdana" pitchFamily="34" charset="0"/>
+                <a:ea typeface="+mn-ea"/>
+                <a:cs typeface="+mn-cs"/>
+              </a:rPr>
+              <a:t>Triclops</a:t>
+            </a:r>
+            <a:r>
+              <a:rPr kumimoji="1" lang="de-DE" sz="1200" b="0" i="0" u="none" strike="noStrike" kern="1200" baseline="0" dirty="0" smtClean="0">
+                <a:solidFill>
+                  <a:schemeClr val="tx1"/>
+                </a:solidFill>
+                <a:latin typeface="Verdana" pitchFamily="34" charset="0"/>
+                <a:ea typeface="+mn-ea"/>
+                <a:cs typeface="+mn-cs"/>
+              </a:rPr>
+              <a:t> </a:t>
+            </a:r>
+            <a:r>
+              <a:rPr kumimoji="1" lang="de-DE" sz="1200" b="0" i="0" u="none" strike="noStrike" kern="1200" baseline="0" dirty="0" err="1" smtClean="0">
+                <a:solidFill>
+                  <a:schemeClr val="tx1"/>
+                </a:solidFill>
+                <a:latin typeface="Verdana" pitchFamily="34" charset="0"/>
+                <a:ea typeface="+mn-ea"/>
+                <a:cs typeface="+mn-cs"/>
+              </a:rPr>
+              <a:t>stereo</a:t>
+            </a:r>
+            <a:r>
+              <a:rPr kumimoji="1" lang="de-DE" sz="1200" b="0" i="0" u="none" strike="noStrike" kern="1200" baseline="0" dirty="0" smtClean="0">
+                <a:solidFill>
+                  <a:schemeClr val="tx1"/>
+                </a:solidFill>
+                <a:latin typeface="Verdana" pitchFamily="34" charset="0"/>
+                <a:ea typeface="+mn-ea"/>
+                <a:cs typeface="+mn-cs"/>
+              </a:rPr>
+              <a:t> </a:t>
+            </a:r>
+            <a:r>
+              <a:rPr kumimoji="1" lang="de-DE" sz="1200" b="0" i="0" u="none" strike="noStrike" kern="1200" baseline="0" dirty="0" err="1" smtClean="0">
+                <a:solidFill>
+                  <a:schemeClr val="tx1"/>
+                </a:solidFill>
+                <a:latin typeface="Verdana" pitchFamily="34" charset="0"/>
+                <a:ea typeface="+mn-ea"/>
+                <a:cs typeface="+mn-cs"/>
+              </a:rPr>
+              <a:t>cameras</a:t>
+            </a:r>
+            <a:endParaRPr lang="de-DE" baseline="0" dirty="0" smtClean="0"/>
+          </a:p>
+        </p:txBody>
+      </p:sp>
+    </p:spTree>
+  </p:cSld>
+  <p:clrMapOvr>
+    <a:masterClrMapping/>
+  </p:clrMapOvr>
+</p:notes>
+</file>
+
+<file path=ppt/notesSlides/notesSlide17.xml><?xml version="1.0" encoding="utf-8"?>
+<p:notes xmlns:a="http://schemas.openxmlformats.org/drawingml/2006/main" xmlns:r="http://schemas.openxmlformats.org/officeDocument/2006/relationships" xmlns:p="http://schemas.openxmlformats.org/presentationml/2006/main">
+  <p:cSld>
+    <p:spTree>
+      <p:nvGrpSpPr>
+        <p:cNvPr id="1" name=""/>
+        <p:cNvGrpSpPr/>
+        <p:nvPr/>
+      </p:nvGrpSpPr>
+      <p:grpSpPr>
+        <a:xfrm>
+          <a:off x="0" y="0"/>
+          <a:ext cx="0" cy="0"/>
+          <a:chOff x="0" y="0"/>
+          <a:chExt cx="0" cy="0"/>
+        </a:xfrm>
+      </p:grpSpPr>
+      <p:sp>
+        <p:nvSpPr>
+          <p:cNvPr id="68610" name="Rectangle 2"/>
+          <p:cNvSpPr>
+            <a:spLocks noGrp="1" noRot="1" noChangeAspect="1" noChangeArrowheads="1" noTextEdit="1"/>
+          </p:cNvSpPr>
+          <p:nvPr>
+            <p:ph type="sldImg"/>
+          </p:nvPr>
+        </p:nvSpPr>
+        <p:spPr>
+          <a:ln/>
+        </p:spPr>
+      </p:sp>
+      <p:sp>
+        <p:nvSpPr>
+          <p:cNvPr id="68611" name="Rectangle 3"/>
+          <p:cNvSpPr>
+            <a:spLocks noGrp="1" noChangeArrowheads="1"/>
+          </p:cNvSpPr>
+          <p:nvPr>
+            <p:ph type="body" idx="1"/>
+          </p:nvPr>
+        </p:nvSpPr>
+        <p:spPr>
+          <a:noFill/>
+          <a:ln/>
+        </p:spPr>
+        <p:txBody>
+          <a:bodyPr/>
+          <a:lstStyle/>
+          <a:p>
+            <a:r>
+              <a:rPr lang="de-DE" dirty="0" smtClean="0"/>
+              <a:t>Verlauf</a:t>
+            </a:r>
+            <a:r>
+              <a:rPr lang="de-DE" baseline="0" dirty="0" smtClean="0"/>
+              <a:t> der Präsentation wird wie folgt aussehen</a:t>
+            </a:r>
+            <a:endParaRPr lang="de-DE" dirty="0" smtClean="0"/>
+          </a:p>
+        </p:txBody>
+      </p:sp>
+    </p:spTree>
+  </p:cSld>
+  <p:clrMapOvr>
+    <a:masterClrMapping/>
+  </p:clrMapOvr>
+</p:notes>
+</file>
+
+<file path=ppt/notesSlides/notesSlide18.xml><?xml version="1.0" encoding="utf-8"?>
+<p:notes xmlns:a="http://schemas.openxmlformats.org/drawingml/2006/main" xmlns:r="http://schemas.openxmlformats.org/officeDocument/2006/relationships" xmlns:p="http://schemas.openxmlformats.org/presentationml/2006/main">
+  <p:cSld>
+    <p:spTree>
+      <p:nvGrpSpPr>
+        <p:cNvPr id="1" name=""/>
+        <p:cNvGrpSpPr/>
+        <p:nvPr/>
+      </p:nvGrpSpPr>
+      <p:grpSpPr>
+        <a:xfrm>
+          <a:off x="0" y="0"/>
+          <a:ext cx="0" cy="0"/>
+          <a:chOff x="0" y="0"/>
+          <a:chExt cx="0" cy="0"/>
+        </a:xfrm>
+      </p:grpSpPr>
+      <p:sp>
+        <p:nvSpPr>
+          <p:cNvPr id="68610" name="Rectangle 2"/>
+          <p:cNvSpPr>
+            <a:spLocks noGrp="1" noRot="1" noChangeAspect="1" noChangeArrowheads="1" noTextEdit="1"/>
+          </p:cNvSpPr>
+          <p:nvPr>
+            <p:ph type="sldImg"/>
+          </p:nvPr>
+        </p:nvSpPr>
+        <p:spPr>
+          <a:ln/>
+        </p:spPr>
+      </p:sp>
+      <p:sp>
+        <p:nvSpPr>
+          <p:cNvPr id="68611" name="Rectangle 3"/>
+          <p:cNvSpPr>
+            <a:spLocks noGrp="1" noChangeArrowheads="1"/>
+          </p:cNvSpPr>
+          <p:nvPr>
+            <p:ph type="body" idx="1"/>
+          </p:nvPr>
+        </p:nvSpPr>
+        <p:spPr>
+          <a:noFill/>
+          <a:ln/>
+        </p:spPr>
+        <p:txBody>
+          <a:bodyPr/>
+          <a:lstStyle/>
+          <a:p>
+            <a:r>
+              <a:rPr lang="de-DE" dirty="0" smtClean="0"/>
+              <a:t>Verlauf</a:t>
+            </a:r>
+            <a:r>
+              <a:rPr lang="de-DE" baseline="0" dirty="0" smtClean="0"/>
+              <a:t> der Präsentation wird wie folgt aussehen</a:t>
+            </a:r>
+            <a:endParaRPr lang="de-DE" dirty="0" smtClean="0"/>
+          </a:p>
+        </p:txBody>
+      </p:sp>
+    </p:spTree>
+  </p:cSld>
+  <p:clrMapOvr>
+    <a:masterClrMapping/>
+  </p:clrMapOvr>
+</p:notes>
+</file>
+
 <file path=ppt/notesSlides/notesSlide2.xml><?xml version="1.0" encoding="utf-8"?>
 <p:notes xmlns:a="http://schemas.openxmlformats.org/drawingml/2006/main" xmlns:r="http://schemas.openxmlformats.org/officeDocument/2006/relationships" xmlns:p="http://schemas.openxmlformats.org/presentationml/2006/main">
   <p:cSld>
@@ -1472,69 +1937,15 @@
           <a:bodyPr/>
           <a:lstStyle/>
           <a:p>
-            <a:pPr marL="0" indent="0">
-              <a:buFont typeface="Arial" pitchFamily="34" charset="0"/>
-              <a:buNone/>
-            </a:pPr>
-            <a:r>
-              <a:rPr lang="de-DE" sz="1200" dirty="0" smtClean="0"/>
-              <a:t>Thermopiles: </a:t>
-            </a:r>
-            <a:r>
-              <a:rPr kumimoji="1" lang="de-DE" sz="1200" b="0" i="0" u="none" strike="noStrike" kern="1200" baseline="0" dirty="0" smtClean="0">
-                <a:solidFill>
-                  <a:schemeClr val="tx1"/>
-                </a:solidFill>
-                <a:latin typeface="Verdana" pitchFamily="34" charset="0"/>
-                <a:ea typeface="+mn-ea"/>
-                <a:cs typeface="+mn-cs"/>
-              </a:rPr>
-              <a:t>Bauelemente, die thermische Energie in elektrische Energie umwandeln</a:t>
-            </a:r>
-          </a:p>
-          <a:p>
-            <a:pPr marL="0" indent="0">
-              <a:buFont typeface="Arial" pitchFamily="34" charset="0"/>
-              <a:buNone/>
-            </a:pPr>
-            <a:endParaRPr kumimoji="1" lang="de-DE" sz="1200" b="0" i="0" u="none" strike="noStrike" kern="1200" baseline="0" dirty="0" smtClean="0">
-              <a:solidFill>
-                <a:schemeClr val="tx1"/>
-              </a:solidFill>
-              <a:latin typeface="Verdana" pitchFamily="34" charset="0"/>
-              <a:ea typeface="+mn-ea"/>
-              <a:cs typeface="+mn-cs"/>
-            </a:endParaRPr>
-          </a:p>
-          <a:p>
-            <a:pPr marL="0" indent="0">
-              <a:buFont typeface="Arial" pitchFamily="34" charset="0"/>
-              <a:buNone/>
-            </a:pPr>
-            <a:r>
-              <a:rPr lang="de-DE" sz="2200" dirty="0" smtClean="0"/>
-              <a:t>Schutz der Privatsphäre</a:t>
-            </a:r>
-            <a:r>
-              <a:rPr lang="de-DE" sz="1200" dirty="0" smtClean="0"/>
-              <a:t>:</a:t>
-            </a:r>
-            <a:r>
-              <a:rPr lang="de-DE" sz="1200" baseline="0" dirty="0" smtClean="0"/>
-              <a:t> </a:t>
-            </a:r>
-            <a:r>
-              <a:rPr kumimoji="1" lang="de-DE" sz="1200" b="0" i="0" u="none" strike="noStrike" kern="1200" baseline="0" dirty="0" smtClean="0">
-                <a:solidFill>
-                  <a:schemeClr val="tx1"/>
-                </a:solidFill>
-                <a:latin typeface="Verdana" pitchFamily="34" charset="0"/>
-                <a:ea typeface="+mn-ea"/>
-                <a:cs typeface="+mn-cs"/>
-              </a:rPr>
-              <a:t>Verzicht von bildgebenden Sensoren</a:t>
-            </a:r>
-            <a:endParaRPr lang="de-DE" sz="2200" dirty="0" smtClean="0"/>
+            <a:r>
+              <a:rPr lang="de-DE" dirty="0" smtClean="0"/>
+              <a:t>Verlauf</a:t>
+            </a:r>
+            <a:r>
+              <a:rPr lang="de-DE" baseline="0" dirty="0" smtClean="0"/>
+              <a:t> der Präsentation wird wie folgt aussehen</a:t>
+            </a:r>
+            <a:endParaRPr lang="de-DE" dirty="0" smtClean="0"/>
           </a:p>
         </p:txBody>
       </p:sp>
@@ -1666,17 +2077,12 @@
           <a:p>
             <a:r>
               <a:rPr lang="de-DE" dirty="0" smtClean="0"/>
-              <a:t>Paper: kostengünstig…wirklich</a:t>
-            </a:r>
-            <a:r>
-              <a:rPr lang="de-DE" dirty="0" smtClean="0"/>
-              <a:t>?</a:t>
-            </a:r>
-          </a:p>
-          <a:p>
-            <a:endParaRPr lang="de-DE" dirty="0" smtClean="0"/>
-          </a:p>
-          <a:p>
+              <a:t>Verlauf</a:t>
+            </a:r>
+            <a:r>
+              <a:rPr lang="de-DE" baseline="0" dirty="0" smtClean="0"/>
+              <a:t> der Präsentation wird wie folgt aussehen</a:t>
+            </a:r>
             <a:endParaRPr lang="de-DE" dirty="0" smtClean="0"/>
           </a:p>
         </p:txBody>
@@ -1740,8 +2146,13 @@
           <a:p>
             <a:r>
               <a:rPr lang="de-DE" dirty="0" smtClean="0"/>
-              <a:t>Paper: kostengünstig…wirklich?</a:t>
-            </a:r>
+              <a:t>Verlauf</a:t>
+            </a:r>
+            <a:r>
+              <a:rPr lang="de-DE" baseline="0" dirty="0" smtClean="0"/>
+              <a:t> der Präsentation wird wie folgt aussehen</a:t>
+            </a:r>
+            <a:endParaRPr lang="de-DE" dirty="0" smtClean="0"/>
           </a:p>
         </p:txBody>
       </p:sp>
@@ -1804,8 +2215,13 @@
           <a:p>
             <a:r>
               <a:rPr lang="de-DE" dirty="0" smtClean="0"/>
-              <a:t>Paper: kostengünstig…wirklich?</a:t>
-            </a:r>
+              <a:t>Verlauf</a:t>
+            </a:r>
+            <a:r>
+              <a:rPr lang="de-DE" baseline="0" dirty="0" smtClean="0"/>
+              <a:t> der Präsentation wird wie folgt aussehen</a:t>
+            </a:r>
+            <a:endParaRPr lang="de-DE" dirty="0" smtClean="0"/>
           </a:p>
         </p:txBody>
       </p:sp>
@@ -4966,8 +5382,1238 @@
           <a:lstStyle/>
           <a:p>
             <a:r>
+              <a:rPr lang="en-US" sz="1800" dirty="0" smtClean="0"/>
+              <a:t>UWB </a:t>
+            </a:r>
+            <a:r>
+              <a:rPr lang="en-US" sz="1800" dirty="0" err="1" smtClean="0"/>
+              <a:t>vs</a:t>
+            </a:r>
+            <a:r>
+              <a:rPr lang="en-US" sz="1800" dirty="0" smtClean="0"/>
+              <a:t> Wi-Fi</a:t>
+            </a:r>
+            <a:endParaRPr lang="de-DE" sz="1800" dirty="0" smtClean="0"/>
+          </a:p>
+        </p:txBody>
+      </p:sp>
+      <p:sp>
+        <p:nvSpPr>
+          <p:cNvPr id="67587" name="Rectangle 3"/>
+          <p:cNvSpPr>
+            <a:spLocks noGrp="1" noChangeArrowheads="1"/>
+          </p:cNvSpPr>
+          <p:nvPr>
+            <p:ph type="body" idx="1"/>
+          </p:nvPr>
+        </p:nvSpPr>
+        <p:spPr>
+          <a:xfrm>
+            <a:off x="273050" y="714376"/>
+            <a:ext cx="8642350" cy="5638799"/>
+          </a:xfrm>
+        </p:spPr>
+        <p:txBody>
+          <a:bodyPr/>
+          <a:lstStyle/>
+          <a:p>
+            <a:endParaRPr lang="de-DE" sz="2200" b="1" dirty="0"/>
+          </a:p>
+          <a:p>
+            <a:r>
+              <a:rPr lang="de-DE" sz="2200" dirty="0" smtClean="0">
+                <a:solidFill>
+                  <a:srgbClr val="FF0000"/>
+                </a:solidFill>
+              </a:rPr>
+              <a:t>Kehrseiten:</a:t>
+            </a:r>
+          </a:p>
+          <a:p>
+            <a:pPr marL="342900" indent="-342900">
+              <a:buFont typeface="Arial" pitchFamily="34" charset="0"/>
+              <a:buChar char="•"/>
+            </a:pPr>
+            <a:r>
+              <a:rPr lang="de-DE" sz="2200" dirty="0" smtClean="0">
+                <a:solidFill>
+                  <a:srgbClr val="FF0000"/>
+                </a:solidFill>
+              </a:rPr>
+              <a:t>Keine einheitliche Detektion von</a:t>
+            </a:r>
+          </a:p>
+          <a:p>
+            <a:r>
+              <a:rPr lang="de-DE" sz="2200" dirty="0" smtClean="0">
+                <a:solidFill>
+                  <a:srgbClr val="FF0000"/>
+                </a:solidFill>
+              </a:rPr>
+              <a:t>Objekten sowie zur Verarbeitung der</a:t>
+            </a:r>
+          </a:p>
+          <a:p>
+            <a:r>
+              <a:rPr lang="de-DE" sz="2200" dirty="0" smtClean="0">
+                <a:solidFill>
+                  <a:srgbClr val="FF0000"/>
+                </a:solidFill>
+              </a:rPr>
+              <a:t>Signale</a:t>
+            </a:r>
+          </a:p>
+          <a:p>
+            <a:pPr marL="342900" indent="-342900">
+              <a:buFont typeface="Arial" pitchFamily="34" charset="0"/>
+              <a:buChar char="•"/>
+            </a:pPr>
+            <a:r>
+              <a:rPr lang="de-DE" sz="2200" dirty="0" smtClean="0">
+                <a:solidFill>
+                  <a:srgbClr val="FF0000"/>
+                </a:solidFill>
+              </a:rPr>
+              <a:t>Oftmals wird eine Lerndatenbank</a:t>
+            </a:r>
+          </a:p>
+          <a:p>
+            <a:r>
+              <a:rPr lang="de-DE" sz="2200" dirty="0">
+                <a:solidFill>
+                  <a:srgbClr val="FF0000"/>
+                </a:solidFill>
+              </a:rPr>
+              <a:t>b</a:t>
+            </a:r>
+            <a:r>
+              <a:rPr lang="de-DE" sz="2200" dirty="0" smtClean="0">
+                <a:solidFill>
+                  <a:srgbClr val="FF0000"/>
+                </a:solidFill>
+              </a:rPr>
+              <a:t>enötigt, bevor eine Lokalisierung</a:t>
+            </a:r>
+          </a:p>
+          <a:p>
+            <a:r>
+              <a:rPr lang="de-DE" sz="2200" dirty="0">
+                <a:solidFill>
+                  <a:srgbClr val="FF0000"/>
+                </a:solidFill>
+              </a:rPr>
+              <a:t>v</a:t>
+            </a:r>
+            <a:r>
+              <a:rPr lang="de-DE" sz="2200" dirty="0" smtClean="0">
+                <a:solidFill>
+                  <a:srgbClr val="FF0000"/>
+                </a:solidFill>
+              </a:rPr>
+              <a:t>onstattengehen kann</a:t>
+            </a:r>
+          </a:p>
+          <a:p>
+            <a:endParaRPr lang="de-DE" sz="2200" dirty="0">
+              <a:solidFill>
+                <a:srgbClr val="FF0000"/>
+              </a:solidFill>
+            </a:endParaRPr>
+          </a:p>
+          <a:p>
+            <a:endParaRPr lang="de-DE" sz="2200" dirty="0" smtClean="0">
+              <a:solidFill>
+                <a:srgbClr val="FF0000"/>
+              </a:solidFill>
+            </a:endParaRPr>
+          </a:p>
+          <a:p>
+            <a:endParaRPr lang="de-DE" sz="2200" dirty="0">
+              <a:solidFill>
+                <a:srgbClr val="FF0000"/>
+              </a:solidFill>
+            </a:endParaRPr>
+          </a:p>
+          <a:p>
+            <a:endParaRPr lang="de-DE" sz="2200" dirty="0" smtClean="0">
+              <a:solidFill>
+                <a:srgbClr val="FF0000"/>
+              </a:solidFill>
+            </a:endParaRPr>
+          </a:p>
+          <a:p>
+            <a:endParaRPr lang="de-DE" sz="2200" dirty="0">
+              <a:solidFill>
+                <a:srgbClr val="FF0000"/>
+              </a:solidFill>
+            </a:endParaRPr>
+          </a:p>
+          <a:p>
+            <a:pPr lvl="1" indent="0">
+              <a:buNone/>
+            </a:pPr>
+            <a:endParaRPr lang="de-DE" sz="2200" dirty="0"/>
+          </a:p>
+          <a:p>
+            <a:pPr lvl="1" indent="0">
+              <a:buNone/>
+            </a:pPr>
+            <a:r>
+              <a:rPr lang="de-DE" sz="900" dirty="0"/>
+              <a:t>Quelle: </a:t>
+            </a:r>
+            <a:endParaRPr lang="de-DE" sz="2200" dirty="0">
+              <a:solidFill>
+                <a:srgbClr val="FF0000"/>
+              </a:solidFill>
+            </a:endParaRPr>
+          </a:p>
+          <a:p>
+            <a:endParaRPr lang="de-DE" sz="2200" dirty="0" smtClean="0">
+              <a:solidFill>
+                <a:srgbClr val="FF0000"/>
+              </a:solidFill>
+            </a:endParaRPr>
+          </a:p>
+        </p:txBody>
+      </p:sp>
+      <p:pic>
+        <p:nvPicPr>
+          <p:cNvPr id="1026" name="Picture 2"/>
+          <p:cNvPicPr>
+            <a:picLocks noChangeAspect="1" noChangeArrowheads="1"/>
+          </p:cNvPicPr>
+          <p:nvPr/>
+        </p:nvPicPr>
+        <p:blipFill>
+          <a:blip r:embed="rId3">
+            <a:extLst>
+              <a:ext uri="{28A0092B-C50C-407E-A947-70E740481C1C}">
+                <a14:useLocalDpi xmlns:a14="http://schemas.microsoft.com/office/drawing/2010/main" val="0"/>
+              </a:ext>
+            </a:extLst>
+          </a:blip>
+          <a:srcRect/>
+          <a:stretch>
+            <a:fillRect/>
+          </a:stretch>
+        </p:blipFill>
+        <p:spPr bwMode="auto">
+          <a:xfrm>
+            <a:off x="5334000" y="1038225"/>
+            <a:ext cx="3581400" cy="5314950"/>
+          </a:xfrm>
+          <a:prstGeom prst="rect">
+            <a:avLst/>
+          </a:prstGeom>
+          <a:noFill/>
+          <a:ln>
+            <a:noFill/>
+          </a:ln>
+          <a:effectLst/>
+          <a:extLst>
+            <a:ext uri="{909E8E84-426E-40DD-AFC4-6F175D3DCCD1}">
+              <a14:hiddenFill xmlns:a14="http://schemas.microsoft.com/office/drawing/2010/main">
+                <a:solidFill>
+                  <a:schemeClr val="accent1"/>
+                </a:solidFill>
+              </a14:hiddenFill>
+            </a:ext>
+            <a:ext uri="{91240B29-F687-4F45-9708-019B960494DF}">
+              <a14:hiddenLine xmlns:a14="http://schemas.microsoft.com/office/drawing/2010/main" w="9525">
+                <a:solidFill>
+                  <a:schemeClr val="tx1"/>
+                </a:solidFill>
+                <a:miter lim="800000"/>
+                <a:headEnd/>
+                <a:tailEnd/>
+              </a14:hiddenLine>
+            </a:ext>
+            <a:ext uri="{AF507438-7753-43E0-B8FC-AC1667EBCBE1}">
+              <a14:hiddenEffects xmlns:a14="http://schemas.microsoft.com/office/drawing/2010/main">
+                <a:effectLst>
+                  <a:outerShdw dist="35921" dir="2700000" algn="ctr" rotWithShape="0">
+                    <a:schemeClr val="bg2"/>
+                  </a:outerShdw>
+                </a:effectLst>
+              </a14:hiddenEffects>
+            </a:ext>
+          </a:extLst>
+        </p:spPr>
+      </p:pic>
+    </p:spTree>
+    <p:extLst>
+      <p:ext uri="{BB962C8B-B14F-4D97-AF65-F5344CB8AC3E}">
+        <p14:creationId xmlns:p14="http://schemas.microsoft.com/office/powerpoint/2010/main" val="3044311803"/>
+      </p:ext>
+    </p:extLst>
+  </p:cSld>
+  <p:clrMapOvr>
+    <a:masterClrMapping/>
+  </p:clrMapOvr>
+  <p:transition spd="slow"/>
+  <p:timing>
+    <p:tnLst>
+      <p:par>
+        <p:cTn id="1" dur="indefinite" restart="never" nodeType="tmRoot"/>
+      </p:par>
+    </p:tnLst>
+  </p:timing>
+</p:sld>
+</file>
+
+<file path=ppt/slides/slide11.xml><?xml version="1.0" encoding="utf-8"?>
+<p:sld xmlns:a="http://schemas.openxmlformats.org/drawingml/2006/main" xmlns:r="http://schemas.openxmlformats.org/officeDocument/2006/relationships" xmlns:p="http://schemas.openxmlformats.org/presentationml/2006/main">
+  <p:cSld>
+    <p:spTree>
+      <p:nvGrpSpPr>
+        <p:cNvPr id="1" name=""/>
+        <p:cNvGrpSpPr/>
+        <p:nvPr/>
+      </p:nvGrpSpPr>
+      <p:grpSpPr>
+        <a:xfrm>
+          <a:off x="0" y="0"/>
+          <a:ext cx="0" cy="0"/>
+          <a:chOff x="0" y="0"/>
+          <a:chExt cx="0" cy="0"/>
+        </a:xfrm>
+      </p:grpSpPr>
+      <p:sp>
+        <p:nvSpPr>
+          <p:cNvPr id="4" name="Rectangle 8"/>
+          <p:cNvSpPr>
+            <a:spLocks noGrp="1" noChangeArrowheads="1"/>
+          </p:cNvSpPr>
+          <p:nvPr>
+            <p:ph type="ftr" sz="quarter" idx="10"/>
+          </p:nvPr>
+        </p:nvSpPr>
+        <p:spPr>
+          <a:xfrm>
+            <a:off x="250824" y="6629400"/>
+            <a:ext cx="8359101" cy="228600"/>
+          </a:xfrm>
+          <a:ln/>
+        </p:spPr>
+        <p:txBody>
+          <a:bodyPr/>
+          <a:lstStyle/>
+          <a:p>
+            <a:r>
+              <a:rPr lang="de-DE" dirty="0"/>
+              <a:t>Seminar – Lokalisierung: </a:t>
+            </a:r>
+            <a:r>
+              <a:rPr lang="de-DE" dirty="0" err="1"/>
+              <a:t>Inertialsensorik</a:t>
+            </a:r>
+            <a:r>
+              <a:rPr lang="de-DE" dirty="0"/>
+              <a:t> und Funksysteme  - </a:t>
+            </a:r>
+            <a:r>
+              <a:rPr lang="de-DE" dirty="0" smtClean="0"/>
+              <a:t>17.06.2015 </a:t>
+            </a:r>
+            <a:r>
+              <a:rPr lang="de-DE" dirty="0"/>
+              <a:t>		</a:t>
+            </a:r>
+            <a:r>
+              <a:rPr lang="de-DE" dirty="0" err="1"/>
+              <a:t>Artemij</a:t>
+            </a:r>
+            <a:r>
+              <a:rPr lang="de-DE" dirty="0"/>
+              <a:t> </a:t>
+            </a:r>
+            <a:r>
+              <a:rPr lang="de-DE" dirty="0" err="1"/>
+              <a:t>Voskobojnikov</a:t>
+            </a:r>
+            <a:r>
+              <a:rPr lang="de-DE" dirty="0"/>
+              <a:t> und Benjamin </a:t>
+            </a:r>
+            <a:r>
+              <a:rPr lang="de-DE" dirty="0" err="1"/>
+              <a:t>Swiers</a:t>
+            </a:r>
+            <a:r>
+              <a:rPr lang="de-DE" dirty="0"/>
+              <a:t>		</a:t>
+            </a:r>
+          </a:p>
+        </p:txBody>
+      </p:sp>
+      <p:sp>
+        <p:nvSpPr>
+          <p:cNvPr id="67586" name="Rectangle 2"/>
+          <p:cNvSpPr>
+            <a:spLocks noGrp="1" noChangeArrowheads="1"/>
+          </p:cNvSpPr>
+          <p:nvPr>
+            <p:ph type="title"/>
+          </p:nvPr>
+        </p:nvSpPr>
+        <p:spPr>
+          <a:xfrm>
+            <a:off x="200025" y="298450"/>
+            <a:ext cx="6454775" cy="428625"/>
+          </a:xfrm>
+        </p:spPr>
+        <p:txBody>
+          <a:bodyPr/>
+          <a:lstStyle/>
+          <a:p>
+            <a:r>
               <a:rPr lang="en-US" sz="1800" dirty="0"/>
-              <a:t>Computer-Vision</a:t>
+              <a:t>Passive </a:t>
+            </a:r>
+            <a:r>
+              <a:rPr lang="en-US" sz="1800" dirty="0" err="1" smtClean="0"/>
+              <a:t>Infrarot-Lokalisierung</a:t>
+            </a:r>
+            <a:r>
+              <a:rPr lang="en-US" sz="1800" dirty="0" smtClean="0"/>
+              <a:t> (PIL)</a:t>
+            </a:r>
+            <a:endParaRPr lang="de-DE" sz="1800" dirty="0" smtClean="0"/>
+          </a:p>
+        </p:txBody>
+      </p:sp>
+      <p:sp>
+        <p:nvSpPr>
+          <p:cNvPr id="67587" name="Rectangle 3"/>
+          <p:cNvSpPr>
+            <a:spLocks noGrp="1" noChangeArrowheads="1"/>
+          </p:cNvSpPr>
+          <p:nvPr>
+            <p:ph type="body" idx="1"/>
+          </p:nvPr>
+        </p:nvSpPr>
+        <p:spPr>
+          <a:xfrm>
+            <a:off x="250825" y="762000"/>
+            <a:ext cx="8642350" cy="5856288"/>
+          </a:xfrm>
+        </p:spPr>
+        <p:txBody>
+          <a:bodyPr/>
+          <a:lstStyle/>
+          <a:p>
+            <a:pPr marL="342900" indent="-342900">
+              <a:buAutoNum type="arabicPeriod"/>
+            </a:pPr>
+            <a:endParaRPr lang="de-DE" sz="2200" dirty="0" smtClean="0"/>
+          </a:p>
+          <a:p>
+            <a:pPr marL="641350" lvl="1" indent="-285750">
+              <a:buFont typeface="Arial" pitchFamily="34" charset="0"/>
+              <a:buChar char="•"/>
+            </a:pPr>
+            <a:r>
+              <a:rPr lang="de-DE" sz="2200" dirty="0" smtClean="0"/>
+              <a:t>Basiert auf Körperwärmestrahlung</a:t>
+            </a:r>
+          </a:p>
+          <a:p>
+            <a:pPr marL="641350" lvl="1" indent="-285750">
+              <a:buFont typeface="Arial" pitchFamily="34" charset="0"/>
+              <a:buChar char="•"/>
+            </a:pPr>
+            <a:r>
+              <a:rPr lang="de-DE" sz="2200" dirty="0" smtClean="0"/>
+              <a:t>Detektion durch Thermopiles</a:t>
+            </a:r>
+          </a:p>
+          <a:p>
+            <a:pPr marL="641350" lvl="1" indent="-285750">
+              <a:buFont typeface="Arial" pitchFamily="34" charset="0"/>
+              <a:buChar char="•"/>
+            </a:pPr>
+            <a:r>
+              <a:rPr lang="de-DE" sz="2200" dirty="0" smtClean="0"/>
+              <a:t>Mehrere Sensoren im Raum</a:t>
+            </a:r>
+          </a:p>
+          <a:p>
+            <a:pPr marL="641350" lvl="1" indent="-285750">
+              <a:buFont typeface="Arial" pitchFamily="34" charset="0"/>
+              <a:buChar char="•"/>
+            </a:pPr>
+            <a:endParaRPr lang="de-DE" sz="2200" dirty="0" smtClean="0"/>
+          </a:p>
+          <a:p>
+            <a:pPr marL="641350" lvl="1" indent="-285750">
+              <a:buFont typeface="Arial" pitchFamily="34" charset="0"/>
+              <a:buChar char="•"/>
+            </a:pPr>
+            <a:endParaRPr lang="de-DE" sz="2200" dirty="0" smtClean="0"/>
+          </a:p>
+          <a:p>
+            <a:pPr marL="641350" lvl="1" indent="-285750">
+              <a:buFont typeface="Arial" pitchFamily="34" charset="0"/>
+              <a:buChar char="•"/>
+            </a:pPr>
+            <a:endParaRPr lang="de-DE" sz="2200" dirty="0" smtClean="0"/>
+          </a:p>
+          <a:p>
+            <a:pPr marL="641350" lvl="1" indent="-285750">
+              <a:buFont typeface="Arial" pitchFamily="34" charset="0"/>
+              <a:buChar char="•"/>
+            </a:pPr>
+            <a:endParaRPr lang="de-DE" sz="2200" dirty="0" smtClean="0"/>
+          </a:p>
+          <a:p>
+            <a:pPr marL="641350" lvl="1" indent="-285750">
+              <a:buFont typeface="Arial" pitchFamily="34" charset="0"/>
+              <a:buChar char="•"/>
+            </a:pPr>
+            <a:endParaRPr lang="de-DE" sz="2200" dirty="0" smtClean="0"/>
+          </a:p>
+          <a:p>
+            <a:pPr marL="641350" lvl="1" indent="-285750">
+              <a:buFont typeface="Arial" pitchFamily="34" charset="0"/>
+              <a:buChar char="•"/>
+            </a:pPr>
+            <a:r>
+              <a:rPr lang="de-DE" sz="2200" dirty="0" smtClean="0"/>
+              <a:t>Genauigkeit: +- 30 cm</a:t>
+            </a:r>
+          </a:p>
+          <a:p>
+            <a:pPr marL="641350" lvl="1" indent="-285750">
+              <a:buFont typeface="Arial" pitchFamily="34" charset="0"/>
+              <a:buChar char="•"/>
+            </a:pPr>
+            <a:r>
+              <a:rPr lang="de-DE" sz="2200" dirty="0" smtClean="0"/>
+              <a:t>Vorteile</a:t>
+            </a:r>
+          </a:p>
+          <a:p>
+            <a:pPr marL="1009650" lvl="2" indent="-285750">
+              <a:buFont typeface="Arial" pitchFamily="34" charset="0"/>
+              <a:buChar char="•"/>
+            </a:pPr>
+            <a:r>
+              <a:rPr lang="de-DE" sz="2200" dirty="0" smtClean="0"/>
+              <a:t>Schutz der Privatsphäre</a:t>
+            </a:r>
+          </a:p>
+          <a:p>
+            <a:pPr marL="1009650" lvl="2" indent="-285750">
+              <a:buFont typeface="Arial" pitchFamily="34" charset="0"/>
+              <a:buChar char="•"/>
+            </a:pPr>
+            <a:r>
+              <a:rPr lang="de-DE" sz="2200" dirty="0" smtClean="0"/>
+              <a:t>Kostengünstig</a:t>
+            </a:r>
+          </a:p>
+          <a:p>
+            <a:pPr lvl="1" indent="0">
+              <a:buNone/>
+            </a:pPr>
+            <a:endParaRPr lang="de-DE" sz="2200" dirty="0" smtClean="0"/>
+          </a:p>
+          <a:p>
+            <a:pPr lvl="1" indent="0">
+              <a:buNone/>
+            </a:pPr>
+            <a:r>
+              <a:rPr lang="de-DE" sz="900" dirty="0" smtClean="0"/>
+              <a:t>Quelle</a:t>
+            </a:r>
+            <a:r>
+              <a:rPr lang="de-DE" sz="900" dirty="0"/>
+              <a:t>: </a:t>
+            </a:r>
+            <a:r>
+              <a:rPr lang="de-DE" sz="900" dirty="0">
+                <a:hlinkClick r:id="rId3"/>
+              </a:rPr>
+              <a:t>http://</a:t>
+            </a:r>
+            <a:r>
+              <a:rPr lang="de-DE" sz="900" dirty="0" smtClean="0">
+                <a:hlinkClick r:id="rId3"/>
+              </a:rPr>
+              <a:t>scisweb.ulster.ac.uk/~kevin/comcomsurvey.pdf</a:t>
+            </a:r>
+            <a:r>
+              <a:rPr lang="de-DE" sz="900" dirty="0" smtClean="0"/>
+              <a:t> </a:t>
+            </a:r>
+            <a:endParaRPr lang="de-DE" sz="2200" dirty="0" smtClean="0">
+              <a:solidFill>
+                <a:srgbClr val="FF0000"/>
+              </a:solidFill>
+            </a:endParaRPr>
+          </a:p>
+          <a:p>
+            <a:pPr marL="285750" indent="-285750">
+              <a:buFont typeface="Arial" pitchFamily="34" charset="0"/>
+              <a:buChar char="•"/>
+            </a:pPr>
+            <a:endParaRPr lang="de-DE" sz="2200" dirty="0" smtClean="0"/>
+          </a:p>
+        </p:txBody>
+      </p:sp>
+      <p:pic>
+        <p:nvPicPr>
+          <p:cNvPr id="1026" name="Picture 2"/>
+          <p:cNvPicPr>
+            <a:picLocks noChangeAspect="1" noChangeArrowheads="1"/>
+          </p:cNvPicPr>
+          <p:nvPr/>
+        </p:nvPicPr>
+        <p:blipFill>
+          <a:blip r:embed="rId4">
+            <a:extLst>
+              <a:ext uri="{28A0092B-C50C-407E-A947-70E740481C1C}">
+                <a14:useLocalDpi xmlns:a14="http://schemas.microsoft.com/office/drawing/2010/main" val="0"/>
+              </a:ext>
+            </a:extLst>
+          </a:blip>
+          <a:srcRect/>
+          <a:stretch>
+            <a:fillRect/>
+          </a:stretch>
+        </p:blipFill>
+        <p:spPr bwMode="auto">
+          <a:xfrm>
+            <a:off x="5645150" y="1007269"/>
+            <a:ext cx="3257550" cy="1933575"/>
+          </a:xfrm>
+          <a:prstGeom prst="rect">
+            <a:avLst/>
+          </a:prstGeom>
+          <a:noFill/>
+          <a:ln>
+            <a:noFill/>
+          </a:ln>
+          <a:effectLst/>
+          <a:extLst>
+            <a:ext uri="{909E8E84-426E-40DD-AFC4-6F175D3DCCD1}">
+              <a14:hiddenFill xmlns:a14="http://schemas.microsoft.com/office/drawing/2010/main">
+                <a:solidFill>
+                  <a:schemeClr val="accent1"/>
+                </a:solidFill>
+              </a14:hiddenFill>
+            </a:ext>
+            <a:ext uri="{91240B29-F687-4F45-9708-019B960494DF}">
+              <a14:hiddenLine xmlns:a14="http://schemas.microsoft.com/office/drawing/2010/main" w="9525">
+                <a:solidFill>
+                  <a:schemeClr val="tx1"/>
+                </a:solidFill>
+                <a:miter lim="800000"/>
+                <a:headEnd/>
+                <a:tailEnd/>
+              </a14:hiddenLine>
+            </a:ext>
+            <a:ext uri="{AF507438-7753-43E0-B8FC-AC1667EBCBE1}">
+              <a14:hiddenEffects xmlns:a14="http://schemas.microsoft.com/office/drawing/2010/main">
+                <a:effectLst>
+                  <a:outerShdw dist="35921" dir="2700000" algn="ctr" rotWithShape="0">
+                    <a:schemeClr val="bg2"/>
+                  </a:outerShdw>
+                </a:effectLst>
+              </a14:hiddenEffects>
+            </a:ext>
+          </a:extLst>
+        </p:spPr>
+      </p:pic>
+      <p:sp>
+        <p:nvSpPr>
+          <p:cNvPr id="5" name="Ellipse 4"/>
+          <p:cNvSpPr/>
+          <p:nvPr/>
+        </p:nvSpPr>
+        <p:spPr bwMode="auto">
+          <a:xfrm>
+            <a:off x="152400" y="2438202"/>
+            <a:ext cx="2501900" cy="1005283"/>
+          </a:xfrm>
+          <a:prstGeom prst="ellipse">
+            <a:avLst/>
+          </a:prstGeom>
+          <a:ln>
+            <a:headEnd type="none" w="med" len="med"/>
+            <a:tailEnd type="none" w="med" len="med"/>
+          </a:ln>
+        </p:spPr>
+        <p:style>
+          <a:lnRef idx="2">
+            <a:schemeClr val="accent2"/>
+          </a:lnRef>
+          <a:fillRef idx="1">
+            <a:schemeClr val="lt1"/>
+          </a:fillRef>
+          <a:effectRef idx="0">
+            <a:schemeClr val="accent2"/>
+          </a:effectRef>
+          <a:fontRef idx="minor">
+            <a:schemeClr val="dk1"/>
+          </a:fontRef>
+        </p:style>
+        <p:txBody>
+          <a:bodyPr vert="horz" wrap="none" lIns="91440" tIns="45720" rIns="91440" bIns="45720" numCol="1" rtlCol="0" anchor="t" anchorCtr="0" compatLnSpc="1">
+            <a:prstTxWarp prst="textNoShape">
+              <a:avLst/>
+            </a:prstTxWarp>
+          </a:bodyPr>
+          <a:lstStyle/>
+          <a:p>
+            <a:pPr marL="0" marR="0" indent="0" algn="l" defTabSz="914400" rtl="0" eaLnBrk="0" fontAlgn="base" latinLnBrk="0" hangingPunct="0">
+              <a:lnSpc>
+                <a:spcPct val="100000"/>
+              </a:lnSpc>
+              <a:spcBef>
+                <a:spcPct val="0"/>
+              </a:spcBef>
+              <a:spcAft>
+                <a:spcPct val="0"/>
+              </a:spcAft>
+              <a:buClrTx/>
+              <a:buSzTx/>
+              <a:buFontTx/>
+              <a:buNone/>
+              <a:tabLst/>
+            </a:pPr>
+            <a:r>
+              <a:rPr kumimoji="0" lang="de-DE" sz="1800" b="0" i="0" u="none" strike="noStrike" cap="none" normalizeH="0" baseline="0" dirty="0" smtClean="0">
+                <a:ln>
+                  <a:noFill/>
+                </a:ln>
+                <a:solidFill>
+                  <a:schemeClr val="tx1"/>
+                </a:solidFill>
+                <a:effectLst/>
+                <a:latin typeface="Arial" charset="0"/>
+              </a:rPr>
+              <a:t>Objekterkennung</a:t>
+            </a:r>
+          </a:p>
+          <a:p>
+            <a:pPr marL="0" marR="0" indent="0" algn="l" defTabSz="914400" rtl="0" eaLnBrk="0" fontAlgn="base" latinLnBrk="0" hangingPunct="0">
+              <a:lnSpc>
+                <a:spcPct val="100000"/>
+              </a:lnSpc>
+              <a:spcBef>
+                <a:spcPct val="0"/>
+              </a:spcBef>
+              <a:spcAft>
+                <a:spcPct val="0"/>
+              </a:spcAft>
+              <a:buClrTx/>
+              <a:buSzTx/>
+              <a:buFontTx/>
+              <a:buNone/>
+              <a:tabLst/>
+            </a:pPr>
+            <a:r>
+              <a:rPr lang="de-DE" dirty="0">
+                <a:solidFill>
+                  <a:schemeClr val="tx1"/>
+                </a:solidFill>
+                <a:latin typeface="Arial" charset="0"/>
+              </a:rPr>
+              <a:t>d</a:t>
+            </a:r>
+            <a:r>
+              <a:rPr lang="de-DE" dirty="0" smtClean="0">
+                <a:solidFill>
+                  <a:schemeClr val="tx1"/>
+                </a:solidFill>
+                <a:latin typeface="Arial" charset="0"/>
+              </a:rPr>
+              <a:t>urch Sensoren</a:t>
+            </a:r>
+            <a:endParaRPr kumimoji="0" lang="de-DE" sz="1800" b="0" i="0" u="none" strike="noStrike" cap="none" normalizeH="0" baseline="0" dirty="0" smtClean="0">
+              <a:ln>
+                <a:noFill/>
+              </a:ln>
+              <a:solidFill>
+                <a:schemeClr val="tx1"/>
+              </a:solidFill>
+              <a:effectLst/>
+              <a:latin typeface="Arial" charset="0"/>
+            </a:endParaRPr>
+          </a:p>
+        </p:txBody>
+      </p:sp>
+      <p:sp>
+        <p:nvSpPr>
+          <p:cNvPr id="10" name="Ellipse 9"/>
+          <p:cNvSpPr/>
+          <p:nvPr/>
+        </p:nvSpPr>
+        <p:spPr bwMode="auto">
+          <a:xfrm>
+            <a:off x="3086100" y="3144044"/>
+            <a:ext cx="2070100" cy="1085056"/>
+          </a:xfrm>
+          <a:prstGeom prst="ellipse">
+            <a:avLst/>
+          </a:prstGeom>
+          <a:ln>
+            <a:headEnd type="none" w="med" len="med"/>
+            <a:tailEnd type="none" w="med" len="med"/>
+          </a:ln>
+        </p:spPr>
+        <p:style>
+          <a:lnRef idx="2">
+            <a:schemeClr val="accent2"/>
+          </a:lnRef>
+          <a:fillRef idx="1">
+            <a:schemeClr val="lt1"/>
+          </a:fillRef>
+          <a:effectRef idx="0">
+            <a:schemeClr val="accent2"/>
+          </a:effectRef>
+          <a:fontRef idx="minor">
+            <a:schemeClr val="dk1"/>
+          </a:fontRef>
+        </p:style>
+        <p:txBody>
+          <a:bodyPr vert="horz" wrap="none" lIns="91440" tIns="45720" rIns="91440" bIns="45720" numCol="1" rtlCol="0" anchor="t" anchorCtr="0" compatLnSpc="1">
+            <a:prstTxWarp prst="textNoShape">
+              <a:avLst/>
+            </a:prstTxWarp>
+          </a:bodyPr>
+          <a:lstStyle/>
+          <a:p>
+            <a:pPr marL="0" marR="0" indent="0" algn="l" defTabSz="914400" rtl="0" eaLnBrk="0" fontAlgn="base" latinLnBrk="0" hangingPunct="0">
+              <a:lnSpc>
+                <a:spcPct val="100000"/>
+              </a:lnSpc>
+              <a:spcBef>
+                <a:spcPct val="0"/>
+              </a:spcBef>
+              <a:spcAft>
+                <a:spcPct val="0"/>
+              </a:spcAft>
+              <a:buClrTx/>
+              <a:buSzTx/>
+              <a:buFontTx/>
+              <a:buNone/>
+              <a:tabLst/>
+            </a:pPr>
+            <a:r>
+              <a:rPr kumimoji="0" lang="de-DE" sz="1800" b="0" i="0" u="none" strike="noStrike" cap="none" normalizeH="0" baseline="0" dirty="0" smtClean="0">
+                <a:ln>
+                  <a:noFill/>
+                </a:ln>
+                <a:solidFill>
+                  <a:schemeClr val="tx1"/>
+                </a:solidFill>
+                <a:effectLst/>
+                <a:latin typeface="Arial" charset="0"/>
+              </a:rPr>
+              <a:t>Winkel-</a:t>
+            </a:r>
+          </a:p>
+          <a:p>
+            <a:pPr marL="0" marR="0" indent="0" algn="l" defTabSz="914400" rtl="0" eaLnBrk="0" fontAlgn="base" latinLnBrk="0" hangingPunct="0">
+              <a:lnSpc>
+                <a:spcPct val="100000"/>
+              </a:lnSpc>
+              <a:spcBef>
+                <a:spcPct val="0"/>
+              </a:spcBef>
+              <a:spcAft>
+                <a:spcPct val="0"/>
+              </a:spcAft>
+              <a:buClrTx/>
+              <a:buSzTx/>
+              <a:buFontTx/>
+              <a:buNone/>
+              <a:tabLst/>
+            </a:pPr>
+            <a:r>
+              <a:rPr kumimoji="0" lang="de-DE" sz="1800" b="0" i="0" u="none" strike="noStrike" cap="none" normalizeH="0" baseline="0" dirty="0" err="1" smtClean="0">
+                <a:ln>
+                  <a:noFill/>
+                </a:ln>
+                <a:solidFill>
+                  <a:schemeClr val="tx1"/>
+                </a:solidFill>
+                <a:effectLst/>
+                <a:latin typeface="Arial" charset="0"/>
+              </a:rPr>
+              <a:t>bestimmung</a:t>
+            </a:r>
+            <a:endParaRPr kumimoji="0" lang="de-DE" sz="1800" b="0" i="0" u="none" strike="noStrike" cap="none" normalizeH="0" baseline="0" dirty="0" smtClean="0">
+              <a:ln>
+                <a:noFill/>
+              </a:ln>
+              <a:solidFill>
+                <a:schemeClr val="tx1"/>
+              </a:solidFill>
+              <a:effectLst/>
+              <a:latin typeface="Arial" charset="0"/>
+            </a:endParaRPr>
+          </a:p>
+        </p:txBody>
+      </p:sp>
+      <p:sp>
+        <p:nvSpPr>
+          <p:cNvPr id="11" name="Ellipse 10"/>
+          <p:cNvSpPr/>
+          <p:nvPr/>
+        </p:nvSpPr>
+        <p:spPr bwMode="auto">
+          <a:xfrm>
+            <a:off x="5654675" y="3686572"/>
+            <a:ext cx="2952750" cy="1135856"/>
+          </a:xfrm>
+          <a:prstGeom prst="ellipse">
+            <a:avLst/>
+          </a:prstGeom>
+          <a:ln>
+            <a:headEnd type="none" w="med" len="med"/>
+            <a:tailEnd type="none" w="med" len="med"/>
+          </a:ln>
+        </p:spPr>
+        <p:style>
+          <a:lnRef idx="2">
+            <a:schemeClr val="accent2"/>
+          </a:lnRef>
+          <a:fillRef idx="1">
+            <a:schemeClr val="lt1"/>
+          </a:fillRef>
+          <a:effectRef idx="0">
+            <a:schemeClr val="accent2"/>
+          </a:effectRef>
+          <a:fontRef idx="minor">
+            <a:schemeClr val="dk1"/>
+          </a:fontRef>
+        </p:style>
+        <p:txBody>
+          <a:bodyPr vert="horz" wrap="none" lIns="91440" tIns="45720" rIns="91440" bIns="45720" numCol="1" rtlCol="0" anchor="t" anchorCtr="0" compatLnSpc="1">
+            <a:prstTxWarp prst="textNoShape">
+              <a:avLst/>
+            </a:prstTxWarp>
+          </a:bodyPr>
+          <a:lstStyle/>
+          <a:p>
+            <a:pPr marL="0" marR="0" indent="0" algn="l" defTabSz="914400" rtl="0" eaLnBrk="0" fontAlgn="base" latinLnBrk="0" hangingPunct="0">
+              <a:lnSpc>
+                <a:spcPct val="100000"/>
+              </a:lnSpc>
+              <a:spcBef>
+                <a:spcPct val="0"/>
+              </a:spcBef>
+              <a:spcAft>
+                <a:spcPct val="0"/>
+              </a:spcAft>
+              <a:buClrTx/>
+              <a:buSzTx/>
+              <a:buFontTx/>
+              <a:buNone/>
+              <a:tabLst/>
+            </a:pPr>
+            <a:r>
+              <a:rPr kumimoji="0" lang="de-DE" sz="1800" b="0" i="0" u="none" strike="noStrike" cap="none" normalizeH="0" baseline="0" dirty="0" smtClean="0">
+                <a:ln>
+                  <a:noFill/>
+                </a:ln>
+                <a:solidFill>
+                  <a:schemeClr val="tx1"/>
+                </a:solidFill>
+                <a:effectLst/>
+                <a:latin typeface="Arial" charset="0"/>
+              </a:rPr>
+              <a:t>Positions</a:t>
+            </a:r>
+            <a:r>
+              <a:rPr lang="de-DE" dirty="0" smtClean="0">
+                <a:solidFill>
+                  <a:schemeClr val="tx1"/>
+                </a:solidFill>
+                <a:latin typeface="Arial" charset="0"/>
+              </a:rPr>
+              <a:t>bestimmung</a:t>
+            </a:r>
+          </a:p>
+          <a:p>
+            <a:pPr marL="0" marR="0" indent="0" algn="l" defTabSz="914400" rtl="0" eaLnBrk="0" fontAlgn="base" latinLnBrk="0" hangingPunct="0">
+              <a:lnSpc>
+                <a:spcPct val="100000"/>
+              </a:lnSpc>
+              <a:spcBef>
+                <a:spcPct val="0"/>
+              </a:spcBef>
+              <a:spcAft>
+                <a:spcPct val="0"/>
+              </a:spcAft>
+              <a:buClrTx/>
+              <a:buSzTx/>
+              <a:buFontTx/>
+              <a:buNone/>
+              <a:tabLst/>
+            </a:pPr>
+            <a:r>
+              <a:rPr kumimoji="0" lang="de-DE" sz="1800" b="0" i="0" u="none" strike="noStrike" cap="none" normalizeH="0" baseline="0" dirty="0" smtClean="0">
+                <a:ln>
+                  <a:noFill/>
+                </a:ln>
+                <a:solidFill>
+                  <a:schemeClr val="tx1"/>
+                </a:solidFill>
+                <a:effectLst/>
+                <a:latin typeface="Arial" charset="0"/>
+              </a:rPr>
+              <a:t>durch Triangulation</a:t>
+            </a:r>
+          </a:p>
+        </p:txBody>
+      </p:sp>
+      <p:cxnSp>
+        <p:nvCxnSpPr>
+          <p:cNvPr id="14" name="Gerade Verbindung mit Pfeil 13"/>
+          <p:cNvCxnSpPr/>
+          <p:nvPr/>
+        </p:nvCxnSpPr>
+        <p:spPr bwMode="auto">
+          <a:xfrm>
+            <a:off x="5165725" y="3909614"/>
+            <a:ext cx="488950" cy="172443"/>
+          </a:xfrm>
+          <a:prstGeom prst="straightConnector1">
+            <a:avLst/>
+          </a:prstGeom>
+          <a:ln>
+            <a:headEnd type="none" w="med" len="med"/>
+            <a:tailEnd type="arrow"/>
+          </a:ln>
+        </p:spPr>
+        <p:style>
+          <a:lnRef idx="3">
+            <a:schemeClr val="accent4"/>
+          </a:lnRef>
+          <a:fillRef idx="0">
+            <a:schemeClr val="accent4"/>
+          </a:fillRef>
+          <a:effectRef idx="2">
+            <a:schemeClr val="accent4"/>
+          </a:effectRef>
+          <a:fontRef idx="minor">
+            <a:schemeClr val="tx1"/>
+          </a:fontRef>
+        </p:style>
+      </p:cxnSp>
+      <p:cxnSp>
+        <p:nvCxnSpPr>
+          <p:cNvPr id="21" name="Gerade Verbindung mit Pfeil 20"/>
+          <p:cNvCxnSpPr/>
+          <p:nvPr/>
+        </p:nvCxnSpPr>
+        <p:spPr bwMode="auto">
+          <a:xfrm>
+            <a:off x="2679700" y="3144044"/>
+            <a:ext cx="488950" cy="172443"/>
+          </a:xfrm>
+          <a:prstGeom prst="straightConnector1">
+            <a:avLst/>
+          </a:prstGeom>
+          <a:ln>
+            <a:headEnd type="none" w="med" len="med"/>
+            <a:tailEnd type="arrow"/>
+          </a:ln>
+        </p:spPr>
+        <p:style>
+          <a:lnRef idx="3">
+            <a:schemeClr val="accent4"/>
+          </a:lnRef>
+          <a:fillRef idx="0">
+            <a:schemeClr val="accent4"/>
+          </a:fillRef>
+          <a:effectRef idx="2">
+            <a:schemeClr val="accent4"/>
+          </a:effectRef>
+          <a:fontRef idx="minor">
+            <a:schemeClr val="tx1"/>
+          </a:fontRef>
+        </p:style>
+      </p:cxnSp>
+      <p:pic>
+        <p:nvPicPr>
+          <p:cNvPr id="2" name="Picture 2" descr="C:\Benny\Uni\Master\2. Semester\Seminar - Technische Informatik\Ausarbeitung-Seminar-TI\ausarbeitung\pictures\triangulation.jpg"/>
+          <p:cNvPicPr>
+            <a:picLocks noChangeAspect="1" noChangeArrowheads="1"/>
+          </p:cNvPicPr>
+          <p:nvPr/>
+        </p:nvPicPr>
+        <p:blipFill>
+          <a:blip r:embed="rId5">
+            <a:extLst>
+              <a:ext uri="{28A0092B-C50C-407E-A947-70E740481C1C}">
+                <a14:useLocalDpi xmlns:a14="http://schemas.microsoft.com/office/drawing/2010/main" val="0"/>
+              </a:ext>
+            </a:extLst>
+          </a:blip>
+          <a:srcRect/>
+          <a:stretch>
+            <a:fillRect/>
+          </a:stretch>
+        </p:blipFill>
+        <p:spPr bwMode="auto">
+          <a:xfrm>
+            <a:off x="5654675" y="4913313"/>
+            <a:ext cx="2533650" cy="1704975"/>
+          </a:xfrm>
+          <a:prstGeom prst="rect">
+            <a:avLst/>
+          </a:prstGeom>
+          <a:noFill/>
+          <a:extLst>
+            <a:ext uri="{909E8E84-426E-40DD-AFC4-6F175D3DCCD1}">
+              <a14:hiddenFill xmlns:a14="http://schemas.microsoft.com/office/drawing/2010/main">
+                <a:solidFill>
+                  <a:srgbClr val="FFFFFF"/>
+                </a:solidFill>
+              </a14:hiddenFill>
+            </a:ext>
+          </a:extLst>
+        </p:spPr>
+      </p:pic>
+    </p:spTree>
+    <p:extLst>
+      <p:ext uri="{BB962C8B-B14F-4D97-AF65-F5344CB8AC3E}">
+        <p14:creationId xmlns:p14="http://schemas.microsoft.com/office/powerpoint/2010/main" val="2954750968"/>
+      </p:ext>
+    </p:extLst>
+  </p:cSld>
+  <p:clrMapOvr>
+    <a:masterClrMapping/>
+  </p:clrMapOvr>
+  <p:transition spd="slow"/>
+  <p:timing>
+    <p:tnLst>
+      <p:par>
+        <p:cTn id="1" dur="indefinite" restart="never" nodeType="tmRoot"/>
+      </p:par>
+    </p:tnLst>
+  </p:timing>
+</p:sld>
+</file>
+
+<file path=ppt/slides/slide12.xml><?xml version="1.0" encoding="utf-8"?>
+<p:sld xmlns:a="http://schemas.openxmlformats.org/drawingml/2006/main" xmlns:r="http://schemas.openxmlformats.org/officeDocument/2006/relationships" xmlns:p="http://schemas.openxmlformats.org/presentationml/2006/main">
+  <p:cSld>
+    <p:spTree>
+      <p:nvGrpSpPr>
+        <p:cNvPr id="1" name=""/>
+        <p:cNvGrpSpPr/>
+        <p:nvPr/>
+      </p:nvGrpSpPr>
+      <p:grpSpPr>
+        <a:xfrm>
+          <a:off x="0" y="0"/>
+          <a:ext cx="0" cy="0"/>
+          <a:chOff x="0" y="0"/>
+          <a:chExt cx="0" cy="0"/>
+        </a:xfrm>
+      </p:grpSpPr>
+      <p:sp>
+        <p:nvSpPr>
+          <p:cNvPr id="4" name="Rectangle 8"/>
+          <p:cNvSpPr>
+            <a:spLocks noGrp="1" noChangeArrowheads="1"/>
+          </p:cNvSpPr>
+          <p:nvPr>
+            <p:ph type="ftr" sz="quarter" idx="10"/>
+          </p:nvPr>
+        </p:nvSpPr>
+        <p:spPr>
+          <a:xfrm>
+            <a:off x="250824" y="6629400"/>
+            <a:ext cx="8359101" cy="228600"/>
+          </a:xfrm>
+          <a:ln/>
+        </p:spPr>
+        <p:txBody>
+          <a:bodyPr/>
+          <a:lstStyle/>
+          <a:p>
+            <a:r>
+              <a:rPr lang="de-DE" dirty="0"/>
+              <a:t>Seminar – Lokalisierung: </a:t>
+            </a:r>
+            <a:r>
+              <a:rPr lang="de-DE" dirty="0" err="1"/>
+              <a:t>Inertialsensorik</a:t>
+            </a:r>
+            <a:r>
+              <a:rPr lang="de-DE" dirty="0"/>
+              <a:t> und Funksysteme  - </a:t>
+            </a:r>
+            <a:r>
+              <a:rPr lang="de-DE" dirty="0" smtClean="0"/>
+              <a:t>17.06.2015 </a:t>
+            </a:r>
+            <a:r>
+              <a:rPr lang="de-DE" dirty="0"/>
+              <a:t>		</a:t>
+            </a:r>
+            <a:r>
+              <a:rPr lang="de-DE" dirty="0" err="1"/>
+              <a:t>Artemij</a:t>
+            </a:r>
+            <a:r>
+              <a:rPr lang="de-DE" dirty="0"/>
+              <a:t> </a:t>
+            </a:r>
+            <a:r>
+              <a:rPr lang="de-DE" dirty="0" err="1"/>
+              <a:t>Voskobojnikov</a:t>
+            </a:r>
+            <a:r>
+              <a:rPr lang="de-DE" dirty="0"/>
+              <a:t> und Benjamin </a:t>
+            </a:r>
+            <a:r>
+              <a:rPr lang="de-DE" dirty="0" err="1"/>
+              <a:t>Swiers</a:t>
+            </a:r>
+            <a:r>
+              <a:rPr lang="de-DE" dirty="0"/>
+              <a:t>		</a:t>
+            </a:r>
+          </a:p>
+        </p:txBody>
+      </p:sp>
+      <p:sp>
+        <p:nvSpPr>
+          <p:cNvPr id="67586" name="Rectangle 2"/>
+          <p:cNvSpPr>
+            <a:spLocks noGrp="1" noChangeArrowheads="1"/>
+          </p:cNvSpPr>
+          <p:nvPr>
+            <p:ph type="title"/>
+          </p:nvPr>
+        </p:nvSpPr>
+        <p:spPr>
+          <a:xfrm>
+            <a:off x="200025" y="298450"/>
+            <a:ext cx="6454775" cy="428625"/>
+          </a:xfrm>
+        </p:spPr>
+        <p:txBody>
+          <a:bodyPr/>
+          <a:lstStyle/>
+          <a:p>
+            <a:r>
+              <a:rPr lang="en-US" sz="1800" dirty="0"/>
+              <a:t>Differential </a:t>
+            </a:r>
+            <a:r>
+              <a:rPr lang="en-US" sz="1800" dirty="0" smtClean="0"/>
+              <a:t>Air Pressure</a:t>
             </a:r>
             <a:endParaRPr lang="de-DE" sz="1800" dirty="0" smtClean="0"/>
           </a:p>
@@ -4999,6 +6645,1574 @@
             </a:pPr>
             <a:r>
               <a:rPr lang="de-DE" sz="2200" dirty="0" smtClean="0"/>
+              <a:t>Basiert auf den Luftdruckschwankungen, die durch Personen ausgelöst werden</a:t>
+            </a:r>
+          </a:p>
+          <a:p>
+            <a:pPr marL="342900" indent="-342900">
+              <a:buFont typeface="Arial" pitchFamily="34" charset="0"/>
+              <a:buChar char="•"/>
+            </a:pPr>
+            <a:r>
+              <a:rPr lang="de-DE" sz="2200" dirty="0" smtClean="0"/>
+              <a:t>Wird in Klimaanlage integriert</a:t>
+            </a:r>
+          </a:p>
+          <a:p>
+            <a:pPr marL="342900" indent="-342900">
+              <a:buFont typeface="Arial" pitchFamily="34" charset="0"/>
+              <a:buChar char="•"/>
+            </a:pPr>
+            <a:r>
+              <a:rPr lang="de-DE" sz="2200" dirty="0" smtClean="0"/>
+              <a:t>Genauigkeit gering, da lediglich Öffnen/ Schließen von Türen erkannt wird </a:t>
+            </a:r>
+            <a:endParaRPr lang="de-DE" sz="2200" dirty="0"/>
+          </a:p>
+          <a:p>
+            <a:pPr marL="342900" indent="-342900">
+              <a:buFont typeface="Arial" pitchFamily="34" charset="0"/>
+              <a:buChar char="•"/>
+            </a:pPr>
+            <a:r>
+              <a:rPr lang="de-DE" sz="2200" dirty="0" smtClean="0"/>
+              <a:t>Alternative: Bewegungssensoren, die den Weg einer Person registrieren</a:t>
+            </a:r>
+          </a:p>
+          <a:p>
+            <a:pPr marL="342900" indent="-342900">
+              <a:buFont typeface="Arial" pitchFamily="34" charset="0"/>
+              <a:buChar char="•"/>
+            </a:pPr>
+            <a:r>
+              <a:rPr lang="de-DE" sz="2200" dirty="0" smtClean="0"/>
+              <a:t>Genauigkeit: gering</a:t>
+            </a:r>
+          </a:p>
+          <a:p>
+            <a:pPr marL="342900" indent="-342900">
+              <a:buFont typeface="Arial" pitchFamily="34" charset="0"/>
+              <a:buChar char="•"/>
+            </a:pPr>
+            <a:endParaRPr lang="de-DE" sz="2200" dirty="0"/>
+          </a:p>
+          <a:p>
+            <a:pPr marL="342900" indent="-342900">
+              <a:buFont typeface="Arial" pitchFamily="34" charset="0"/>
+              <a:buChar char="•"/>
+            </a:pPr>
+            <a:endParaRPr lang="de-DE" sz="2200" dirty="0" smtClean="0"/>
+          </a:p>
+          <a:p>
+            <a:pPr marL="342900" indent="-342900">
+              <a:buFont typeface="Arial" pitchFamily="34" charset="0"/>
+              <a:buChar char="•"/>
+            </a:pPr>
+            <a:endParaRPr lang="de-DE" sz="2200" dirty="0"/>
+          </a:p>
+          <a:p>
+            <a:pPr marL="342900" indent="-342900">
+              <a:buFont typeface="Arial" pitchFamily="34" charset="0"/>
+              <a:buChar char="•"/>
+            </a:pPr>
+            <a:endParaRPr lang="de-DE" sz="2200" dirty="0" smtClean="0"/>
+          </a:p>
+          <a:p>
+            <a:pPr marL="342900" indent="-342900">
+              <a:buFont typeface="Arial" pitchFamily="34" charset="0"/>
+              <a:buChar char="•"/>
+            </a:pPr>
+            <a:endParaRPr lang="de-DE" sz="2200" dirty="0"/>
+          </a:p>
+          <a:p>
+            <a:pPr lvl="1" indent="0">
+              <a:buNone/>
+            </a:pPr>
+            <a:endParaRPr lang="de-DE" sz="2200" dirty="0"/>
+          </a:p>
+          <a:p>
+            <a:pPr lvl="1" indent="0">
+              <a:buNone/>
+            </a:pPr>
+            <a:r>
+              <a:rPr lang="de-DE" sz="900" dirty="0"/>
+              <a:t>Quelle: </a:t>
+            </a:r>
+            <a:r>
+              <a:rPr lang="de-DE" sz="900" dirty="0">
+                <a:hlinkClick r:id="rId3"/>
+              </a:rPr>
+              <a:t>http://</a:t>
+            </a:r>
+            <a:r>
+              <a:rPr lang="de-DE" sz="900" dirty="0" smtClean="0">
+                <a:hlinkClick r:id="rId3"/>
+              </a:rPr>
+              <a:t>scisweb.ulster.ac.uk/~kevin/comcomsurvey.pdf</a:t>
+            </a:r>
+            <a:r>
+              <a:rPr lang="de-DE" sz="900" dirty="0" smtClean="0"/>
+              <a:t>  </a:t>
+            </a:r>
+            <a:endParaRPr lang="de-DE" sz="2200" dirty="0">
+              <a:solidFill>
+                <a:srgbClr val="FF0000"/>
+              </a:solidFill>
+            </a:endParaRPr>
+          </a:p>
+          <a:p>
+            <a:pPr marL="342900" indent="-342900">
+              <a:buFont typeface="Arial" pitchFamily="34" charset="0"/>
+              <a:buChar char="•"/>
+            </a:pPr>
+            <a:endParaRPr lang="de-DE" sz="2200" dirty="0" smtClean="0"/>
+          </a:p>
+        </p:txBody>
+      </p:sp>
+      <p:pic>
+        <p:nvPicPr>
+          <p:cNvPr id="2050" name="Picture 2"/>
+          <p:cNvPicPr>
+            <a:picLocks noChangeAspect="1" noChangeArrowheads="1"/>
+          </p:cNvPicPr>
+          <p:nvPr/>
+        </p:nvPicPr>
+        <p:blipFill>
+          <a:blip r:embed="rId4">
+            <a:extLst>
+              <a:ext uri="{28A0092B-C50C-407E-A947-70E740481C1C}">
+                <a14:useLocalDpi xmlns:a14="http://schemas.microsoft.com/office/drawing/2010/main" val="0"/>
+              </a:ext>
+            </a:extLst>
+          </a:blip>
+          <a:srcRect/>
+          <a:stretch>
+            <a:fillRect/>
+          </a:stretch>
+        </p:blipFill>
+        <p:spPr bwMode="auto">
+          <a:xfrm>
+            <a:off x="3986213" y="3111500"/>
+            <a:ext cx="4829175" cy="3133725"/>
+          </a:xfrm>
+          <a:prstGeom prst="rect">
+            <a:avLst/>
+          </a:prstGeom>
+          <a:noFill/>
+          <a:ln>
+            <a:noFill/>
+          </a:ln>
+          <a:effectLst/>
+          <a:extLst>
+            <a:ext uri="{909E8E84-426E-40DD-AFC4-6F175D3DCCD1}">
+              <a14:hiddenFill xmlns:a14="http://schemas.microsoft.com/office/drawing/2010/main">
+                <a:solidFill>
+                  <a:schemeClr val="accent1"/>
+                </a:solidFill>
+              </a14:hiddenFill>
+            </a:ext>
+            <a:ext uri="{91240B29-F687-4F45-9708-019B960494DF}">
+              <a14:hiddenLine xmlns:a14="http://schemas.microsoft.com/office/drawing/2010/main" w="9525">
+                <a:solidFill>
+                  <a:schemeClr val="tx1"/>
+                </a:solidFill>
+                <a:miter lim="800000"/>
+                <a:headEnd/>
+                <a:tailEnd/>
+              </a14:hiddenLine>
+            </a:ext>
+            <a:ext uri="{AF507438-7753-43E0-B8FC-AC1667EBCBE1}">
+              <a14:hiddenEffects xmlns:a14="http://schemas.microsoft.com/office/drawing/2010/main">
+                <a:effectLst>
+                  <a:outerShdw dist="35921" dir="2700000" algn="ctr" rotWithShape="0">
+                    <a:schemeClr val="bg2"/>
+                  </a:outerShdw>
+                </a:effectLst>
+              </a14:hiddenEffects>
+            </a:ext>
+          </a:extLst>
+        </p:spPr>
+      </p:pic>
+    </p:spTree>
+    <p:extLst>
+      <p:ext uri="{BB962C8B-B14F-4D97-AF65-F5344CB8AC3E}">
+        <p14:creationId xmlns:p14="http://schemas.microsoft.com/office/powerpoint/2010/main" val="2862314468"/>
+      </p:ext>
+    </p:extLst>
+  </p:cSld>
+  <p:clrMapOvr>
+    <a:masterClrMapping/>
+  </p:clrMapOvr>
+  <p:transition spd="slow"/>
+  <p:timing>
+    <p:tnLst>
+      <p:par>
+        <p:cTn id="1" dur="indefinite" restart="never" nodeType="tmRoot"/>
+      </p:par>
+    </p:tnLst>
+  </p:timing>
+</p:sld>
+</file>
+
+<file path=ppt/slides/slide13.xml><?xml version="1.0" encoding="utf-8"?>
+<p:sld xmlns:a="http://schemas.openxmlformats.org/drawingml/2006/main" xmlns:r="http://schemas.openxmlformats.org/officeDocument/2006/relationships" xmlns:p="http://schemas.openxmlformats.org/presentationml/2006/main">
+  <p:cSld>
+    <p:spTree>
+      <p:nvGrpSpPr>
+        <p:cNvPr id="1" name=""/>
+        <p:cNvGrpSpPr/>
+        <p:nvPr/>
+      </p:nvGrpSpPr>
+      <p:grpSpPr>
+        <a:xfrm>
+          <a:off x="0" y="0"/>
+          <a:ext cx="0" cy="0"/>
+          <a:chOff x="0" y="0"/>
+          <a:chExt cx="0" cy="0"/>
+        </a:xfrm>
+      </p:grpSpPr>
+      <p:sp>
+        <p:nvSpPr>
+          <p:cNvPr id="4" name="Rectangle 8"/>
+          <p:cNvSpPr>
+            <a:spLocks noGrp="1" noChangeArrowheads="1"/>
+          </p:cNvSpPr>
+          <p:nvPr>
+            <p:ph type="ftr" sz="quarter" idx="10"/>
+          </p:nvPr>
+        </p:nvSpPr>
+        <p:spPr>
+          <a:xfrm>
+            <a:off x="250824" y="6629400"/>
+            <a:ext cx="8359101" cy="228600"/>
+          </a:xfrm>
+          <a:ln/>
+        </p:spPr>
+        <p:txBody>
+          <a:bodyPr/>
+          <a:lstStyle/>
+          <a:p>
+            <a:r>
+              <a:rPr lang="de-DE" dirty="0"/>
+              <a:t>Seminar – Lokalisierung: </a:t>
+            </a:r>
+            <a:r>
+              <a:rPr lang="de-DE" dirty="0" err="1"/>
+              <a:t>Inertialsensorik</a:t>
+            </a:r>
+            <a:r>
+              <a:rPr lang="de-DE" dirty="0"/>
+              <a:t> und Funksysteme  - </a:t>
+            </a:r>
+            <a:r>
+              <a:rPr lang="de-DE" dirty="0" smtClean="0"/>
+              <a:t>17.06.2015 </a:t>
+            </a:r>
+            <a:r>
+              <a:rPr lang="de-DE" dirty="0"/>
+              <a:t>		</a:t>
+            </a:r>
+            <a:r>
+              <a:rPr lang="de-DE" dirty="0" err="1"/>
+              <a:t>Artemij</a:t>
+            </a:r>
+            <a:r>
+              <a:rPr lang="de-DE" dirty="0"/>
+              <a:t> </a:t>
+            </a:r>
+            <a:r>
+              <a:rPr lang="de-DE" dirty="0" err="1"/>
+              <a:t>Voskobojnikov</a:t>
+            </a:r>
+            <a:r>
+              <a:rPr lang="de-DE" dirty="0"/>
+              <a:t> und Benjamin </a:t>
+            </a:r>
+            <a:r>
+              <a:rPr lang="de-DE" dirty="0" err="1"/>
+              <a:t>Swiers</a:t>
+            </a:r>
+            <a:r>
+              <a:rPr lang="de-DE" dirty="0"/>
+              <a:t>		</a:t>
+            </a:r>
+          </a:p>
+        </p:txBody>
+      </p:sp>
+      <p:sp>
+        <p:nvSpPr>
+          <p:cNvPr id="67586" name="Rectangle 2"/>
+          <p:cNvSpPr>
+            <a:spLocks noGrp="1" noChangeArrowheads="1"/>
+          </p:cNvSpPr>
+          <p:nvPr>
+            <p:ph type="title"/>
+          </p:nvPr>
+        </p:nvSpPr>
+        <p:spPr>
+          <a:xfrm>
+            <a:off x="200025" y="298450"/>
+            <a:ext cx="6454775" cy="428625"/>
+          </a:xfrm>
+        </p:spPr>
+        <p:txBody>
+          <a:bodyPr/>
+          <a:lstStyle/>
+          <a:p>
+            <a:r>
+              <a:rPr lang="en-US" sz="1800" dirty="0"/>
+              <a:t>Physical contact</a:t>
+            </a:r>
+            <a:endParaRPr lang="de-DE" sz="1800" dirty="0" smtClean="0"/>
+          </a:p>
+        </p:txBody>
+      </p:sp>
+      <p:sp>
+        <p:nvSpPr>
+          <p:cNvPr id="67587" name="Rectangle 3"/>
+          <p:cNvSpPr>
+            <a:spLocks noGrp="1" noChangeArrowheads="1"/>
+          </p:cNvSpPr>
+          <p:nvPr>
+            <p:ph type="body" idx="1"/>
+          </p:nvPr>
+        </p:nvSpPr>
+        <p:spPr>
+          <a:xfrm>
+            <a:off x="250825" y="762001"/>
+            <a:ext cx="8642350" cy="5638799"/>
+          </a:xfrm>
+        </p:spPr>
+        <p:txBody>
+          <a:bodyPr/>
+          <a:lstStyle/>
+          <a:p>
+            <a:pPr marL="342900" indent="-342900">
+              <a:buFont typeface="Arial" pitchFamily="34" charset="0"/>
+              <a:buChar char="•"/>
+            </a:pPr>
+            <a:r>
+              <a:rPr lang="de-DE" sz="2200" dirty="0" smtClean="0"/>
+              <a:t>Verschiedene Arten zur Detektion</a:t>
+            </a:r>
+          </a:p>
+          <a:p>
+            <a:pPr marL="698500" lvl="1" indent="-342900">
+              <a:buFont typeface="Arial" pitchFamily="34" charset="0"/>
+              <a:buChar char="•"/>
+            </a:pPr>
+            <a:r>
+              <a:rPr lang="de-DE" sz="2200" dirty="0" smtClean="0"/>
+              <a:t>Piezoelemente auf dem Boden</a:t>
+            </a:r>
+          </a:p>
+          <a:p>
+            <a:pPr marL="698500" lvl="1" indent="-342900">
+              <a:buFont typeface="Arial" pitchFamily="34" charset="0"/>
+              <a:buChar char="•"/>
+            </a:pPr>
+            <a:r>
+              <a:rPr lang="de-DE" sz="2200" dirty="0" smtClean="0"/>
+              <a:t>Kapazitätsänderungen</a:t>
+            </a:r>
+          </a:p>
+          <a:p>
+            <a:pPr marL="698500" lvl="1" indent="-342900">
+              <a:buFont typeface="Arial" pitchFamily="34" charset="0"/>
+              <a:buChar char="•"/>
+            </a:pPr>
+            <a:r>
+              <a:rPr lang="de-DE" sz="2200" dirty="0" smtClean="0"/>
+              <a:t>Kameras (nächste Folie)</a:t>
+            </a:r>
+          </a:p>
+          <a:p>
+            <a:pPr marL="342900" indent="-342900">
+              <a:buFont typeface="Arial" pitchFamily="34" charset="0"/>
+              <a:buChar char="•"/>
+            </a:pPr>
+            <a:r>
+              <a:rPr lang="de-DE" sz="2200" dirty="0" smtClean="0"/>
+              <a:t>Sensoren müssen im Boden verlegt werden</a:t>
+            </a:r>
+          </a:p>
+          <a:p>
+            <a:pPr marL="342900" indent="-342900">
+              <a:buFont typeface="Arial" pitchFamily="34" charset="0"/>
+              <a:buChar char="•"/>
+            </a:pPr>
+            <a:r>
+              <a:rPr lang="de-DE" sz="2200" dirty="0" smtClean="0"/>
+              <a:t>Möglichkeiten: </a:t>
+            </a:r>
+          </a:p>
+          <a:p>
+            <a:pPr marL="698500" lvl="1" indent="-342900">
+              <a:buFont typeface="Arial" pitchFamily="34" charset="0"/>
+              <a:buChar char="•"/>
+            </a:pPr>
+            <a:r>
+              <a:rPr lang="de-DE" sz="2200" dirty="0" smtClean="0"/>
+              <a:t>Lokalisierung</a:t>
+            </a:r>
+          </a:p>
+          <a:p>
+            <a:pPr marL="698500" lvl="1" indent="-342900">
+              <a:buFont typeface="Arial" pitchFamily="34" charset="0"/>
+              <a:buChar char="•"/>
+            </a:pPr>
+            <a:r>
+              <a:rPr lang="de-DE" sz="2200" dirty="0" smtClean="0"/>
+              <a:t>Tracking</a:t>
+            </a:r>
+          </a:p>
+          <a:p>
+            <a:pPr marL="698500" lvl="1" indent="-342900">
+              <a:buFont typeface="Arial" pitchFamily="34" charset="0"/>
+              <a:buChar char="•"/>
+            </a:pPr>
+            <a:r>
+              <a:rPr lang="de-DE" sz="2200" dirty="0" smtClean="0"/>
+              <a:t>Schritterkennung</a:t>
+            </a:r>
+          </a:p>
+          <a:p>
+            <a:pPr marL="698500" lvl="1" indent="-342900">
+              <a:buFont typeface="Arial" pitchFamily="34" charset="0"/>
+              <a:buChar char="•"/>
+            </a:pPr>
+            <a:r>
+              <a:rPr lang="de-DE" sz="2200" dirty="0" smtClean="0"/>
+              <a:t>Erkennen von Stürzen</a:t>
+            </a:r>
+          </a:p>
+          <a:p>
+            <a:pPr marL="698500" lvl="1" indent="-342900">
+              <a:buFont typeface="Arial" pitchFamily="34" charset="0"/>
+              <a:buChar char="•"/>
+            </a:pPr>
+            <a:r>
+              <a:rPr lang="de-DE" sz="2200" dirty="0" smtClean="0"/>
+              <a:t>Interaktion mit dem Boden</a:t>
+            </a:r>
+          </a:p>
+          <a:p>
+            <a:pPr marL="342900" indent="-342900">
+              <a:buFont typeface="Arial" pitchFamily="34" charset="0"/>
+              <a:buChar char="•"/>
+            </a:pPr>
+            <a:r>
+              <a:rPr lang="de-DE" sz="2200" dirty="0" smtClean="0"/>
+              <a:t>Genauigkeit:</a:t>
+            </a:r>
+          </a:p>
+          <a:p>
+            <a:pPr marL="698500" lvl="1" indent="-342900">
+              <a:buFont typeface="Arial" pitchFamily="34" charset="0"/>
+              <a:buChar char="•"/>
+            </a:pPr>
+            <a:r>
+              <a:rPr lang="de-DE" sz="2200" dirty="0" smtClean="0"/>
+              <a:t>Abhängig von # Sensoren</a:t>
+            </a:r>
+          </a:p>
+          <a:p>
+            <a:pPr marL="698500" lvl="1" indent="-342900">
+              <a:buFont typeface="Arial" pitchFamily="34" charset="0"/>
+              <a:buChar char="•"/>
+            </a:pPr>
+            <a:r>
+              <a:rPr lang="de-DE" sz="2200" dirty="0" smtClean="0"/>
+              <a:t>Laufend vs. stehend</a:t>
+            </a:r>
+          </a:p>
+          <a:p>
+            <a:pPr lvl="1" indent="0">
+              <a:buNone/>
+            </a:pPr>
+            <a:r>
+              <a:rPr lang="de-DE" sz="900" dirty="0" smtClean="0"/>
+              <a:t>Quelle</a:t>
+            </a:r>
+            <a:r>
+              <a:rPr lang="de-DE" sz="900" dirty="0"/>
+              <a:t>: </a:t>
+            </a:r>
+            <a:r>
+              <a:rPr lang="de-DE" sz="900" dirty="0">
+                <a:hlinkClick r:id="rId3"/>
+              </a:rPr>
+              <a:t>http://</a:t>
+            </a:r>
+            <a:r>
+              <a:rPr lang="de-DE" sz="900" dirty="0" smtClean="0">
+                <a:hlinkClick r:id="rId3"/>
+              </a:rPr>
+              <a:t>i.kinja-img.com/gawker-media/image/upload/s-</a:t>
+            </a:r>
+            <a:r>
+              <a:rPr lang="de-DE" sz="900" dirty="0">
+                <a:hlinkClick r:id="rId3"/>
+              </a:rPr>
+              <a:t>-WB7wQYq6--/</a:t>
+            </a:r>
+            <a:r>
+              <a:rPr lang="de-DE" sz="900" dirty="0" smtClean="0">
+                <a:hlinkClick r:id="rId3"/>
+              </a:rPr>
+              <a:t>c_fit,fl_progressive,q_80,w_636/19gzk7od0artwjpg.jpg</a:t>
+            </a:r>
+            <a:endParaRPr lang="de-DE" sz="900" dirty="0" smtClean="0"/>
+          </a:p>
+          <a:p>
+            <a:pPr lvl="1" indent="0">
+              <a:buNone/>
+            </a:pPr>
+            <a:endParaRPr lang="de-DE" sz="900" dirty="0" smtClean="0"/>
+          </a:p>
+        </p:txBody>
+      </p:sp>
+      <p:pic>
+        <p:nvPicPr>
+          <p:cNvPr id="2" name="Grafik 1"/>
+          <p:cNvPicPr>
+            <a:picLocks noChangeAspect="1"/>
+          </p:cNvPicPr>
+          <p:nvPr/>
+        </p:nvPicPr>
+        <p:blipFill>
+          <a:blip r:embed="rId4">
+            <a:extLst>
+              <a:ext uri="{28A0092B-C50C-407E-A947-70E740481C1C}">
+                <a14:useLocalDpi xmlns:a14="http://schemas.microsoft.com/office/drawing/2010/main" val="0"/>
+              </a:ext>
+            </a:extLst>
+          </a:blip>
+          <a:stretch>
+            <a:fillRect/>
+          </a:stretch>
+        </p:blipFill>
+        <p:spPr>
+          <a:xfrm>
+            <a:off x="4378825" y="2895600"/>
+            <a:ext cx="4676275" cy="3213100"/>
+          </a:xfrm>
+          <a:prstGeom prst="rect">
+            <a:avLst/>
+          </a:prstGeom>
+        </p:spPr>
+      </p:pic>
+    </p:spTree>
+    <p:extLst>
+      <p:ext uri="{BB962C8B-B14F-4D97-AF65-F5344CB8AC3E}">
+        <p14:creationId xmlns:p14="http://schemas.microsoft.com/office/powerpoint/2010/main" val="229622651"/>
+      </p:ext>
+    </p:extLst>
+  </p:cSld>
+  <p:clrMapOvr>
+    <a:masterClrMapping/>
+  </p:clrMapOvr>
+  <p:transition spd="slow"/>
+  <p:timing>
+    <p:tnLst>
+      <p:par>
+        <p:cTn id="1" dur="indefinite" restart="never" nodeType="tmRoot"/>
+      </p:par>
+    </p:tnLst>
+  </p:timing>
+</p:sld>
+</file>
+
+<file path=ppt/slides/slide14.xml><?xml version="1.0" encoding="utf-8"?>
+<p:sld xmlns:a="http://schemas.openxmlformats.org/drawingml/2006/main" xmlns:r="http://schemas.openxmlformats.org/officeDocument/2006/relationships" xmlns:p="http://schemas.openxmlformats.org/presentationml/2006/main">
+  <p:cSld>
+    <p:spTree>
+      <p:nvGrpSpPr>
+        <p:cNvPr id="1" name=""/>
+        <p:cNvGrpSpPr/>
+        <p:nvPr/>
+      </p:nvGrpSpPr>
+      <p:grpSpPr>
+        <a:xfrm>
+          <a:off x="0" y="0"/>
+          <a:ext cx="0" cy="0"/>
+          <a:chOff x="0" y="0"/>
+          <a:chExt cx="0" cy="0"/>
+        </a:xfrm>
+      </p:grpSpPr>
+      <p:sp>
+        <p:nvSpPr>
+          <p:cNvPr id="4" name="Rectangle 8"/>
+          <p:cNvSpPr>
+            <a:spLocks noGrp="1" noChangeArrowheads="1"/>
+          </p:cNvSpPr>
+          <p:nvPr>
+            <p:ph type="ftr" sz="quarter" idx="10"/>
+          </p:nvPr>
+        </p:nvSpPr>
+        <p:spPr>
+          <a:xfrm>
+            <a:off x="250824" y="6629400"/>
+            <a:ext cx="8359101" cy="228600"/>
+          </a:xfrm>
+          <a:ln/>
+        </p:spPr>
+        <p:txBody>
+          <a:bodyPr/>
+          <a:lstStyle/>
+          <a:p>
+            <a:r>
+              <a:rPr lang="de-DE" dirty="0"/>
+              <a:t>Seminar – Lokalisierung: </a:t>
+            </a:r>
+            <a:r>
+              <a:rPr lang="de-DE" dirty="0" err="1"/>
+              <a:t>Inertialsensorik</a:t>
+            </a:r>
+            <a:r>
+              <a:rPr lang="de-DE" dirty="0"/>
+              <a:t> und Funksysteme  - </a:t>
+            </a:r>
+            <a:r>
+              <a:rPr lang="de-DE" dirty="0" smtClean="0"/>
+              <a:t>17.06.2015 </a:t>
+            </a:r>
+            <a:r>
+              <a:rPr lang="de-DE" dirty="0"/>
+              <a:t>		</a:t>
+            </a:r>
+            <a:r>
+              <a:rPr lang="de-DE" dirty="0" err="1"/>
+              <a:t>Artemij</a:t>
+            </a:r>
+            <a:r>
+              <a:rPr lang="de-DE" dirty="0"/>
+              <a:t> </a:t>
+            </a:r>
+            <a:r>
+              <a:rPr lang="de-DE" dirty="0" err="1"/>
+              <a:t>Voskobojnikov</a:t>
+            </a:r>
+            <a:r>
+              <a:rPr lang="de-DE" dirty="0"/>
+              <a:t> und Benjamin </a:t>
+            </a:r>
+            <a:r>
+              <a:rPr lang="de-DE" dirty="0" err="1"/>
+              <a:t>Swiers</a:t>
+            </a:r>
+            <a:r>
+              <a:rPr lang="de-DE" dirty="0"/>
+              <a:t>		</a:t>
+            </a:r>
+          </a:p>
+        </p:txBody>
+      </p:sp>
+      <p:sp>
+        <p:nvSpPr>
+          <p:cNvPr id="67586" name="Rectangle 2"/>
+          <p:cNvSpPr>
+            <a:spLocks noGrp="1" noChangeArrowheads="1"/>
+          </p:cNvSpPr>
+          <p:nvPr>
+            <p:ph type="title"/>
+          </p:nvPr>
+        </p:nvSpPr>
+        <p:spPr>
+          <a:xfrm>
+            <a:off x="200025" y="298450"/>
+            <a:ext cx="6454775" cy="428625"/>
+          </a:xfrm>
+        </p:spPr>
+        <p:txBody>
+          <a:bodyPr/>
+          <a:lstStyle/>
+          <a:p>
+            <a:r>
+              <a:rPr lang="en-US" sz="1800" dirty="0" err="1" smtClean="0"/>
+              <a:t>GravitySpace</a:t>
+            </a:r>
+            <a:r>
+              <a:rPr lang="en-US" sz="1800" dirty="0"/>
+              <a:t> </a:t>
+            </a:r>
+            <a:r>
+              <a:rPr lang="en-US" sz="1800" dirty="0" smtClean="0"/>
+              <a:t>(HPI)</a:t>
+            </a:r>
+            <a:endParaRPr lang="de-DE" sz="1800" dirty="0" smtClean="0"/>
+          </a:p>
+        </p:txBody>
+      </p:sp>
+      <p:sp>
+        <p:nvSpPr>
+          <p:cNvPr id="67587" name="Rectangle 3"/>
+          <p:cNvSpPr>
+            <a:spLocks noGrp="1" noChangeArrowheads="1"/>
+          </p:cNvSpPr>
+          <p:nvPr>
+            <p:ph type="body" idx="1"/>
+          </p:nvPr>
+        </p:nvSpPr>
+        <p:spPr>
+          <a:xfrm>
+            <a:off x="250825" y="762001"/>
+            <a:ext cx="8642350" cy="5791199"/>
+          </a:xfrm>
+        </p:spPr>
+        <p:txBody>
+          <a:bodyPr/>
+          <a:lstStyle/>
+          <a:p>
+            <a:pPr marL="342900" indent="-342900">
+              <a:buFont typeface="Arial" pitchFamily="34" charset="0"/>
+              <a:buChar char="•"/>
+            </a:pPr>
+            <a:r>
+              <a:rPr lang="de-DE" sz="2200" dirty="0" smtClean="0"/>
+              <a:t>Nutze die Tatsache aus, dass ein Objekte unter Druck verschiedene Abdrücke hinterlässt</a:t>
+            </a:r>
+          </a:p>
+          <a:p>
+            <a:pPr marL="342900" indent="-342900">
+              <a:buFont typeface="Arial" pitchFamily="34" charset="0"/>
+              <a:buChar char="•"/>
+            </a:pPr>
+            <a:r>
+              <a:rPr lang="de-DE" sz="2200" dirty="0" smtClean="0"/>
+              <a:t>Glasboden, unter dem Kameras angebracht sind</a:t>
+            </a:r>
+          </a:p>
+          <a:p>
+            <a:pPr marL="342900" indent="-342900">
+              <a:buFont typeface="Arial" pitchFamily="34" charset="0"/>
+              <a:buChar char="•"/>
+            </a:pPr>
+            <a:r>
+              <a:rPr lang="de-DE" sz="2200" dirty="0" smtClean="0"/>
+              <a:t>Möglichkeiten:</a:t>
+            </a:r>
+          </a:p>
+          <a:p>
+            <a:pPr marL="698500" lvl="1" indent="-342900">
+              <a:buFont typeface="Arial" pitchFamily="34" charset="0"/>
+              <a:buChar char="•"/>
+            </a:pPr>
+            <a:r>
+              <a:rPr lang="de-DE" sz="2200" dirty="0" smtClean="0"/>
+              <a:t>Lokalisierung</a:t>
+            </a:r>
+          </a:p>
+          <a:p>
+            <a:pPr marL="698500" lvl="1" indent="-342900">
+              <a:buFont typeface="Arial" pitchFamily="34" charset="0"/>
+              <a:buChar char="•"/>
+            </a:pPr>
+            <a:r>
+              <a:rPr lang="de-DE" sz="2200" dirty="0" smtClean="0"/>
+              <a:t>Tracking</a:t>
+            </a:r>
+          </a:p>
+          <a:p>
+            <a:pPr marL="698500" lvl="1" indent="-342900">
+              <a:buFont typeface="Arial" pitchFamily="34" charset="0"/>
+              <a:buChar char="•"/>
+            </a:pPr>
+            <a:r>
+              <a:rPr lang="de-DE" sz="2200" dirty="0" smtClean="0"/>
+              <a:t>Interaktion</a:t>
+            </a:r>
+          </a:p>
+          <a:p>
+            <a:pPr marL="698500" lvl="1" indent="-342900">
+              <a:buFont typeface="Arial" pitchFamily="34" charset="0"/>
+              <a:buChar char="•"/>
+            </a:pPr>
+            <a:r>
+              <a:rPr lang="de-DE" sz="2200" dirty="0" smtClean="0"/>
+              <a:t>Identifikation</a:t>
+            </a:r>
+          </a:p>
+          <a:p>
+            <a:pPr marL="698500" lvl="1" indent="-342900">
+              <a:buFont typeface="Arial" pitchFamily="34" charset="0"/>
+              <a:buChar char="•"/>
+            </a:pPr>
+            <a:endParaRPr lang="de-DE" sz="2200" dirty="0"/>
+          </a:p>
+          <a:p>
+            <a:pPr marL="698500" lvl="1" indent="-342900">
+              <a:buFont typeface="Arial" pitchFamily="34" charset="0"/>
+              <a:buChar char="•"/>
+            </a:pPr>
+            <a:endParaRPr lang="de-DE" sz="2200" dirty="0" smtClean="0"/>
+          </a:p>
+          <a:p>
+            <a:pPr marL="698500" lvl="1" indent="-342900">
+              <a:buFont typeface="Arial" pitchFamily="34" charset="0"/>
+              <a:buChar char="•"/>
+            </a:pPr>
+            <a:endParaRPr lang="de-DE" sz="2200" dirty="0"/>
+          </a:p>
+          <a:p>
+            <a:pPr marL="698500" lvl="1" indent="-342900">
+              <a:buFont typeface="Arial" pitchFamily="34" charset="0"/>
+              <a:buChar char="•"/>
+            </a:pPr>
+            <a:endParaRPr lang="de-DE" sz="2200" dirty="0" smtClean="0"/>
+          </a:p>
+          <a:p>
+            <a:pPr lvl="1" indent="0">
+              <a:buNone/>
+            </a:pPr>
+            <a:endParaRPr lang="de-DE" sz="900" dirty="0"/>
+          </a:p>
+          <a:p>
+            <a:pPr lvl="1" indent="0">
+              <a:buNone/>
+            </a:pPr>
+            <a:endParaRPr lang="de-DE" sz="900" dirty="0" smtClean="0"/>
+          </a:p>
+          <a:p>
+            <a:pPr lvl="1" indent="0">
+              <a:buNone/>
+            </a:pPr>
+            <a:endParaRPr lang="de-DE" sz="900" dirty="0" smtClean="0"/>
+          </a:p>
+          <a:p>
+            <a:pPr lvl="1" indent="0">
+              <a:buNone/>
+            </a:pPr>
+            <a:endParaRPr lang="de-DE" sz="900" dirty="0"/>
+          </a:p>
+          <a:p>
+            <a:pPr lvl="1" indent="0">
+              <a:buNone/>
+            </a:pPr>
+            <a:r>
+              <a:rPr lang="de-DE" sz="900" dirty="0" smtClean="0"/>
+              <a:t>Quelle</a:t>
+            </a:r>
+            <a:r>
+              <a:rPr lang="de-DE" sz="900" dirty="0"/>
+              <a:t>: </a:t>
+            </a:r>
+            <a:r>
+              <a:rPr lang="de-DE" sz="900" dirty="0">
+                <a:hlinkClick r:id="rId3"/>
+              </a:rPr>
+              <a:t>https://</a:t>
+            </a:r>
+            <a:r>
+              <a:rPr lang="de-DE" sz="900" dirty="0" smtClean="0">
+                <a:hlinkClick r:id="rId3"/>
+              </a:rPr>
+              <a:t>hpi.de/fileadmin/user_upload/fachgebiete/baudisch/publications/GravitySpace_CHI2013.pdf</a:t>
+            </a:r>
+            <a:r>
+              <a:rPr lang="de-DE" sz="900" dirty="0" smtClean="0"/>
+              <a:t> </a:t>
+            </a:r>
+            <a:endParaRPr lang="de-DE" sz="900" dirty="0">
+              <a:solidFill>
+                <a:srgbClr val="FF0000"/>
+              </a:solidFill>
+            </a:endParaRPr>
+          </a:p>
+          <a:p>
+            <a:pPr marL="698500" lvl="1" indent="-342900">
+              <a:buFont typeface="Arial" pitchFamily="34" charset="0"/>
+              <a:buChar char="•"/>
+            </a:pPr>
+            <a:endParaRPr lang="de-DE" sz="2200" dirty="0" smtClean="0"/>
+          </a:p>
+        </p:txBody>
+      </p:sp>
+      <p:pic>
+        <p:nvPicPr>
+          <p:cNvPr id="1026" name="Picture 2"/>
+          <p:cNvPicPr>
+            <a:picLocks noChangeAspect="1" noChangeArrowheads="1"/>
+          </p:cNvPicPr>
+          <p:nvPr/>
+        </p:nvPicPr>
+        <p:blipFill>
+          <a:blip r:embed="rId4">
+            <a:extLst>
+              <a:ext uri="{28A0092B-C50C-407E-A947-70E740481C1C}">
+                <a14:useLocalDpi xmlns:a14="http://schemas.microsoft.com/office/drawing/2010/main" val="0"/>
+              </a:ext>
+            </a:extLst>
+          </a:blip>
+          <a:srcRect/>
+          <a:stretch>
+            <a:fillRect/>
+          </a:stretch>
+        </p:blipFill>
+        <p:spPr bwMode="auto">
+          <a:xfrm>
+            <a:off x="3066115" y="2399658"/>
+            <a:ext cx="5457173" cy="3734441"/>
+          </a:xfrm>
+          <a:prstGeom prst="rect">
+            <a:avLst/>
+          </a:prstGeom>
+          <a:noFill/>
+          <a:ln>
+            <a:noFill/>
+          </a:ln>
+          <a:effectLst/>
+          <a:extLst>
+            <a:ext uri="{909E8E84-426E-40DD-AFC4-6F175D3DCCD1}">
+              <a14:hiddenFill xmlns:a14="http://schemas.microsoft.com/office/drawing/2010/main">
+                <a:solidFill>
+                  <a:schemeClr val="accent1"/>
+                </a:solidFill>
+              </a14:hiddenFill>
+            </a:ext>
+            <a:ext uri="{91240B29-F687-4F45-9708-019B960494DF}">
+              <a14:hiddenLine xmlns:a14="http://schemas.microsoft.com/office/drawing/2010/main" w="9525">
+                <a:solidFill>
+                  <a:schemeClr val="tx1"/>
+                </a:solidFill>
+                <a:miter lim="800000"/>
+                <a:headEnd/>
+                <a:tailEnd/>
+              </a14:hiddenLine>
+            </a:ext>
+            <a:ext uri="{AF507438-7753-43E0-B8FC-AC1667EBCBE1}">
+              <a14:hiddenEffects xmlns:a14="http://schemas.microsoft.com/office/drawing/2010/main">
+                <a:effectLst>
+                  <a:outerShdw dist="35921" dir="2700000" algn="ctr" rotWithShape="0">
+                    <a:schemeClr val="bg2"/>
+                  </a:outerShdw>
+                </a:effectLst>
+              </a14:hiddenEffects>
+            </a:ext>
+          </a:extLst>
+        </p:spPr>
+      </p:pic>
+    </p:spTree>
+    <p:extLst>
+      <p:ext uri="{BB962C8B-B14F-4D97-AF65-F5344CB8AC3E}">
+        <p14:creationId xmlns:p14="http://schemas.microsoft.com/office/powerpoint/2010/main" val="692245389"/>
+      </p:ext>
+    </p:extLst>
+  </p:cSld>
+  <p:clrMapOvr>
+    <a:masterClrMapping/>
+  </p:clrMapOvr>
+  <p:transition spd="slow"/>
+  <p:timing>
+    <p:tnLst>
+      <p:par>
+        <p:cTn id="1" dur="indefinite" restart="never" nodeType="tmRoot"/>
+      </p:par>
+    </p:tnLst>
+  </p:timing>
+</p:sld>
+</file>
+
+<file path=ppt/slides/slide15.xml><?xml version="1.0" encoding="utf-8"?>
+<p:sld xmlns:a="http://schemas.openxmlformats.org/drawingml/2006/main" xmlns:r="http://schemas.openxmlformats.org/officeDocument/2006/relationships" xmlns:p="http://schemas.openxmlformats.org/presentationml/2006/main">
+  <p:cSld>
+    <p:spTree>
+      <p:nvGrpSpPr>
+        <p:cNvPr id="1" name=""/>
+        <p:cNvGrpSpPr/>
+        <p:nvPr/>
+      </p:nvGrpSpPr>
+      <p:grpSpPr>
+        <a:xfrm>
+          <a:off x="0" y="0"/>
+          <a:ext cx="0" cy="0"/>
+          <a:chOff x="0" y="0"/>
+          <a:chExt cx="0" cy="0"/>
+        </a:xfrm>
+      </p:grpSpPr>
+      <p:sp>
+        <p:nvSpPr>
+          <p:cNvPr id="4" name="Rectangle 8"/>
+          <p:cNvSpPr>
+            <a:spLocks noGrp="1" noChangeArrowheads="1"/>
+          </p:cNvSpPr>
+          <p:nvPr>
+            <p:ph type="ftr" sz="quarter" idx="10"/>
+          </p:nvPr>
+        </p:nvSpPr>
+        <p:spPr>
+          <a:xfrm>
+            <a:off x="250824" y="6629400"/>
+            <a:ext cx="8359101" cy="228600"/>
+          </a:xfrm>
+          <a:ln/>
+        </p:spPr>
+        <p:txBody>
+          <a:bodyPr/>
+          <a:lstStyle/>
+          <a:p>
+            <a:r>
+              <a:rPr lang="de-DE" dirty="0"/>
+              <a:t>Seminar – Lokalisierung: </a:t>
+            </a:r>
+            <a:r>
+              <a:rPr lang="de-DE" dirty="0" err="1"/>
+              <a:t>Inertialsensorik</a:t>
+            </a:r>
+            <a:r>
+              <a:rPr lang="de-DE" dirty="0"/>
+              <a:t> und Funksysteme  - </a:t>
+            </a:r>
+            <a:r>
+              <a:rPr lang="de-DE" dirty="0" smtClean="0"/>
+              <a:t>17.06.2015 </a:t>
+            </a:r>
+            <a:r>
+              <a:rPr lang="de-DE" dirty="0"/>
+              <a:t>		</a:t>
+            </a:r>
+            <a:r>
+              <a:rPr lang="de-DE" dirty="0" err="1"/>
+              <a:t>Artemij</a:t>
+            </a:r>
+            <a:r>
+              <a:rPr lang="de-DE" dirty="0"/>
+              <a:t> </a:t>
+            </a:r>
+            <a:r>
+              <a:rPr lang="de-DE" dirty="0" err="1"/>
+              <a:t>Voskobojnikov</a:t>
+            </a:r>
+            <a:r>
+              <a:rPr lang="de-DE" dirty="0"/>
+              <a:t> und Benjamin </a:t>
+            </a:r>
+            <a:r>
+              <a:rPr lang="de-DE" dirty="0" err="1"/>
+              <a:t>Swiers</a:t>
+            </a:r>
+            <a:r>
+              <a:rPr lang="de-DE" dirty="0"/>
+              <a:t>		</a:t>
+            </a:r>
+          </a:p>
+        </p:txBody>
+      </p:sp>
+      <p:sp>
+        <p:nvSpPr>
+          <p:cNvPr id="67586" name="Rectangle 2"/>
+          <p:cNvSpPr>
+            <a:spLocks noGrp="1" noChangeArrowheads="1"/>
+          </p:cNvSpPr>
+          <p:nvPr>
+            <p:ph type="title"/>
+          </p:nvPr>
+        </p:nvSpPr>
+        <p:spPr>
+          <a:xfrm>
+            <a:off x="200025" y="298450"/>
+            <a:ext cx="6454775" cy="428625"/>
+          </a:xfrm>
+        </p:spPr>
+        <p:txBody>
+          <a:bodyPr/>
+          <a:lstStyle/>
+          <a:p>
+            <a:r>
+              <a:rPr lang="en-US" sz="1800" dirty="0" err="1" smtClean="0"/>
+              <a:t>GravitySpace</a:t>
+            </a:r>
+            <a:r>
+              <a:rPr lang="en-US" sz="1800" dirty="0"/>
+              <a:t> </a:t>
+            </a:r>
+            <a:r>
+              <a:rPr lang="en-US" sz="1800" dirty="0" smtClean="0"/>
+              <a:t>(HPI)</a:t>
+            </a:r>
+            <a:endParaRPr lang="de-DE" sz="1800" dirty="0" smtClean="0"/>
+          </a:p>
+        </p:txBody>
+      </p:sp>
+      <p:sp>
+        <p:nvSpPr>
+          <p:cNvPr id="67587" name="Rectangle 3"/>
+          <p:cNvSpPr>
+            <a:spLocks noGrp="1" noChangeArrowheads="1"/>
+          </p:cNvSpPr>
+          <p:nvPr>
+            <p:ph type="body" idx="1"/>
+          </p:nvPr>
+        </p:nvSpPr>
+        <p:spPr>
+          <a:xfrm>
+            <a:off x="250825" y="762001"/>
+            <a:ext cx="8642350" cy="5867399"/>
+          </a:xfrm>
+        </p:spPr>
+        <p:txBody>
+          <a:bodyPr/>
+          <a:lstStyle/>
+          <a:p>
+            <a:pPr marL="342900" indent="-342900">
+              <a:buFont typeface="Arial" pitchFamily="34" charset="0"/>
+              <a:buChar char="•"/>
+            </a:pPr>
+            <a:endParaRPr lang="de-DE" sz="2200" dirty="0" smtClean="0"/>
+          </a:p>
+          <a:p>
+            <a:pPr marL="342900" indent="-342900">
+              <a:buFont typeface="Arial" pitchFamily="34" charset="0"/>
+              <a:buChar char="•"/>
+            </a:pPr>
+            <a:endParaRPr lang="de-DE" sz="2200" dirty="0"/>
+          </a:p>
+          <a:p>
+            <a:pPr marL="342900" indent="-342900">
+              <a:buFont typeface="Arial" pitchFamily="34" charset="0"/>
+              <a:buChar char="•"/>
+            </a:pPr>
+            <a:endParaRPr lang="de-DE" sz="2200" dirty="0" smtClean="0"/>
+          </a:p>
+          <a:p>
+            <a:pPr marL="342900" indent="-342900">
+              <a:buFont typeface="Arial" pitchFamily="34" charset="0"/>
+              <a:buChar char="•"/>
+            </a:pPr>
+            <a:endParaRPr lang="de-DE" sz="2200" dirty="0"/>
+          </a:p>
+          <a:p>
+            <a:pPr marL="342900" indent="-342900">
+              <a:buFont typeface="Arial" pitchFamily="34" charset="0"/>
+              <a:buChar char="•"/>
+            </a:pPr>
+            <a:endParaRPr lang="de-DE" sz="2200" dirty="0" smtClean="0"/>
+          </a:p>
+          <a:p>
+            <a:pPr marL="342900" indent="-342900">
+              <a:buFont typeface="Arial" pitchFamily="34" charset="0"/>
+              <a:buChar char="•"/>
+            </a:pPr>
+            <a:endParaRPr lang="de-DE" sz="2200" dirty="0"/>
+          </a:p>
+          <a:p>
+            <a:pPr marL="342900" indent="-342900">
+              <a:buFont typeface="Arial" pitchFamily="34" charset="0"/>
+              <a:buChar char="•"/>
+            </a:pPr>
+            <a:endParaRPr lang="de-DE" sz="2200" dirty="0" smtClean="0"/>
+          </a:p>
+          <a:p>
+            <a:pPr marL="342900" indent="-342900">
+              <a:buFont typeface="Arial" pitchFamily="34" charset="0"/>
+              <a:buChar char="•"/>
+            </a:pPr>
+            <a:endParaRPr lang="de-DE" sz="2200" dirty="0"/>
+          </a:p>
+          <a:p>
+            <a:pPr marL="342900" indent="-342900">
+              <a:buFont typeface="Arial" pitchFamily="34" charset="0"/>
+              <a:buChar char="•"/>
+            </a:pPr>
+            <a:endParaRPr lang="de-DE" sz="2200" dirty="0" smtClean="0"/>
+          </a:p>
+          <a:p>
+            <a:pPr marL="342900" indent="-342900">
+              <a:buFont typeface="Arial" pitchFamily="34" charset="0"/>
+              <a:buChar char="•"/>
+            </a:pPr>
+            <a:endParaRPr lang="de-DE" sz="2200" dirty="0"/>
+          </a:p>
+          <a:p>
+            <a:pPr marL="342900" indent="-342900">
+              <a:buFont typeface="Arial" pitchFamily="34" charset="0"/>
+              <a:buChar char="•"/>
+            </a:pPr>
+            <a:endParaRPr lang="de-DE" sz="2200" dirty="0" smtClean="0"/>
+          </a:p>
+          <a:p>
+            <a:pPr marL="342900" indent="-342900">
+              <a:buFont typeface="Arial" pitchFamily="34" charset="0"/>
+              <a:buChar char="•"/>
+            </a:pPr>
+            <a:endParaRPr lang="de-DE" sz="2200" dirty="0"/>
+          </a:p>
+          <a:p>
+            <a:pPr marL="342900" indent="-342900">
+              <a:buFont typeface="Arial" pitchFamily="34" charset="0"/>
+              <a:buChar char="•"/>
+            </a:pPr>
+            <a:endParaRPr lang="de-DE" sz="2200" dirty="0" smtClean="0"/>
+          </a:p>
+          <a:p>
+            <a:pPr lvl="1" indent="0">
+              <a:buNone/>
+            </a:pPr>
+            <a:endParaRPr lang="de-DE" sz="2200" dirty="0"/>
+          </a:p>
+          <a:p>
+            <a:pPr lvl="1" indent="0">
+              <a:buNone/>
+            </a:pPr>
+            <a:r>
+              <a:rPr lang="de-DE" sz="900" dirty="0"/>
+              <a:t>Quelle: </a:t>
+            </a:r>
+            <a:r>
+              <a:rPr lang="de-DE" sz="900" dirty="0">
+                <a:hlinkClick r:id="rId3"/>
+              </a:rPr>
+              <a:t>https://</a:t>
+            </a:r>
+            <a:r>
+              <a:rPr lang="de-DE" sz="900" dirty="0" smtClean="0">
+                <a:hlinkClick r:id="rId3"/>
+              </a:rPr>
+              <a:t>hpi.de/fileadmin/user_upload/fachgebiete/baudisch/publications/GravitySpace_CHI2013.pdf</a:t>
+            </a:r>
+            <a:r>
+              <a:rPr lang="de-DE" sz="900" dirty="0" smtClean="0"/>
+              <a:t> </a:t>
+            </a:r>
+            <a:endParaRPr lang="de-DE" sz="2200" dirty="0">
+              <a:solidFill>
+                <a:srgbClr val="FF0000"/>
+              </a:solidFill>
+            </a:endParaRPr>
+          </a:p>
+          <a:p>
+            <a:pPr marL="342900" indent="-342900">
+              <a:buFont typeface="Arial" pitchFamily="34" charset="0"/>
+              <a:buChar char="•"/>
+            </a:pPr>
+            <a:endParaRPr lang="de-DE" sz="2200" dirty="0" smtClean="0"/>
+          </a:p>
+        </p:txBody>
+      </p:sp>
+      <p:pic>
+        <p:nvPicPr>
+          <p:cNvPr id="1027" name="Picture 3"/>
+          <p:cNvPicPr>
+            <a:picLocks noChangeAspect="1" noChangeArrowheads="1"/>
+          </p:cNvPicPr>
+          <p:nvPr/>
+        </p:nvPicPr>
+        <p:blipFill>
+          <a:blip r:embed="rId4">
+            <a:extLst>
+              <a:ext uri="{28A0092B-C50C-407E-A947-70E740481C1C}">
+                <a14:useLocalDpi xmlns:a14="http://schemas.microsoft.com/office/drawing/2010/main" val="0"/>
+              </a:ext>
+            </a:extLst>
+          </a:blip>
+          <a:srcRect/>
+          <a:stretch>
+            <a:fillRect/>
+          </a:stretch>
+        </p:blipFill>
+        <p:spPr bwMode="auto">
+          <a:xfrm>
+            <a:off x="226302" y="746124"/>
+            <a:ext cx="4178194" cy="2771775"/>
+          </a:xfrm>
+          <a:prstGeom prst="rect">
+            <a:avLst/>
+          </a:prstGeom>
+          <a:noFill/>
+          <a:ln>
+            <a:noFill/>
+          </a:ln>
+          <a:effectLst/>
+          <a:extLst>
+            <a:ext uri="{909E8E84-426E-40DD-AFC4-6F175D3DCCD1}">
+              <a14:hiddenFill xmlns:a14="http://schemas.microsoft.com/office/drawing/2010/main">
+                <a:solidFill>
+                  <a:schemeClr val="accent1"/>
+                </a:solidFill>
+              </a14:hiddenFill>
+            </a:ext>
+            <a:ext uri="{91240B29-F687-4F45-9708-019B960494DF}">
+              <a14:hiddenLine xmlns:a14="http://schemas.microsoft.com/office/drawing/2010/main" w="9525">
+                <a:solidFill>
+                  <a:schemeClr val="tx1"/>
+                </a:solidFill>
+                <a:miter lim="800000"/>
+                <a:headEnd/>
+                <a:tailEnd/>
+              </a14:hiddenLine>
+            </a:ext>
+            <a:ext uri="{AF507438-7753-43E0-B8FC-AC1667EBCBE1}">
+              <a14:hiddenEffects xmlns:a14="http://schemas.microsoft.com/office/drawing/2010/main">
+                <a:effectLst>
+                  <a:outerShdw dist="35921" dir="2700000" algn="ctr" rotWithShape="0">
+                    <a:schemeClr val="bg2"/>
+                  </a:outerShdw>
+                </a:effectLst>
+              </a14:hiddenEffects>
+            </a:ext>
+          </a:extLst>
+        </p:spPr>
+      </p:pic>
+      <p:pic>
+        <p:nvPicPr>
+          <p:cNvPr id="1029" name="Picture 5"/>
+          <p:cNvPicPr>
+            <a:picLocks noChangeAspect="1" noChangeArrowheads="1"/>
+          </p:cNvPicPr>
+          <p:nvPr/>
+        </p:nvPicPr>
+        <p:blipFill>
+          <a:blip r:embed="rId5">
+            <a:extLst>
+              <a:ext uri="{28A0092B-C50C-407E-A947-70E740481C1C}">
+                <a14:useLocalDpi xmlns:a14="http://schemas.microsoft.com/office/drawing/2010/main" val="0"/>
+              </a:ext>
+            </a:extLst>
+          </a:blip>
+          <a:srcRect/>
+          <a:stretch>
+            <a:fillRect/>
+          </a:stretch>
+        </p:blipFill>
+        <p:spPr bwMode="auto">
+          <a:xfrm>
+            <a:off x="4182572" y="3844923"/>
+            <a:ext cx="4685179" cy="2466975"/>
+          </a:xfrm>
+          <a:prstGeom prst="rect">
+            <a:avLst/>
+          </a:prstGeom>
+          <a:noFill/>
+          <a:ln>
+            <a:noFill/>
+          </a:ln>
+          <a:effectLst/>
+          <a:extLst>
+            <a:ext uri="{909E8E84-426E-40DD-AFC4-6F175D3DCCD1}">
+              <a14:hiddenFill xmlns:a14="http://schemas.microsoft.com/office/drawing/2010/main">
+                <a:solidFill>
+                  <a:schemeClr val="accent1"/>
+                </a:solidFill>
+              </a14:hiddenFill>
+            </a:ext>
+            <a:ext uri="{91240B29-F687-4F45-9708-019B960494DF}">
+              <a14:hiddenLine xmlns:a14="http://schemas.microsoft.com/office/drawing/2010/main" w="9525">
+                <a:solidFill>
+                  <a:schemeClr val="tx1"/>
+                </a:solidFill>
+                <a:miter lim="800000"/>
+                <a:headEnd/>
+                <a:tailEnd/>
+              </a14:hiddenLine>
+            </a:ext>
+            <a:ext uri="{AF507438-7753-43E0-B8FC-AC1667EBCBE1}">
+              <a14:hiddenEffects xmlns:a14="http://schemas.microsoft.com/office/drawing/2010/main">
+                <a:effectLst>
+                  <a:outerShdw dist="35921" dir="2700000" algn="ctr" rotWithShape="0">
+                    <a:schemeClr val="bg2"/>
+                  </a:outerShdw>
+                </a:effectLst>
+              </a14:hiddenEffects>
+            </a:ext>
+          </a:extLst>
+        </p:spPr>
+      </p:pic>
+      <p:cxnSp>
+        <p:nvCxnSpPr>
+          <p:cNvPr id="3" name="Gewinkelte Verbindung 2"/>
+          <p:cNvCxnSpPr/>
+          <p:nvPr/>
+        </p:nvCxnSpPr>
+        <p:spPr bwMode="auto">
+          <a:xfrm>
+            <a:off x="2425700" y="3714746"/>
+            <a:ext cx="1358903" cy="1116000"/>
+          </a:xfrm>
+          <a:prstGeom prst="bentConnector3">
+            <a:avLst>
+              <a:gd name="adj1" fmla="val -467"/>
+            </a:avLst>
+          </a:prstGeom>
+          <a:ln w="76200">
+            <a:headEnd type="none" w="med" len="med"/>
+            <a:tailEnd type="arrow"/>
+          </a:ln>
+        </p:spPr>
+        <p:style>
+          <a:lnRef idx="3">
+            <a:schemeClr val="accent2"/>
+          </a:lnRef>
+          <a:fillRef idx="0">
+            <a:schemeClr val="accent2"/>
+          </a:fillRef>
+          <a:effectRef idx="2">
+            <a:schemeClr val="accent2"/>
+          </a:effectRef>
+          <a:fontRef idx="minor">
+            <a:schemeClr val="tx1"/>
+          </a:fontRef>
+        </p:style>
+      </p:cxnSp>
+    </p:spTree>
+    <p:extLst>
+      <p:ext uri="{BB962C8B-B14F-4D97-AF65-F5344CB8AC3E}">
+        <p14:creationId xmlns:p14="http://schemas.microsoft.com/office/powerpoint/2010/main" val="3103527347"/>
+      </p:ext>
+    </p:extLst>
+  </p:cSld>
+  <p:clrMapOvr>
+    <a:masterClrMapping/>
+  </p:clrMapOvr>
+  <p:transition spd="slow"/>
+  <p:timing>
+    <p:tnLst>
+      <p:par>
+        <p:cTn id="1" dur="indefinite" restart="never" nodeType="tmRoot"/>
+      </p:par>
+    </p:tnLst>
+  </p:timing>
+</p:sld>
+</file>
+
+<file path=ppt/slides/slide16.xml><?xml version="1.0" encoding="utf-8"?>
+<p:sld xmlns:a="http://schemas.openxmlformats.org/drawingml/2006/main" xmlns:r="http://schemas.openxmlformats.org/officeDocument/2006/relationships" xmlns:p="http://schemas.openxmlformats.org/presentationml/2006/main">
+  <p:cSld>
+    <p:spTree>
+      <p:nvGrpSpPr>
+        <p:cNvPr id="1" name=""/>
+        <p:cNvGrpSpPr/>
+        <p:nvPr/>
+      </p:nvGrpSpPr>
+      <p:grpSpPr>
+        <a:xfrm>
+          <a:off x="0" y="0"/>
+          <a:ext cx="0" cy="0"/>
+          <a:chOff x="0" y="0"/>
+          <a:chExt cx="0" cy="0"/>
+        </a:xfrm>
+      </p:grpSpPr>
+      <p:sp>
+        <p:nvSpPr>
+          <p:cNvPr id="4" name="Rectangle 8"/>
+          <p:cNvSpPr>
+            <a:spLocks noGrp="1" noChangeArrowheads="1"/>
+          </p:cNvSpPr>
+          <p:nvPr>
+            <p:ph type="ftr" sz="quarter" idx="10"/>
+          </p:nvPr>
+        </p:nvSpPr>
+        <p:spPr>
+          <a:xfrm>
+            <a:off x="250824" y="6629400"/>
+            <a:ext cx="8359101" cy="228600"/>
+          </a:xfrm>
+          <a:ln/>
+        </p:spPr>
+        <p:txBody>
+          <a:bodyPr/>
+          <a:lstStyle/>
+          <a:p>
+            <a:r>
+              <a:rPr lang="de-DE" dirty="0"/>
+              <a:t>Seminar – Lokalisierung: </a:t>
+            </a:r>
+            <a:r>
+              <a:rPr lang="de-DE" dirty="0" err="1"/>
+              <a:t>Inertialsensorik</a:t>
+            </a:r>
+            <a:r>
+              <a:rPr lang="de-DE" dirty="0"/>
+              <a:t> und Funksysteme  - </a:t>
+            </a:r>
+            <a:r>
+              <a:rPr lang="de-DE" dirty="0" smtClean="0"/>
+              <a:t>17.06.2015 </a:t>
+            </a:r>
+            <a:r>
+              <a:rPr lang="de-DE" dirty="0"/>
+              <a:t>		</a:t>
+            </a:r>
+            <a:r>
+              <a:rPr lang="de-DE" dirty="0" err="1"/>
+              <a:t>Artemij</a:t>
+            </a:r>
+            <a:r>
+              <a:rPr lang="de-DE" dirty="0"/>
+              <a:t> </a:t>
+            </a:r>
+            <a:r>
+              <a:rPr lang="de-DE" dirty="0" err="1"/>
+              <a:t>Voskobojnikov</a:t>
+            </a:r>
+            <a:r>
+              <a:rPr lang="de-DE" dirty="0"/>
+              <a:t> und Benjamin </a:t>
+            </a:r>
+            <a:r>
+              <a:rPr lang="de-DE" dirty="0" err="1"/>
+              <a:t>Swiers</a:t>
+            </a:r>
+            <a:r>
+              <a:rPr lang="de-DE" dirty="0"/>
+              <a:t>		</a:t>
+            </a:r>
+          </a:p>
+        </p:txBody>
+      </p:sp>
+      <p:sp>
+        <p:nvSpPr>
+          <p:cNvPr id="67586" name="Rectangle 2"/>
+          <p:cNvSpPr>
+            <a:spLocks noGrp="1" noChangeArrowheads="1"/>
+          </p:cNvSpPr>
+          <p:nvPr>
+            <p:ph type="title"/>
+          </p:nvPr>
+        </p:nvSpPr>
+        <p:spPr>
+          <a:xfrm>
+            <a:off x="200025" y="298450"/>
+            <a:ext cx="6454775" cy="428625"/>
+          </a:xfrm>
+        </p:spPr>
+        <p:txBody>
+          <a:bodyPr/>
+          <a:lstStyle/>
+          <a:p>
+            <a:r>
+              <a:rPr lang="en-US" sz="1800" dirty="0"/>
+              <a:t>Computer-Vision</a:t>
+            </a:r>
+            <a:endParaRPr lang="de-DE" sz="1800" dirty="0" smtClean="0"/>
+          </a:p>
+        </p:txBody>
+      </p:sp>
+      <p:sp>
+        <p:nvSpPr>
+          <p:cNvPr id="67587" name="Rectangle 3"/>
+          <p:cNvSpPr>
+            <a:spLocks noGrp="1" noChangeArrowheads="1"/>
+          </p:cNvSpPr>
+          <p:nvPr>
+            <p:ph type="body" idx="1"/>
+          </p:nvPr>
+        </p:nvSpPr>
+        <p:spPr>
+          <a:xfrm>
+            <a:off x="250825" y="762001"/>
+            <a:ext cx="8642350" cy="5824536"/>
+          </a:xfrm>
+        </p:spPr>
+        <p:txBody>
+          <a:bodyPr/>
+          <a:lstStyle/>
+          <a:p>
+            <a:pPr marL="342900" indent="-342900">
+              <a:buFont typeface="Arial" pitchFamily="34" charset="0"/>
+              <a:buChar char="•"/>
+            </a:pPr>
+            <a:r>
+              <a:rPr lang="de-DE" sz="2200" dirty="0" smtClean="0"/>
               <a:t>Lokalisierung und Tracking durch Kameras</a:t>
             </a:r>
           </a:p>
@@ -5061,6 +8275,88 @@
               <a:rPr lang="de-DE" sz="2200" dirty="0" smtClean="0"/>
               <a:t>Pro Kamera ein PC + PC für Tracking</a:t>
             </a:r>
+          </a:p>
+          <a:p>
+            <a:pPr marL="698500" lvl="1" indent="-342900">
+              <a:buFont typeface="Arial" pitchFamily="34" charset="0"/>
+              <a:buChar char="•"/>
+            </a:pPr>
+            <a:endParaRPr lang="de-DE" sz="2200" dirty="0"/>
+          </a:p>
+          <a:p>
+            <a:pPr marL="698500" lvl="1" indent="-342900">
+              <a:buFont typeface="Arial" pitchFamily="34" charset="0"/>
+              <a:buChar char="•"/>
+            </a:pPr>
+            <a:endParaRPr lang="de-DE" sz="2200" dirty="0" smtClean="0"/>
+          </a:p>
+          <a:p>
+            <a:pPr marL="698500" lvl="1" indent="-342900">
+              <a:buFont typeface="Arial" pitchFamily="34" charset="0"/>
+              <a:buChar char="•"/>
+            </a:pPr>
+            <a:endParaRPr lang="de-DE" sz="2200" dirty="0"/>
+          </a:p>
+          <a:p>
+            <a:pPr marL="698500" lvl="1" indent="-342900">
+              <a:buFont typeface="Arial" pitchFamily="34" charset="0"/>
+              <a:buChar char="•"/>
+            </a:pPr>
+            <a:endParaRPr lang="de-DE" sz="2200" dirty="0" smtClean="0"/>
+          </a:p>
+          <a:p>
+            <a:pPr marL="698500" lvl="1" indent="-342900">
+              <a:buFont typeface="Arial" pitchFamily="34" charset="0"/>
+              <a:buChar char="•"/>
+            </a:pPr>
+            <a:endParaRPr lang="de-DE" sz="2200" dirty="0" smtClean="0"/>
+          </a:p>
+          <a:p>
+            <a:pPr marL="698500" lvl="1" indent="-342900">
+              <a:buFont typeface="Arial" pitchFamily="34" charset="0"/>
+              <a:buChar char="•"/>
+            </a:pPr>
+            <a:endParaRPr lang="de-DE" sz="2200" dirty="0"/>
+          </a:p>
+          <a:p>
+            <a:pPr lvl="1" indent="0">
+              <a:buNone/>
+            </a:pPr>
+            <a:r>
+              <a:rPr lang="de-DE" sz="900" dirty="0" smtClean="0"/>
+              <a:t>Quelle</a:t>
+            </a:r>
+            <a:r>
+              <a:rPr lang="de-DE" sz="900" dirty="0"/>
+              <a:t>: </a:t>
+            </a:r>
+            <a:r>
+              <a:rPr lang="de-DE" sz="900" dirty="0">
+                <a:hlinkClick r:id="rId3"/>
+              </a:rPr>
+              <a:t>http://</a:t>
+            </a:r>
+            <a:r>
+              <a:rPr lang="de-DE" sz="900" dirty="0" smtClean="0">
+                <a:hlinkClick r:id="rId3"/>
+              </a:rPr>
+              <a:t>scisweb.ulster.ac.uk/~kevin/comcomsurvey.pdf</a:t>
+            </a:r>
+            <a:r>
+              <a:rPr lang="de-DE" sz="900" dirty="0" smtClean="0"/>
+              <a:t>  </a:t>
+            </a:r>
+            <a:endParaRPr lang="de-DE" sz="900" dirty="0">
+              <a:solidFill>
+                <a:srgbClr val="FF0000"/>
+              </a:solidFill>
+            </a:endParaRPr>
+          </a:p>
+          <a:p>
+            <a:pPr marL="698500" lvl="1" indent="-342900">
+              <a:buFont typeface="Arial" pitchFamily="34" charset="0"/>
+              <a:buChar char="•"/>
+            </a:pPr>
             <a:endParaRPr lang="de-DE" sz="2200" dirty="0"/>
           </a:p>
           <a:p>
@@ -5088,7 +8384,7 @@
           <p:nvPr/>
         </p:nvPicPr>
         <p:blipFill>
-          <a:blip r:embed="rId3">
+          <a:blip r:embed="rId4">
             <a:extLst>
               <a:ext uri="{28A0092B-C50C-407E-A947-70E740481C1C}">
                 <a14:useLocalDpi xmlns:a14="http://schemas.microsoft.com/office/drawing/2010/main" val="0"/>
@@ -5164,7 +8460,7 @@
 </p:sld>
 </file>
 
-<file path=ppt/slides/slide11.xml><?xml version="1.0" encoding="utf-8"?>
+<file path=ppt/slides/slide17.xml><?xml version="1.0" encoding="utf-8"?>
 <p:sld xmlns:a="http://schemas.openxmlformats.org/drawingml/2006/main" xmlns:r="http://schemas.openxmlformats.org/officeDocument/2006/relationships" xmlns:p="http://schemas.openxmlformats.org/presentationml/2006/main">
   <p:cSld>
     <p:spTree>
@@ -5668,7 +8964,7 @@
 </p:sld>
 </file>
 
-<file path=ppt/slides/slide12.xml><?xml version="1.0" encoding="utf-8"?>
+<file path=ppt/slides/slide18.xml><?xml version="1.0" encoding="utf-8"?>
 <p:sld xmlns:a="http://schemas.openxmlformats.org/drawingml/2006/main" xmlns:r="http://schemas.openxmlformats.org/officeDocument/2006/relationships" xmlns:p="http://schemas.openxmlformats.org/presentationml/2006/main">
   <p:cSld>
     <p:spTree>
@@ -6107,12 +9403,8 @@
           <a:lstStyle/>
           <a:p>
             <a:r>
-              <a:rPr lang="en-US" sz="1800" dirty="0"/>
-              <a:t>Indoor-</a:t>
-            </a:r>
-            <a:r>
-              <a:rPr lang="en-US" sz="1800" dirty="0" err="1"/>
-              <a:t>Lokalisierung</a:t>
+              <a:rPr lang="en-US" sz="1800" dirty="0" err="1" smtClean="0"/>
+              <a:t>Aufbau</a:t>
             </a:r>
             <a:endParaRPr lang="de-DE" sz="1800" dirty="0" smtClean="0"/>
           </a:p>
@@ -6138,13 +9430,112 @@
           <a:bodyPr/>
           <a:lstStyle/>
           <a:p>
-            <a:pPr marL="342900" indent="-342900">
-              <a:buFont typeface="Arial" pitchFamily="34" charset="0"/>
-              <a:buChar char="•"/>
+            <a:pPr marL="457200" indent="-457200">
+              <a:buFont typeface="+mj-lt"/>
+              <a:buAutoNum type="arabicPeriod"/>
             </a:pPr>
             <a:r>
               <a:rPr lang="de-DE" sz="2200" dirty="0" smtClean="0"/>
-              <a:t>Einleitungskram</a:t>
+              <a:t>Einführung von zwei Begriffen, aktive &amp; passive Lokalisierung</a:t>
+            </a:r>
+          </a:p>
+          <a:p>
+            <a:pPr marL="457200" indent="-457200">
+              <a:buFont typeface="+mj-lt"/>
+              <a:buAutoNum type="arabicPeriod"/>
+            </a:pPr>
+            <a:r>
+              <a:rPr lang="de-DE" sz="2200" dirty="0" smtClean="0"/>
+              <a:t>Überblick über eingesetzte Methoden in beiden Bereichen</a:t>
+            </a:r>
+          </a:p>
+          <a:p>
+            <a:pPr marL="457200" indent="-457200">
+              <a:buFont typeface="+mj-lt"/>
+              <a:buAutoNum type="arabicPeriod"/>
+            </a:pPr>
+            <a:r>
+              <a:rPr lang="de-DE" sz="2200" dirty="0" smtClean="0"/>
+              <a:t>Vorstellung von Methoden zur passiven Lokalisierung</a:t>
+            </a:r>
+          </a:p>
+          <a:p>
+            <a:pPr marL="457200" indent="-457200">
+              <a:buFont typeface="+mj-lt"/>
+              <a:buAutoNum type="arabicPeriod"/>
+            </a:pPr>
+            <a:r>
+              <a:rPr lang="de-DE" sz="2200" dirty="0" smtClean="0"/>
+              <a:t>Wi-Fi-Netzwerke</a:t>
+            </a:r>
+          </a:p>
+          <a:p>
+            <a:pPr marL="457200" indent="-457200">
+              <a:buFont typeface="+mj-lt"/>
+              <a:buAutoNum type="arabicPeriod"/>
+            </a:pPr>
+            <a:r>
+              <a:rPr lang="de-DE" sz="2200" dirty="0" smtClean="0"/>
+              <a:t>UWB</a:t>
+            </a:r>
+          </a:p>
+          <a:p>
+            <a:pPr marL="457200" indent="-457200">
+              <a:buFont typeface="+mj-lt"/>
+              <a:buAutoNum type="arabicPeriod"/>
+            </a:pPr>
+            <a:r>
+              <a:rPr lang="de-DE" sz="2200" dirty="0"/>
+              <a:t>Passive Infrarot-Lokalisierung </a:t>
+            </a:r>
+            <a:endParaRPr lang="de-DE" sz="2200" dirty="0" smtClean="0"/>
+          </a:p>
+          <a:p>
+            <a:pPr marL="457200" indent="-457200">
+              <a:buFont typeface="+mj-lt"/>
+              <a:buAutoNum type="arabicPeriod"/>
+            </a:pPr>
+            <a:r>
+              <a:rPr lang="de-DE" sz="2200" dirty="0"/>
+              <a:t>Differential Air </a:t>
+            </a:r>
+            <a:r>
+              <a:rPr lang="de-DE" sz="2200" dirty="0" err="1"/>
+              <a:t>Pressure</a:t>
+            </a:r>
+            <a:endParaRPr lang="de-DE" sz="2200" dirty="0" smtClean="0"/>
+          </a:p>
+          <a:p>
+            <a:pPr marL="457200" indent="-457200">
+              <a:buFont typeface="+mj-lt"/>
+              <a:buAutoNum type="arabicPeriod"/>
+            </a:pPr>
+            <a:r>
+              <a:rPr lang="de-DE" sz="2200" dirty="0" smtClean="0"/>
+              <a:t>Drucksensoren/ </a:t>
+            </a:r>
+            <a:r>
+              <a:rPr lang="de-DE" sz="2200" dirty="0" err="1" smtClean="0"/>
+              <a:t>Physical</a:t>
+            </a:r>
+            <a:r>
+              <a:rPr lang="de-DE" sz="2200" dirty="0" smtClean="0"/>
+              <a:t> </a:t>
+            </a:r>
+            <a:r>
+              <a:rPr lang="de-DE" sz="2200" dirty="0" err="1" smtClean="0"/>
+              <a:t>Contact</a:t>
+            </a:r>
+            <a:endParaRPr lang="de-DE" sz="2200" dirty="0" smtClean="0"/>
+          </a:p>
+          <a:p>
+            <a:pPr marL="457200" indent="-457200">
+              <a:buFont typeface="+mj-lt"/>
+              <a:buAutoNum type="arabicPeriod"/>
+            </a:pPr>
+            <a:r>
+              <a:rPr lang="de-DE" sz="2200" dirty="0" smtClean="0"/>
+              <a:t>Computer Vision</a:t>
             </a:r>
           </a:p>
         </p:txBody>
@@ -6276,16 +9667,16 @@
           <a:lstStyle/>
           <a:p>
             <a:r>
-              <a:rPr lang="en-US" sz="1800" dirty="0"/>
-              <a:t>Radio Frequency </a:t>
-            </a:r>
-            <a:r>
               <a:rPr lang="en-US" sz="1800" dirty="0" err="1" smtClean="0"/>
-              <a:t>Identication</a:t>
+              <a:t>Aktive</a:t>
             </a:r>
             <a:r>
               <a:rPr lang="en-US" sz="1800" dirty="0" smtClean="0"/>
-              <a:t> (RFID)</a:t>
+              <a:t> </a:t>
+            </a:r>
+            <a:r>
+              <a:rPr lang="en-US" sz="1800" dirty="0" err="1" smtClean="0"/>
+              <a:t>Lokalisierung</a:t>
             </a:r>
             <a:endParaRPr lang="de-DE" sz="1800" dirty="0" smtClean="0"/>
           </a:p>
@@ -6304,7 +9695,7 @@
         <p:spPr>
           <a:xfrm>
             <a:off x="250825" y="762001"/>
-            <a:ext cx="8642350" cy="5638799"/>
+            <a:ext cx="8642350" cy="5829299"/>
           </a:xfrm>
         </p:spPr>
         <p:txBody>
@@ -6317,164 +9708,9 @@
             </a:pPr>
             <a:r>
               <a:rPr lang="de-DE" sz="2200" dirty="0" smtClean="0"/>
-              <a:t>Test</a:t>
-            </a:r>
-          </a:p>
-        </p:txBody>
-      </p:sp>
-    </p:spTree>
-    <p:extLst>
-      <p:ext uri="{BB962C8B-B14F-4D97-AF65-F5344CB8AC3E}">
-        <p14:creationId xmlns:p14="http://schemas.microsoft.com/office/powerpoint/2010/main" val="3614830286"/>
-      </p:ext>
-    </p:extLst>
-  </p:cSld>
-  <p:clrMapOvr>
-    <a:masterClrMapping/>
-  </p:clrMapOvr>
-  <p:transition spd="slow"/>
-  <p:timing>
-    <p:tnLst>
-      <p:par>
-        <p:cTn id="1" dur="indefinite" restart="never" nodeType="tmRoot"/>
-      </p:par>
-    </p:tnLst>
-  </p:timing>
-</p:sld>
-</file>
-
-<file path=ppt/slides/slide4.xml><?xml version="1.0" encoding="utf-8"?>
-<p:sld xmlns:a="http://schemas.openxmlformats.org/drawingml/2006/main" xmlns:r="http://schemas.openxmlformats.org/officeDocument/2006/relationships" xmlns:p="http://schemas.openxmlformats.org/presentationml/2006/main">
-  <p:cSld>
-    <p:spTree>
-      <p:nvGrpSpPr>
-        <p:cNvPr id="1" name=""/>
-        <p:cNvGrpSpPr/>
-        <p:nvPr/>
-      </p:nvGrpSpPr>
-      <p:grpSpPr>
-        <a:xfrm>
-          <a:off x="0" y="0"/>
-          <a:ext cx="0" cy="0"/>
-          <a:chOff x="0" y="0"/>
-          <a:chExt cx="0" cy="0"/>
-        </a:xfrm>
-      </p:grpSpPr>
-      <p:sp>
-        <p:nvSpPr>
-          <p:cNvPr id="4" name="Rectangle 8"/>
-          <p:cNvSpPr>
-            <a:spLocks noGrp="1" noChangeArrowheads="1"/>
-          </p:cNvSpPr>
-          <p:nvPr>
-            <p:ph type="ftr" sz="quarter" idx="10"/>
-          </p:nvPr>
-        </p:nvSpPr>
-        <p:spPr>
-          <a:xfrm>
-            <a:off x="250824" y="6629400"/>
-            <a:ext cx="8359101" cy="228600"/>
-          </a:xfrm>
-          <a:ln/>
-        </p:spPr>
-        <p:txBody>
-          <a:bodyPr/>
-          <a:lstStyle/>
-          <a:p>
-            <a:r>
-              <a:rPr lang="de-DE" dirty="0"/>
-              <a:t>Seminar – Lokalisierung: </a:t>
-            </a:r>
-            <a:r>
-              <a:rPr lang="de-DE" dirty="0" err="1"/>
-              <a:t>Inertialsensorik</a:t>
-            </a:r>
-            <a:r>
-              <a:rPr lang="de-DE" dirty="0"/>
-              <a:t> und Funksysteme  - </a:t>
-            </a:r>
-            <a:r>
-              <a:rPr lang="de-DE" dirty="0" smtClean="0"/>
-              <a:t>17.06.2015 </a:t>
-            </a:r>
-            <a:r>
-              <a:rPr lang="de-DE" dirty="0"/>
-              <a:t>		</a:t>
-            </a:r>
-            <a:r>
-              <a:rPr lang="de-DE" dirty="0" err="1"/>
-              <a:t>Artemij</a:t>
-            </a:r>
-            <a:r>
-              <a:rPr lang="de-DE" dirty="0"/>
-              <a:t> </a:t>
-            </a:r>
-            <a:r>
-              <a:rPr lang="de-DE" dirty="0" err="1"/>
-              <a:t>Voskobojnikov</a:t>
-            </a:r>
-            <a:r>
-              <a:rPr lang="de-DE" dirty="0"/>
-              <a:t> und Benjamin </a:t>
-            </a:r>
-            <a:r>
-              <a:rPr lang="de-DE" dirty="0" err="1"/>
-              <a:t>Swiers</a:t>
-            </a:r>
-            <a:r>
-              <a:rPr lang="de-DE" dirty="0"/>
-              <a:t>		</a:t>
-            </a:r>
-          </a:p>
-        </p:txBody>
-      </p:sp>
-      <p:sp>
-        <p:nvSpPr>
-          <p:cNvPr id="67586" name="Rectangle 2"/>
-          <p:cNvSpPr>
-            <a:spLocks noGrp="1" noChangeArrowheads="1"/>
-          </p:cNvSpPr>
-          <p:nvPr>
-            <p:ph type="title"/>
-          </p:nvPr>
-        </p:nvSpPr>
-        <p:spPr>
-          <a:xfrm>
-            <a:off x="200025" y="298450"/>
-            <a:ext cx="6454775" cy="428625"/>
-          </a:xfrm>
-        </p:spPr>
-        <p:txBody>
-          <a:bodyPr/>
-          <a:lstStyle/>
-          <a:p>
-            <a:r>
-              <a:rPr lang="en-US" sz="1800" dirty="0" smtClean="0"/>
-              <a:t>Ultra-wideband (UWB)</a:t>
-            </a:r>
-            <a:endParaRPr lang="de-DE" sz="1800" dirty="0" smtClean="0"/>
-          </a:p>
-        </p:txBody>
-      </p:sp>
-      <p:sp>
-        <p:nvSpPr>
-          <p:cNvPr id="67587" name="Rectangle 3"/>
-          <p:cNvSpPr>
-            <a:spLocks noGrp="1" noChangeArrowheads="1"/>
-          </p:cNvSpPr>
-          <p:nvPr>
-            <p:ph type="body" idx="1"/>
-          </p:nvPr>
-        </p:nvSpPr>
-        <p:spPr>
-          <a:xfrm>
-            <a:off x="250825" y="762001"/>
-            <a:ext cx="8642350" cy="5638799"/>
-          </a:xfrm>
-        </p:spPr>
-        <p:txBody>
-          <a:bodyPr/>
-          <a:lstStyle/>
+              <a:t>Benötigen eine aktive Mitwirkung des Nutzers</a:t>
+            </a:r>
+          </a:p>
           <a:p>
             <a:pPr marL="342900" indent="-342900">
               <a:buFont typeface="Arial" pitchFamily="34" charset="0"/>
@@ -6482,296 +9718,166 @@
             </a:pPr>
             <a:r>
               <a:rPr lang="de-DE" sz="2200" dirty="0" smtClean="0"/>
-              <a:t>Test</a:t>
-            </a:r>
-          </a:p>
-        </p:txBody>
-      </p:sp>
-    </p:spTree>
-    <p:extLst>
-      <p:ext uri="{BB962C8B-B14F-4D97-AF65-F5344CB8AC3E}">
-        <p14:creationId xmlns:p14="http://schemas.microsoft.com/office/powerpoint/2010/main" val="3614830286"/>
-      </p:ext>
-    </p:extLst>
-  </p:cSld>
-  <p:clrMapOvr>
-    <a:masterClrMapping/>
-  </p:clrMapOvr>
-  <p:transition spd="slow"/>
-  <p:timing>
-    <p:tnLst>
-      <p:par>
-        <p:cTn id="1" dur="indefinite" restart="never" nodeType="tmRoot"/>
-      </p:par>
-    </p:tnLst>
-  </p:timing>
-</p:sld>
-</file>
-
-<file path=ppt/slides/slide5.xml><?xml version="1.0" encoding="utf-8"?>
-<p:sld xmlns:a="http://schemas.openxmlformats.org/drawingml/2006/main" xmlns:r="http://schemas.openxmlformats.org/officeDocument/2006/relationships" xmlns:p="http://schemas.openxmlformats.org/presentationml/2006/main">
-  <p:cSld>
-    <p:spTree>
-      <p:nvGrpSpPr>
-        <p:cNvPr id="1" name=""/>
-        <p:cNvGrpSpPr/>
-        <p:nvPr/>
-      </p:nvGrpSpPr>
-      <p:grpSpPr>
-        <a:xfrm>
-          <a:off x="0" y="0"/>
-          <a:ext cx="0" cy="0"/>
-          <a:chOff x="0" y="0"/>
-          <a:chExt cx="0" cy="0"/>
-        </a:xfrm>
-      </p:grpSpPr>
-      <p:sp>
-        <p:nvSpPr>
-          <p:cNvPr id="4" name="Rectangle 8"/>
-          <p:cNvSpPr>
-            <a:spLocks noGrp="1" noChangeArrowheads="1"/>
-          </p:cNvSpPr>
-          <p:nvPr>
-            <p:ph type="ftr" sz="quarter" idx="10"/>
-          </p:nvPr>
-        </p:nvSpPr>
-        <p:spPr>
-          <a:xfrm>
-            <a:off x="250824" y="6629400"/>
-            <a:ext cx="8359101" cy="228600"/>
-          </a:xfrm>
-          <a:ln/>
-        </p:spPr>
-        <p:txBody>
-          <a:bodyPr/>
-          <a:lstStyle/>
-          <a:p>
-            <a:r>
-              <a:rPr lang="de-DE" dirty="0"/>
-              <a:t>Seminar – Lokalisierung: </a:t>
-            </a:r>
-            <a:r>
-              <a:rPr lang="de-DE" dirty="0" err="1"/>
-              <a:t>Inertialsensorik</a:t>
-            </a:r>
-            <a:r>
-              <a:rPr lang="de-DE" dirty="0"/>
-              <a:t> und Funksysteme  - </a:t>
-            </a:r>
-            <a:r>
-              <a:rPr lang="de-DE" dirty="0" smtClean="0"/>
-              <a:t>17.06.2015 </a:t>
-            </a:r>
-            <a:r>
-              <a:rPr lang="de-DE" dirty="0"/>
-              <a:t>		</a:t>
-            </a:r>
-            <a:r>
-              <a:rPr lang="de-DE" dirty="0" err="1"/>
-              <a:t>Artemij</a:t>
-            </a:r>
-            <a:r>
-              <a:rPr lang="de-DE" dirty="0"/>
-              <a:t> </a:t>
-            </a:r>
-            <a:r>
-              <a:rPr lang="de-DE" dirty="0" err="1"/>
-              <a:t>Voskobojnikov</a:t>
-            </a:r>
-            <a:r>
-              <a:rPr lang="de-DE" dirty="0"/>
-              <a:t> und Benjamin </a:t>
-            </a:r>
-            <a:r>
-              <a:rPr lang="de-DE" dirty="0" err="1"/>
-              <a:t>Swiers</a:t>
-            </a:r>
-            <a:r>
-              <a:rPr lang="de-DE" dirty="0"/>
-              <a:t>		</a:t>
-            </a:r>
-          </a:p>
-        </p:txBody>
-      </p:sp>
-      <p:sp>
-        <p:nvSpPr>
-          <p:cNvPr id="67586" name="Rectangle 2"/>
-          <p:cNvSpPr>
-            <a:spLocks noGrp="1" noChangeArrowheads="1"/>
-          </p:cNvSpPr>
-          <p:nvPr>
-            <p:ph type="title"/>
-          </p:nvPr>
-        </p:nvSpPr>
-        <p:spPr>
-          <a:xfrm>
-            <a:off x="200025" y="298450"/>
-            <a:ext cx="6454775" cy="428625"/>
-          </a:xfrm>
-        </p:spPr>
-        <p:txBody>
-          <a:bodyPr/>
-          <a:lstStyle/>
-          <a:p>
-            <a:r>
-              <a:rPr lang="en-US" sz="1800" dirty="0"/>
-              <a:t>Passive </a:t>
-            </a:r>
-            <a:r>
-              <a:rPr lang="en-US" sz="1800" dirty="0" err="1" smtClean="0"/>
-              <a:t>Infrarot-Lokalisierung</a:t>
-            </a:r>
-            <a:r>
-              <a:rPr lang="en-US" sz="1800" dirty="0" smtClean="0"/>
-              <a:t> (PIL)</a:t>
-            </a:r>
-            <a:endParaRPr lang="de-DE" sz="1800" dirty="0" smtClean="0"/>
-          </a:p>
-        </p:txBody>
-      </p:sp>
-      <p:sp>
-        <p:nvSpPr>
-          <p:cNvPr id="67587" name="Rectangle 3"/>
-          <p:cNvSpPr>
-            <a:spLocks noGrp="1" noChangeArrowheads="1"/>
-          </p:cNvSpPr>
-          <p:nvPr>
-            <p:ph type="body" idx="1"/>
-          </p:nvPr>
-        </p:nvSpPr>
-        <p:spPr>
-          <a:xfrm>
-            <a:off x="250825" y="762000"/>
-            <a:ext cx="8642350" cy="5719763"/>
-          </a:xfrm>
-        </p:spPr>
-        <p:txBody>
-          <a:bodyPr/>
-          <a:lstStyle/>
+              <a:t>Z.B. Tragen eines Geräts, Chips etc.</a:t>
+            </a:r>
+          </a:p>
           <a:p>
             <a:pPr marL="342900" indent="-342900">
-              <a:buAutoNum type="arabicPeriod"/>
+              <a:buFont typeface="Arial" pitchFamily="34" charset="0"/>
+              <a:buChar char="•"/>
             </a:pPr>
             <a:endParaRPr lang="de-DE" sz="2200" dirty="0" smtClean="0"/>
           </a:p>
           <a:p>
-            <a:pPr marL="641350" lvl="1" indent="-285750">
-              <a:buFont typeface="Arial" pitchFamily="34" charset="0"/>
-              <a:buChar char="•"/>
-            </a:pPr>
-            <a:r>
-              <a:rPr lang="de-DE" sz="2200" dirty="0" smtClean="0"/>
-              <a:t>Basiert auf Körperwärmestrahlung</a:t>
-            </a:r>
-          </a:p>
-          <a:p>
-            <a:pPr marL="641350" lvl="1" indent="-285750">
-              <a:buFont typeface="Arial" pitchFamily="34" charset="0"/>
-              <a:buChar char="•"/>
-            </a:pPr>
-            <a:r>
-              <a:rPr lang="de-DE" sz="2200" dirty="0" smtClean="0"/>
-              <a:t>Detektion durch Thermopiles</a:t>
-            </a:r>
-          </a:p>
-          <a:p>
-            <a:pPr marL="641350" lvl="1" indent="-285750">
-              <a:buFont typeface="Arial" pitchFamily="34" charset="0"/>
-              <a:buChar char="•"/>
-            </a:pPr>
-            <a:r>
-              <a:rPr lang="de-DE" sz="2200" dirty="0" smtClean="0"/>
-              <a:t>Mehrere Sensoren im Raum</a:t>
-            </a:r>
-          </a:p>
-          <a:p>
-            <a:pPr marL="641350" lvl="1" indent="-285750">
-              <a:buFont typeface="Arial" pitchFamily="34" charset="0"/>
-              <a:buChar char="•"/>
-            </a:pPr>
-            <a:endParaRPr lang="de-DE" sz="2200" dirty="0"/>
-          </a:p>
-          <a:p>
-            <a:pPr marL="641350" lvl="1" indent="-285750">
+            <a:pPr marL="342900" indent="-342900">
               <a:buFont typeface="Arial" pitchFamily="34" charset="0"/>
               <a:buChar char="•"/>
             </a:pPr>
             <a:endParaRPr lang="de-DE" sz="2200" dirty="0" smtClean="0"/>
           </a:p>
           <a:p>
-            <a:pPr marL="641350" lvl="1" indent="-285750">
-              <a:buFont typeface="Arial" pitchFamily="34" charset="0"/>
-              <a:buChar char="•"/>
-            </a:pPr>
-            <a:endParaRPr lang="de-DE" sz="2200" dirty="0"/>
-          </a:p>
-          <a:p>
-            <a:pPr marL="641350" lvl="1" indent="-285750">
+            <a:pPr marL="342900" indent="-342900">
               <a:buFont typeface="Arial" pitchFamily="34" charset="0"/>
               <a:buChar char="•"/>
             </a:pPr>
             <a:endParaRPr lang="de-DE" sz="2200" dirty="0" smtClean="0"/>
           </a:p>
           <a:p>
-            <a:pPr marL="641350" lvl="1" indent="-285750">
-              <a:buFont typeface="Arial" pitchFamily="34" charset="0"/>
-              <a:buChar char="•"/>
-            </a:pPr>
-            <a:endParaRPr lang="de-DE" sz="2200" dirty="0"/>
-          </a:p>
-          <a:p>
-            <a:pPr marL="641350" lvl="1" indent="-285750">
-              <a:buFont typeface="Arial" pitchFamily="34" charset="0"/>
-              <a:buChar char="•"/>
-            </a:pPr>
-            <a:r>
-              <a:rPr lang="de-DE" sz="2200" dirty="0" smtClean="0"/>
-              <a:t>Genauigkeit: +- 30 cm</a:t>
-            </a:r>
-          </a:p>
-          <a:p>
-            <a:pPr marL="641350" lvl="1" indent="-285750">
-              <a:buFont typeface="Arial" pitchFamily="34" charset="0"/>
-              <a:buChar char="•"/>
-            </a:pPr>
-            <a:r>
-              <a:rPr lang="de-DE" sz="2200" dirty="0" smtClean="0"/>
-              <a:t>Vorteile</a:t>
-            </a:r>
+            <a:pPr marL="342900" indent="-342900">
+              <a:buFont typeface="Arial" pitchFamily="34" charset="0"/>
+              <a:buChar char="•"/>
+            </a:pPr>
             <a:endParaRPr lang="de-DE" sz="2200" dirty="0" smtClean="0"/>
           </a:p>
           <a:p>
-            <a:pPr marL="1009650" lvl="2" indent="-285750">
-              <a:buFont typeface="Arial" pitchFamily="34" charset="0"/>
-              <a:buChar char="•"/>
-            </a:pPr>
-            <a:r>
-              <a:rPr lang="de-DE" sz="2200" dirty="0" smtClean="0"/>
-              <a:t>Schutz der Privatsphäre</a:t>
-            </a:r>
-          </a:p>
-          <a:p>
-            <a:pPr marL="1009650" lvl="2" indent="-285750">
-              <a:buFont typeface="Arial" pitchFamily="34" charset="0"/>
-              <a:buChar char="•"/>
-            </a:pPr>
-            <a:r>
-              <a:rPr lang="de-DE" sz="2200" dirty="0" smtClean="0"/>
-              <a:t>Kostengünstig</a:t>
-            </a:r>
+            <a:pPr marL="342900" indent="-342900">
+              <a:buFont typeface="Arial" pitchFamily="34" charset="0"/>
+              <a:buChar char="•"/>
+            </a:pPr>
+            <a:endParaRPr lang="de-DE" sz="2200" dirty="0" smtClean="0"/>
+          </a:p>
+          <a:p>
+            <a:pPr marL="342900" indent="-342900">
+              <a:buFont typeface="Arial" pitchFamily="34" charset="0"/>
+              <a:buChar char="•"/>
+            </a:pPr>
+            <a:endParaRPr lang="de-DE" sz="2200" dirty="0" smtClean="0"/>
+          </a:p>
+          <a:p>
+            <a:pPr marL="342900" indent="-342900">
+              <a:buFont typeface="Arial" pitchFamily="34" charset="0"/>
+              <a:buChar char="•"/>
+            </a:pPr>
+            <a:endParaRPr lang="de-DE" sz="2200" dirty="0" smtClean="0"/>
+          </a:p>
+          <a:p>
+            <a:pPr marL="342900" indent="-342900">
+              <a:buFont typeface="Arial" pitchFamily="34" charset="0"/>
+              <a:buChar char="•"/>
+            </a:pPr>
+            <a:r>
+              <a:rPr lang="de-DE" sz="2200" dirty="0" smtClean="0">
+                <a:solidFill>
+                  <a:srgbClr val="FF0000"/>
+                </a:solidFill>
+              </a:rPr>
+              <a:t>Probleme:</a:t>
+            </a:r>
+          </a:p>
+          <a:p>
+            <a:pPr marL="342900" indent="-342900">
+              <a:buFont typeface="Arial" pitchFamily="34" charset="0"/>
+              <a:buChar char="•"/>
+            </a:pPr>
+            <a:r>
+              <a:rPr lang="de-DE" sz="2200" dirty="0" smtClean="0">
+                <a:solidFill>
+                  <a:srgbClr val="FF0000"/>
+                </a:solidFill>
+              </a:rPr>
+              <a:t>Nicht immer ist ein Tragen des Gerätes möglich (brennendes Gebäude)</a:t>
+            </a:r>
+          </a:p>
+          <a:p>
+            <a:pPr marL="342900" indent="-342900">
+              <a:buFont typeface="Arial" pitchFamily="34" charset="0"/>
+              <a:buChar char="•"/>
+            </a:pPr>
+            <a:r>
+              <a:rPr lang="de-DE" sz="2200" dirty="0" smtClean="0">
+                <a:solidFill>
+                  <a:srgbClr val="FF0000"/>
+                </a:solidFill>
+              </a:rPr>
+              <a:t>Bequemlichkeit der Personen</a:t>
+            </a:r>
+          </a:p>
+          <a:p>
+            <a:pPr lvl="1" indent="0">
+              <a:buNone/>
+            </a:pPr>
+            <a:endParaRPr lang="de-DE" sz="2200" dirty="0" smtClean="0"/>
+          </a:p>
+          <a:p>
+            <a:pPr lvl="1" indent="0">
+              <a:buNone/>
+            </a:pPr>
+            <a:r>
+              <a:rPr lang="de-DE" sz="900" dirty="0"/>
+              <a:t>Quelle</a:t>
+            </a:r>
+            <a:r>
+              <a:rPr lang="de-DE" sz="900" dirty="0" smtClean="0"/>
+              <a:t>: </a:t>
+            </a:r>
+            <a:r>
+              <a:rPr lang="de-DE" sz="900" dirty="0" smtClean="0">
+                <a:hlinkClick r:id="rId3"/>
+              </a:rPr>
+              <a:t>http</a:t>
+            </a:r>
+            <a:r>
+              <a:rPr lang="de-DE" sz="900">
+                <a:hlinkClick r:id="rId3"/>
+              </a:rPr>
+              <a:t>://</a:t>
+            </a:r>
+            <a:r>
+              <a:rPr lang="de-DE" sz="900" smtClean="0">
+                <a:hlinkClick r:id="rId3"/>
+              </a:rPr>
+              <a:t>www.nx-id.com/web/images/default/02.jpg</a:t>
+            </a:r>
+            <a:endParaRPr lang="de-DE" sz="900" smtClean="0"/>
+          </a:p>
+          <a:p>
+            <a:pPr lvl="1" indent="0">
+              <a:buNone/>
+            </a:pPr>
+            <a:endParaRPr lang="de-DE" sz="900" dirty="0" smtClean="0"/>
+          </a:p>
+          <a:p>
+            <a:pPr lvl="1" indent="0">
+              <a:buNone/>
+            </a:pPr>
+            <a:endParaRPr lang="de-DE" sz="2200" dirty="0" smtClean="0">
+              <a:solidFill>
+                <a:srgbClr val="FF0000"/>
+              </a:solidFill>
+            </a:endParaRPr>
           </a:p>
         </p:txBody>
       </p:sp>
       <p:pic>
         <p:nvPicPr>
-          <p:cNvPr id="1026" name="Picture 2"/>
+          <p:cNvPr id="2050" name="Picture 2"/>
           <p:cNvPicPr>
             <a:picLocks noChangeAspect="1" noChangeArrowheads="1"/>
           </p:cNvPicPr>
           <p:nvPr/>
         </p:nvPicPr>
         <p:blipFill>
-          <a:blip r:embed="rId3">
+          <a:blip r:embed="rId4">
             <a:extLst>
               <a:ext uri="{28A0092B-C50C-407E-A947-70E740481C1C}">
                 <a14:useLocalDpi xmlns:a14="http://schemas.microsoft.com/office/drawing/2010/main" val="0"/>
@@ -6785,8 +9891,8 @@
         </p:blipFill>
         <p:spPr bwMode="auto">
           <a:xfrm>
-            <a:off x="5645150" y="1007269"/>
-            <a:ext cx="3257550" cy="1933575"/>
+            <a:off x="1549400" y="2047875"/>
+            <a:ext cx="1841500" cy="1749425"/>
           </a:xfrm>
           <a:prstGeom prst="rect">
             <a:avLst/>
@@ -6826,423 +9932,755 @@
           </a:extLst>
         </p:spPr>
       </p:pic>
-      <p:sp>
-        <p:nvSpPr>
-          <p:cNvPr id="5" name="Ellipse 4"/>
-          <p:cNvSpPr/>
+    </p:spTree>
+    <p:extLst>
+      <p:ext uri="{BB962C8B-B14F-4D97-AF65-F5344CB8AC3E}">
+        <p14:creationId xmlns:p14="http://schemas.microsoft.com/office/powerpoint/2010/main" val="2448121980"/>
+      </p:ext>
+    </p:extLst>
+  </p:cSld>
+  <p:clrMapOvr>
+    <a:masterClrMapping/>
+  </p:clrMapOvr>
+  <p:transition spd="slow"/>
+  <p:timing>
+    <p:tnLst>
+      <p:par>
+        <p:cTn id="1" dur="indefinite" restart="never" nodeType="tmRoot"/>
+      </p:par>
+    </p:tnLst>
+  </p:timing>
+</p:sld>
+</file>
+
+<file path=ppt/slides/slide4.xml><?xml version="1.0" encoding="utf-8"?>
+<p:sld xmlns:a="http://schemas.openxmlformats.org/drawingml/2006/main" xmlns:r="http://schemas.openxmlformats.org/officeDocument/2006/relationships" xmlns:p="http://schemas.openxmlformats.org/presentationml/2006/main">
+  <p:cSld>
+    <p:spTree>
+      <p:nvGrpSpPr>
+        <p:cNvPr id="1" name=""/>
+        <p:cNvGrpSpPr/>
+        <p:nvPr/>
+      </p:nvGrpSpPr>
+      <p:grpSpPr>
+        <a:xfrm>
+          <a:off x="0" y="0"/>
+          <a:ext cx="0" cy="0"/>
+          <a:chOff x="0" y="0"/>
+          <a:chExt cx="0" cy="0"/>
+        </a:xfrm>
+      </p:grpSpPr>
+      <p:sp>
+        <p:nvSpPr>
+          <p:cNvPr id="4" name="Rectangle 8"/>
+          <p:cNvSpPr>
+            <a:spLocks noGrp="1" noChangeArrowheads="1"/>
+          </p:cNvSpPr>
+          <p:nvPr>
+            <p:ph type="ftr" sz="quarter" idx="10"/>
+          </p:nvPr>
+        </p:nvSpPr>
+        <p:spPr>
+          <a:xfrm>
+            <a:off x="250824" y="6629400"/>
+            <a:ext cx="8359101" cy="228600"/>
+          </a:xfrm>
+          <a:ln/>
+        </p:spPr>
+        <p:txBody>
+          <a:bodyPr/>
+          <a:lstStyle/>
+          <a:p>
+            <a:r>
+              <a:rPr lang="de-DE" dirty="0"/>
+              <a:t>Seminar – Lokalisierung: </a:t>
+            </a:r>
+            <a:r>
+              <a:rPr lang="de-DE" dirty="0" err="1"/>
+              <a:t>Inertialsensorik</a:t>
+            </a:r>
+            <a:r>
+              <a:rPr lang="de-DE" dirty="0"/>
+              <a:t> und Funksysteme  - </a:t>
+            </a:r>
+            <a:r>
+              <a:rPr lang="de-DE" dirty="0" smtClean="0"/>
+              <a:t>17.06.2015 </a:t>
+            </a:r>
+            <a:r>
+              <a:rPr lang="de-DE" dirty="0"/>
+              <a:t>		</a:t>
+            </a:r>
+            <a:r>
+              <a:rPr lang="de-DE" dirty="0" err="1"/>
+              <a:t>Artemij</a:t>
+            </a:r>
+            <a:r>
+              <a:rPr lang="de-DE" dirty="0"/>
+              <a:t> </a:t>
+            </a:r>
+            <a:r>
+              <a:rPr lang="de-DE" dirty="0" err="1"/>
+              <a:t>Voskobojnikov</a:t>
+            </a:r>
+            <a:r>
+              <a:rPr lang="de-DE" dirty="0"/>
+              <a:t> und Benjamin </a:t>
+            </a:r>
+            <a:r>
+              <a:rPr lang="de-DE" dirty="0" err="1"/>
+              <a:t>Swiers</a:t>
+            </a:r>
+            <a:r>
+              <a:rPr lang="de-DE" dirty="0"/>
+              <a:t>		</a:t>
+            </a:r>
+          </a:p>
+        </p:txBody>
+      </p:sp>
+      <p:sp>
+        <p:nvSpPr>
+          <p:cNvPr id="67586" name="Rectangle 2"/>
+          <p:cNvSpPr>
+            <a:spLocks noGrp="1" noChangeArrowheads="1"/>
+          </p:cNvSpPr>
+          <p:nvPr>
+            <p:ph type="title"/>
+          </p:nvPr>
+        </p:nvSpPr>
+        <p:spPr>
+          <a:xfrm>
+            <a:off x="200025" y="298450"/>
+            <a:ext cx="6454775" cy="428625"/>
+          </a:xfrm>
+        </p:spPr>
+        <p:txBody>
+          <a:bodyPr/>
+          <a:lstStyle/>
+          <a:p>
+            <a:r>
+              <a:rPr lang="en-US" sz="1800" dirty="0" smtClean="0"/>
+              <a:t>Passive </a:t>
+            </a:r>
+            <a:r>
+              <a:rPr lang="en-US" sz="1800" dirty="0" err="1" smtClean="0"/>
+              <a:t>Lokalisierung</a:t>
+            </a:r>
+            <a:endParaRPr lang="de-DE" sz="1800" dirty="0" smtClean="0"/>
+          </a:p>
+        </p:txBody>
+      </p:sp>
+      <p:sp>
+        <p:nvSpPr>
+          <p:cNvPr id="67587" name="Rectangle 3"/>
+          <p:cNvSpPr>
+            <a:spLocks noGrp="1" noChangeArrowheads="1"/>
+          </p:cNvSpPr>
+          <p:nvPr>
+            <p:ph type="body" idx="1"/>
+          </p:nvPr>
+        </p:nvSpPr>
+        <p:spPr>
+          <a:xfrm>
+            <a:off x="250825" y="762001"/>
+            <a:ext cx="8642350" cy="5638799"/>
+          </a:xfrm>
+        </p:spPr>
+        <p:txBody>
+          <a:bodyPr/>
+          <a:lstStyle/>
+          <a:p>
+            <a:pPr marL="342900" indent="-342900">
+              <a:buFont typeface="Arial" pitchFamily="34" charset="0"/>
+              <a:buChar char="•"/>
+            </a:pPr>
+            <a:r>
+              <a:rPr lang="de-DE" sz="2200" dirty="0" smtClean="0"/>
+              <a:t>Keine aktive Mitwirkung der Teilnehmer notwendig</a:t>
+            </a:r>
+          </a:p>
+          <a:p>
+            <a:pPr marL="342900" indent="-342900">
+              <a:buFont typeface="Arial" pitchFamily="34" charset="0"/>
+              <a:buChar char="•"/>
+            </a:pPr>
+            <a:r>
+              <a:rPr lang="de-DE" sz="2200" dirty="0" smtClean="0"/>
+              <a:t>-&gt; Benutzerfreundlich</a:t>
+            </a:r>
+          </a:p>
+          <a:p>
+            <a:pPr marL="342900" indent="-342900">
+              <a:buFont typeface="Arial" pitchFamily="34" charset="0"/>
+              <a:buChar char="•"/>
+            </a:pPr>
+            <a:r>
+              <a:rPr lang="de-DE" sz="2200" dirty="0" smtClean="0"/>
+              <a:t>Ebenfalls neue Anwendungsgebiete, wie z.B. Haussicherheit</a:t>
+            </a:r>
+          </a:p>
+          <a:p>
+            <a:pPr marL="342900" indent="-342900">
+              <a:buFont typeface="Arial" pitchFamily="34" charset="0"/>
+              <a:buChar char="•"/>
+            </a:pPr>
+            <a:endParaRPr lang="de-DE" sz="2200" dirty="0"/>
+          </a:p>
+          <a:p>
+            <a:pPr marL="342900" indent="-342900">
+              <a:buFont typeface="Arial" pitchFamily="34" charset="0"/>
+              <a:buChar char="•"/>
+            </a:pPr>
+            <a:endParaRPr lang="de-DE" sz="2200" dirty="0" smtClean="0"/>
+          </a:p>
+          <a:p>
+            <a:pPr marL="342900" indent="-342900">
+              <a:buFont typeface="Arial" pitchFamily="34" charset="0"/>
+              <a:buChar char="•"/>
+            </a:pPr>
+            <a:endParaRPr lang="de-DE" sz="2200" dirty="0"/>
+          </a:p>
+          <a:p>
+            <a:pPr marL="342900" indent="-342900">
+              <a:buFont typeface="Arial" pitchFamily="34" charset="0"/>
+              <a:buChar char="•"/>
+            </a:pPr>
+            <a:endParaRPr lang="de-DE" sz="2200" dirty="0" smtClean="0"/>
+          </a:p>
+          <a:p>
+            <a:pPr marL="342900" indent="-342900">
+              <a:buFont typeface="Arial" pitchFamily="34" charset="0"/>
+              <a:buChar char="•"/>
+            </a:pPr>
+            <a:endParaRPr lang="de-DE" sz="2200" dirty="0"/>
+          </a:p>
+          <a:p>
+            <a:pPr marL="342900" indent="-342900">
+              <a:buFont typeface="Arial" pitchFamily="34" charset="0"/>
+              <a:buChar char="•"/>
+            </a:pPr>
+            <a:endParaRPr lang="de-DE" sz="2200" dirty="0" smtClean="0"/>
+          </a:p>
+          <a:p>
+            <a:pPr marL="342900" indent="-342900">
+              <a:buFont typeface="Arial" pitchFamily="34" charset="0"/>
+              <a:buChar char="•"/>
+            </a:pPr>
+            <a:endParaRPr lang="de-DE" sz="2200" dirty="0"/>
+          </a:p>
+          <a:p>
+            <a:pPr marL="342900" indent="-342900">
+              <a:buFont typeface="Arial" pitchFamily="34" charset="0"/>
+              <a:buChar char="•"/>
+            </a:pPr>
+            <a:endParaRPr lang="de-DE" sz="2200" dirty="0" smtClean="0"/>
+          </a:p>
+          <a:p>
+            <a:pPr marL="342900" indent="-342900">
+              <a:buFont typeface="Arial" pitchFamily="34" charset="0"/>
+              <a:buChar char="•"/>
+            </a:pPr>
+            <a:endParaRPr lang="de-DE" sz="2200" dirty="0"/>
+          </a:p>
+          <a:p>
+            <a:pPr marL="342900" indent="-342900">
+              <a:buFont typeface="Arial" pitchFamily="34" charset="0"/>
+              <a:buChar char="•"/>
+            </a:pPr>
+            <a:endParaRPr lang="de-DE" sz="2200" dirty="0" smtClean="0"/>
+          </a:p>
+          <a:p>
+            <a:pPr lvl="1" indent="0">
+              <a:buNone/>
+            </a:pPr>
+            <a:endParaRPr lang="de-DE" sz="2200" dirty="0"/>
+          </a:p>
+          <a:p>
+            <a:pPr lvl="1" indent="0">
+              <a:buNone/>
+            </a:pPr>
+            <a:r>
+              <a:rPr lang="de-DE" sz="900" dirty="0" smtClean="0"/>
+              <a:t>Quelle</a:t>
+            </a:r>
+            <a:r>
+              <a:rPr lang="de-DE" sz="900" dirty="0"/>
+              <a:t>: </a:t>
+            </a:r>
+            <a:r>
+              <a:rPr lang="de-DE" sz="900" dirty="0">
+                <a:hlinkClick r:id="rId3"/>
+              </a:rPr>
+              <a:t>http://</a:t>
+            </a:r>
+            <a:r>
+              <a:rPr lang="de-DE" sz="900" dirty="0" smtClean="0">
+                <a:hlinkClick r:id="rId3"/>
+              </a:rPr>
+              <a:t>scisweb.ulster.ac.uk/~kevin/comcomsurvey.pdf</a:t>
+            </a:r>
+            <a:endParaRPr lang="de-DE" sz="900" dirty="0" smtClean="0"/>
+          </a:p>
+          <a:p>
+            <a:pPr lvl="1" indent="0">
+              <a:buNone/>
+            </a:pPr>
+            <a:endParaRPr lang="de-DE" sz="2200" dirty="0" smtClean="0">
+              <a:solidFill>
+                <a:srgbClr val="FF0000"/>
+              </a:solidFill>
+            </a:endParaRPr>
+          </a:p>
+          <a:p>
+            <a:pPr marL="342900" indent="-342900">
+              <a:buFont typeface="Arial" pitchFamily="34" charset="0"/>
+              <a:buChar char="•"/>
+            </a:pPr>
+            <a:endParaRPr lang="de-DE" sz="2200" dirty="0"/>
+          </a:p>
+        </p:txBody>
+      </p:sp>
+      <p:pic>
+        <p:nvPicPr>
+          <p:cNvPr id="6" name="Grafik 5"/>
+          <p:cNvPicPr>
+            <a:picLocks noChangeAspect="1"/>
+          </p:cNvPicPr>
           <p:nvPr/>
-        </p:nvSpPr>
-        <p:spPr bwMode="auto">
+        </p:nvPicPr>
+        <p:blipFill>
+          <a:blip r:embed="rId4">
+            <a:extLst>
+              <a:ext uri="{28A0092B-C50C-407E-A947-70E740481C1C}">
+                <a14:useLocalDpi xmlns:a14="http://schemas.microsoft.com/office/drawing/2010/main" val="0"/>
+              </a:ext>
+            </a:extLst>
+          </a:blip>
+          <a:stretch>
+            <a:fillRect/>
+          </a:stretch>
+        </p:blipFill>
+        <p:spPr>
           <a:xfrm>
-            <a:off x="152400" y="2438202"/>
-            <a:ext cx="2501900" cy="1005283"/>
+            <a:off x="0" y="3187700"/>
+            <a:ext cx="9053068" cy="3187700"/>
           </a:xfrm>
-          <a:prstGeom prst="ellipse">
+          <a:prstGeom prst="rect">
             <a:avLst/>
           </a:prstGeom>
-          <a:ln>
-            <a:headEnd type="none" w="med" len="med"/>
-            <a:tailEnd type="none" w="med" len="med"/>
-          </a:ln>
-        </p:spPr>
-        <p:style>
-          <a:lnRef idx="2">
-            <a:schemeClr val="accent2"/>
-          </a:lnRef>
-          <a:fillRef idx="1">
-            <a:schemeClr val="lt1"/>
-          </a:fillRef>
-          <a:effectRef idx="0">
-            <a:schemeClr val="accent2"/>
-          </a:effectRef>
-          <a:fontRef idx="minor">
-            <a:schemeClr val="dk1"/>
-          </a:fontRef>
-        </p:style>
+        </p:spPr>
+      </p:pic>
+    </p:spTree>
+    <p:extLst>
+      <p:ext uri="{BB962C8B-B14F-4D97-AF65-F5344CB8AC3E}">
+        <p14:creationId xmlns:p14="http://schemas.microsoft.com/office/powerpoint/2010/main" val="2333279656"/>
+      </p:ext>
+    </p:extLst>
+  </p:cSld>
+  <p:clrMapOvr>
+    <a:masterClrMapping/>
+  </p:clrMapOvr>
+  <p:transition spd="slow"/>
+  <p:timing>
+    <p:tnLst>
+      <p:par>
+        <p:cTn id="1" dur="indefinite" restart="never" nodeType="tmRoot"/>
+      </p:par>
+    </p:tnLst>
+  </p:timing>
+</p:sld>
+</file>
+
+<file path=ppt/slides/slide5.xml><?xml version="1.0" encoding="utf-8"?>
+<p:sld xmlns:a="http://schemas.openxmlformats.org/drawingml/2006/main" xmlns:r="http://schemas.openxmlformats.org/officeDocument/2006/relationships" xmlns:p="http://schemas.openxmlformats.org/presentationml/2006/main">
+  <p:cSld>
+    <p:spTree>
+      <p:nvGrpSpPr>
+        <p:cNvPr id="1" name=""/>
+        <p:cNvGrpSpPr/>
+        <p:nvPr/>
+      </p:nvGrpSpPr>
+      <p:grpSpPr>
+        <a:xfrm>
+          <a:off x="0" y="0"/>
+          <a:ext cx="0" cy="0"/>
+          <a:chOff x="0" y="0"/>
+          <a:chExt cx="0" cy="0"/>
+        </a:xfrm>
+      </p:grpSpPr>
+      <p:sp>
+        <p:nvSpPr>
+          <p:cNvPr id="4" name="Rectangle 8"/>
+          <p:cNvSpPr>
+            <a:spLocks noGrp="1" noChangeArrowheads="1"/>
+          </p:cNvSpPr>
+          <p:nvPr>
+            <p:ph type="ftr" sz="quarter" idx="10"/>
+          </p:nvPr>
+        </p:nvSpPr>
+        <p:spPr>
+          <a:xfrm>
+            <a:off x="250824" y="6629400"/>
+            <a:ext cx="8359101" cy="228600"/>
+          </a:xfrm>
+          <a:ln/>
+        </p:spPr>
         <p:txBody>
-          <a:bodyPr vert="horz" wrap="none" lIns="91440" tIns="45720" rIns="91440" bIns="45720" numCol="1" rtlCol="0" anchor="t" anchorCtr="0" compatLnSpc="1">
-            <a:prstTxWarp prst="textNoShape">
-              <a:avLst/>
-            </a:prstTxWarp>
-          </a:bodyPr>
+          <a:bodyPr/>
           <a:lstStyle/>
           <a:p>
-            <a:pPr marL="0" marR="0" indent="0" algn="l" defTabSz="914400" rtl="0" eaLnBrk="0" fontAlgn="base" latinLnBrk="0" hangingPunct="0">
-              <a:lnSpc>
-                <a:spcPct val="100000"/>
-              </a:lnSpc>
-              <a:spcBef>
-                <a:spcPct val="0"/>
-              </a:spcBef>
-              <a:spcAft>
-                <a:spcPct val="0"/>
-              </a:spcAft>
-              <a:buClrTx/>
-              <a:buSzTx/>
-              <a:buFontTx/>
+            <a:r>
+              <a:rPr lang="de-DE" dirty="0"/>
+              <a:t>Seminar – Lokalisierung: </a:t>
+            </a:r>
+            <a:r>
+              <a:rPr lang="de-DE" dirty="0" err="1"/>
+              <a:t>Inertialsensorik</a:t>
+            </a:r>
+            <a:r>
+              <a:rPr lang="de-DE" dirty="0"/>
+              <a:t> und Funksysteme  - </a:t>
+            </a:r>
+            <a:r>
+              <a:rPr lang="de-DE" dirty="0" smtClean="0"/>
+              <a:t>17.06.2015 </a:t>
+            </a:r>
+            <a:r>
+              <a:rPr lang="de-DE" dirty="0"/>
+              <a:t>		</a:t>
+            </a:r>
+            <a:r>
+              <a:rPr lang="de-DE" dirty="0" err="1"/>
+              <a:t>Artemij</a:t>
+            </a:r>
+            <a:r>
+              <a:rPr lang="de-DE" dirty="0"/>
+              <a:t> </a:t>
+            </a:r>
+            <a:r>
+              <a:rPr lang="de-DE" dirty="0" err="1"/>
+              <a:t>Voskobojnikov</a:t>
+            </a:r>
+            <a:r>
+              <a:rPr lang="de-DE" dirty="0"/>
+              <a:t> und Benjamin </a:t>
+            </a:r>
+            <a:r>
+              <a:rPr lang="de-DE" dirty="0" err="1"/>
+              <a:t>Swiers</a:t>
+            </a:r>
+            <a:r>
+              <a:rPr lang="de-DE" dirty="0"/>
+              <a:t>		</a:t>
+            </a:r>
+          </a:p>
+        </p:txBody>
+      </p:sp>
+      <p:sp>
+        <p:nvSpPr>
+          <p:cNvPr id="67586" name="Rectangle 2"/>
+          <p:cNvSpPr>
+            <a:spLocks noGrp="1" noChangeArrowheads="1"/>
+          </p:cNvSpPr>
+          <p:nvPr>
+            <p:ph type="title"/>
+          </p:nvPr>
+        </p:nvSpPr>
+        <p:spPr>
+          <a:xfrm>
+            <a:off x="200025" y="298450"/>
+            <a:ext cx="6454775" cy="428625"/>
+          </a:xfrm>
+        </p:spPr>
+        <p:txBody>
+          <a:bodyPr/>
+          <a:lstStyle/>
+          <a:p>
+            <a:r>
+              <a:rPr lang="en-US" sz="1800" dirty="0"/>
+              <a:t>Radio Frequency </a:t>
+            </a:r>
+            <a:r>
+              <a:rPr lang="en-US" sz="1800" dirty="0" smtClean="0"/>
+              <a:t>(Wi-Fi-Networks)</a:t>
+            </a:r>
+            <a:endParaRPr lang="de-DE" sz="1800" dirty="0" smtClean="0"/>
+          </a:p>
+        </p:txBody>
+      </p:sp>
+      <p:sp>
+        <p:nvSpPr>
+          <p:cNvPr id="67587" name="Rectangle 3"/>
+          <p:cNvSpPr>
+            <a:spLocks noGrp="1" noChangeArrowheads="1"/>
+          </p:cNvSpPr>
+          <p:nvPr>
+            <p:ph type="body" idx="1"/>
+          </p:nvPr>
+        </p:nvSpPr>
+        <p:spPr>
+          <a:xfrm>
+            <a:off x="250825" y="762001"/>
+            <a:ext cx="8642350" cy="5638799"/>
+          </a:xfrm>
+        </p:spPr>
+        <p:txBody>
+          <a:bodyPr/>
+          <a:lstStyle/>
+          <a:p>
+            <a:pPr marL="342900" indent="-342900">
+              <a:buFont typeface="Arial" pitchFamily="34" charset="0"/>
+              <a:buChar char="•"/>
+            </a:pPr>
+            <a:r>
+              <a:rPr lang="de-DE" sz="2200" dirty="0" smtClean="0"/>
+              <a:t>Menschlicher Körper beeinflusst Radiosignale</a:t>
+            </a:r>
+          </a:p>
+          <a:p>
+            <a:pPr marL="342900" indent="-342900">
+              <a:buFont typeface="Arial" pitchFamily="34" charset="0"/>
+              <a:buChar char="•"/>
+            </a:pPr>
+            <a:r>
+              <a:rPr lang="de-DE" sz="2200" b="1" dirty="0" smtClean="0"/>
+              <a:t>D</a:t>
+            </a:r>
+            <a:r>
+              <a:rPr lang="de-DE" sz="2200" dirty="0" smtClean="0"/>
+              <a:t>(</a:t>
+            </a:r>
+            <a:r>
+              <a:rPr lang="de-DE" sz="2200" dirty="0" err="1" smtClean="0"/>
+              <a:t>evice</a:t>
+            </a:r>
+            <a:r>
+              <a:rPr lang="de-DE" sz="2200" dirty="0" smtClean="0"/>
+              <a:t>) </a:t>
+            </a:r>
+            <a:r>
+              <a:rPr lang="de-DE" sz="2200" b="1" dirty="0" smtClean="0"/>
+              <a:t>F</a:t>
+            </a:r>
+            <a:r>
+              <a:rPr lang="de-DE" sz="2200" dirty="0" smtClean="0"/>
+              <a:t>(</a:t>
+            </a:r>
+            <a:r>
+              <a:rPr lang="de-DE" sz="2200" dirty="0" err="1" smtClean="0"/>
+              <a:t>ree</a:t>
+            </a:r>
+            <a:r>
+              <a:rPr lang="de-DE" sz="2200" dirty="0" smtClean="0"/>
+              <a:t>) </a:t>
+            </a:r>
+            <a:r>
+              <a:rPr lang="de-DE" sz="2200" b="1" dirty="0" smtClean="0"/>
+              <a:t>L</a:t>
+            </a:r>
+            <a:r>
+              <a:rPr lang="de-DE" sz="2200" dirty="0" smtClean="0"/>
+              <a:t>(</a:t>
+            </a:r>
+            <a:r>
+              <a:rPr lang="de-DE" sz="2200" dirty="0" err="1" smtClean="0"/>
+              <a:t>ocalization</a:t>
+            </a:r>
+            <a:r>
+              <a:rPr lang="de-DE" sz="2200" dirty="0" smtClean="0"/>
+              <a:t>) – System</a:t>
+            </a:r>
+          </a:p>
+          <a:p>
+            <a:pPr marL="342900" indent="-342900">
+              <a:buFont typeface="Arial" pitchFamily="34" charset="0"/>
+              <a:buChar char="•"/>
+            </a:pPr>
+            <a:r>
+              <a:rPr lang="de-DE" sz="2200" dirty="0" smtClean="0"/>
+              <a:t>Frequenz liegt bei 2.4 GHz (802.11b &amp; 802.11g)</a:t>
+            </a:r>
+          </a:p>
+          <a:p>
+            <a:pPr marL="342900" indent="-342900">
+              <a:buFont typeface="Arial" pitchFamily="34" charset="0"/>
+              <a:buChar char="•"/>
+            </a:pPr>
+            <a:r>
+              <a:rPr lang="de-DE" sz="2200" dirty="0" smtClean="0"/>
+              <a:t>2.4 GHz ist die Resonanzfrequenz von  Wasser</a:t>
+            </a:r>
+          </a:p>
+          <a:p>
+            <a:pPr marL="342900" indent="-342900">
+              <a:buFont typeface="Arial" pitchFamily="34" charset="0"/>
+              <a:buChar char="•"/>
+            </a:pPr>
+            <a:endParaRPr lang="de-DE" sz="2200" dirty="0"/>
+          </a:p>
+          <a:p>
+            <a:pPr marL="342900" indent="-342900">
+              <a:buFont typeface="Arial" pitchFamily="34" charset="0"/>
+              <a:buChar char="•"/>
+            </a:pPr>
+            <a:endParaRPr lang="de-DE" sz="2200" dirty="0" smtClean="0"/>
+          </a:p>
+          <a:p>
+            <a:pPr marL="342900" indent="-342900">
+              <a:buFont typeface="Arial" pitchFamily="34" charset="0"/>
+              <a:buChar char="•"/>
+            </a:pPr>
+            <a:r>
+              <a:rPr lang="de-DE" sz="2200" b="1" dirty="0" smtClean="0">
+                <a:solidFill>
+                  <a:srgbClr val="5BEB69"/>
+                </a:solidFill>
+              </a:rPr>
+              <a:t>Geräte aus Heimnetzwerken können verwendet werden</a:t>
+            </a:r>
+          </a:p>
+          <a:p>
+            <a:pPr marL="342900" indent="-342900">
+              <a:buFont typeface="Arial" pitchFamily="34" charset="0"/>
+              <a:buChar char="•"/>
+            </a:pPr>
+            <a:endParaRPr lang="de-DE" sz="2200" b="1" dirty="0">
+              <a:solidFill>
+                <a:srgbClr val="5BEB69"/>
+              </a:solidFill>
+            </a:endParaRPr>
+          </a:p>
+          <a:p>
+            <a:pPr marL="342900" indent="-342900">
+              <a:buFont typeface="Arial" pitchFamily="34" charset="0"/>
+              <a:buChar char="•"/>
+            </a:pPr>
+            <a:endParaRPr lang="de-DE" sz="2200" b="1" dirty="0" smtClean="0">
+              <a:solidFill>
+                <a:srgbClr val="5BEB69"/>
+              </a:solidFill>
+            </a:endParaRPr>
+          </a:p>
+          <a:p>
+            <a:pPr marL="342900" indent="-342900">
+              <a:buFont typeface="Arial" pitchFamily="34" charset="0"/>
+              <a:buChar char="•"/>
+            </a:pPr>
+            <a:endParaRPr lang="de-DE" sz="2200" b="1" dirty="0">
+              <a:solidFill>
+                <a:srgbClr val="5BEB69"/>
+              </a:solidFill>
+            </a:endParaRPr>
+          </a:p>
+          <a:p>
+            <a:pPr marL="342900" indent="-342900">
+              <a:buFont typeface="Arial" pitchFamily="34" charset="0"/>
+              <a:buChar char="•"/>
+            </a:pPr>
+            <a:endParaRPr lang="de-DE" sz="2200" b="1" dirty="0" smtClean="0">
+              <a:solidFill>
+                <a:srgbClr val="5BEB69"/>
+              </a:solidFill>
+            </a:endParaRPr>
+          </a:p>
+          <a:p>
+            <a:pPr marL="342900" indent="-342900">
+              <a:buFont typeface="Arial" pitchFamily="34" charset="0"/>
+              <a:buChar char="•"/>
+            </a:pPr>
+            <a:endParaRPr lang="de-DE" sz="2200" b="1" dirty="0">
+              <a:solidFill>
+                <a:srgbClr val="5BEB69"/>
+              </a:solidFill>
+            </a:endParaRPr>
+          </a:p>
+          <a:p>
+            <a:pPr marL="342900" indent="-342900">
+              <a:buFont typeface="Arial" pitchFamily="34" charset="0"/>
+              <a:buChar char="•"/>
+            </a:pPr>
+            <a:endParaRPr lang="de-DE" sz="2200" b="1" dirty="0" smtClean="0">
+              <a:solidFill>
+                <a:srgbClr val="5BEB69"/>
+              </a:solidFill>
+            </a:endParaRPr>
+          </a:p>
+          <a:p>
+            <a:pPr lvl="1" indent="0">
               <a:buNone/>
-              <a:tabLst/>
-            </a:pPr>
-            <a:r>
-              <a:rPr kumimoji="0" lang="de-DE" sz="1800" b="0" i="0" u="none" strike="noStrike" cap="none" normalizeH="0" baseline="0" dirty="0" smtClean="0">
-                <a:ln>
-                  <a:noFill/>
-                </a:ln>
-                <a:solidFill>
-                  <a:schemeClr val="tx1"/>
-                </a:solidFill>
-                <a:effectLst/>
-                <a:latin typeface="Arial" charset="0"/>
+            </a:pPr>
+            <a:endParaRPr lang="de-DE" sz="2200" dirty="0"/>
+          </a:p>
+          <a:p>
+            <a:pPr lvl="1" indent="0">
+              <a:buNone/>
+            </a:pPr>
+            <a:r>
+              <a:rPr lang="de-DE" sz="900" dirty="0"/>
+              <a:t>Quelle: </a:t>
+            </a:r>
+            <a:r>
+              <a:rPr lang="de-DE" sz="900" dirty="0">
+                <a:hlinkClick r:id="rId3"/>
               </a:rPr>
-              <a:t>Objekterkennung</a:t>
-            </a:r>
-          </a:p>
-          <a:p>
-            <a:pPr marL="0" marR="0" indent="0" algn="l" defTabSz="914400" rtl="0" eaLnBrk="0" fontAlgn="base" latinLnBrk="0" hangingPunct="0">
-              <a:lnSpc>
-                <a:spcPct val="100000"/>
-              </a:lnSpc>
-              <a:spcBef>
-                <a:spcPct val="0"/>
-              </a:spcBef>
-              <a:spcAft>
-                <a:spcPct val="0"/>
-              </a:spcAft>
-              <a:buClrTx/>
-              <a:buSzTx/>
-              <a:buFontTx/>
+              <a:t>http://</a:t>
+            </a:r>
+            <a:r>
+              <a:rPr lang="de-DE" sz="900" dirty="0" smtClean="0">
+                <a:hlinkClick r:id="rId3"/>
+              </a:rPr>
+              <a:t>blog.codinghorror.com/content/images/uploads/2010/09/6a0120a85dcdae970b0120a86dac17970b-pi.jpg</a:t>
+            </a:r>
+            <a:endParaRPr lang="de-DE" sz="900" dirty="0" smtClean="0"/>
+          </a:p>
+          <a:p>
+            <a:pPr lvl="1" indent="0">
               <a:buNone/>
-              <a:tabLst/>
-            </a:pPr>
-            <a:r>
-              <a:rPr lang="de-DE" dirty="0">
-                <a:solidFill>
-                  <a:schemeClr val="tx1"/>
-                </a:solidFill>
-                <a:latin typeface="Arial" charset="0"/>
-              </a:rPr>
-              <a:t>d</a:t>
-            </a:r>
-            <a:r>
-              <a:rPr lang="de-DE" dirty="0" smtClean="0">
-                <a:solidFill>
-                  <a:schemeClr val="tx1"/>
-                </a:solidFill>
-                <a:latin typeface="Arial" charset="0"/>
-              </a:rPr>
-              <a:t>urch Sensoren</a:t>
-            </a:r>
-            <a:endParaRPr kumimoji="0" lang="de-DE" sz="1800" b="0" i="0" u="none" strike="noStrike" cap="none" normalizeH="0" baseline="0" dirty="0" smtClean="0">
-              <a:ln>
-                <a:noFill/>
-              </a:ln>
+            </a:pPr>
+            <a:endParaRPr lang="de-DE" sz="2200" dirty="0">
               <a:solidFill>
-                <a:schemeClr val="tx1"/>
+                <a:srgbClr val="FF0000"/>
               </a:solidFill>
-              <a:effectLst/>
-              <a:latin typeface="Arial" charset="0"/>
             </a:endParaRPr>
           </a:p>
+          <a:p>
+            <a:pPr marL="342900" indent="-342900">
+              <a:buFont typeface="Arial" pitchFamily="34" charset="0"/>
+              <a:buChar char="•"/>
+            </a:pPr>
+            <a:endParaRPr lang="de-DE" sz="2200" b="1" dirty="0" smtClean="0">
+              <a:solidFill>
+                <a:srgbClr val="5BEB69"/>
+              </a:solidFill>
+            </a:endParaRPr>
+          </a:p>
+          <a:p>
+            <a:pPr marL="342900" indent="-342900">
+              <a:buFont typeface="Arial" pitchFamily="34" charset="0"/>
+              <a:buChar char="•"/>
+            </a:pPr>
+            <a:endParaRPr lang="de-DE" sz="2200" b="1" dirty="0">
+              <a:solidFill>
+                <a:srgbClr val="5BEB69"/>
+              </a:solidFill>
+            </a:endParaRPr>
+          </a:p>
+          <a:p>
+            <a:pPr marL="342900" indent="-342900">
+              <a:buFont typeface="Arial" pitchFamily="34" charset="0"/>
+              <a:buChar char="•"/>
+            </a:pPr>
+            <a:endParaRPr lang="de-DE" sz="2200" b="1" dirty="0" smtClean="0">
+              <a:solidFill>
+                <a:srgbClr val="5BEB69"/>
+              </a:solidFill>
+            </a:endParaRPr>
+          </a:p>
         </p:txBody>
       </p:sp>
-      <p:sp>
-        <p:nvSpPr>
-          <p:cNvPr id="10" name="Ellipse 9"/>
-          <p:cNvSpPr/>
-          <p:nvPr/>
-        </p:nvSpPr>
-        <p:spPr bwMode="auto">
-          <a:xfrm>
-            <a:off x="3086100" y="3144044"/>
-            <a:ext cx="2070100" cy="1085056"/>
-          </a:xfrm>
-          <a:prstGeom prst="ellipse">
-            <a:avLst/>
-          </a:prstGeom>
-          <a:ln>
-            <a:headEnd type="none" w="med" len="med"/>
-            <a:tailEnd type="none" w="med" len="med"/>
-          </a:ln>
-        </p:spPr>
-        <p:style>
-          <a:lnRef idx="2">
-            <a:schemeClr val="accent2"/>
-          </a:lnRef>
-          <a:fillRef idx="1">
-            <a:schemeClr val="lt1"/>
-          </a:fillRef>
-          <a:effectRef idx="0">
-            <a:schemeClr val="accent2"/>
-          </a:effectRef>
-          <a:fontRef idx="minor">
-            <a:schemeClr val="dk1"/>
-          </a:fontRef>
-        </p:style>
-        <p:txBody>
-          <a:bodyPr vert="horz" wrap="none" lIns="91440" tIns="45720" rIns="91440" bIns="45720" numCol="1" rtlCol="0" anchor="t" anchorCtr="0" compatLnSpc="1">
-            <a:prstTxWarp prst="textNoShape">
-              <a:avLst/>
-            </a:prstTxWarp>
-          </a:bodyPr>
-          <a:lstStyle/>
-          <a:p>
-            <a:pPr marL="0" marR="0" indent="0" algn="l" defTabSz="914400" rtl="0" eaLnBrk="0" fontAlgn="base" latinLnBrk="0" hangingPunct="0">
-              <a:lnSpc>
-                <a:spcPct val="100000"/>
-              </a:lnSpc>
-              <a:spcBef>
-                <a:spcPct val="0"/>
-              </a:spcBef>
-              <a:spcAft>
-                <a:spcPct val="0"/>
-              </a:spcAft>
-              <a:buClrTx/>
-              <a:buSzTx/>
-              <a:buFontTx/>
-              <a:buNone/>
-              <a:tabLst/>
-            </a:pPr>
-            <a:r>
-              <a:rPr kumimoji="0" lang="de-DE" sz="1800" b="0" i="0" u="none" strike="noStrike" cap="none" normalizeH="0" baseline="0" dirty="0" smtClean="0">
-                <a:ln>
-                  <a:noFill/>
-                </a:ln>
-                <a:solidFill>
-                  <a:schemeClr val="tx1"/>
-                </a:solidFill>
-                <a:effectLst/>
-                <a:latin typeface="Arial" charset="0"/>
-              </a:rPr>
-              <a:t>Winkel-</a:t>
-            </a:r>
-          </a:p>
-          <a:p>
-            <a:pPr marL="0" marR="0" indent="0" algn="l" defTabSz="914400" rtl="0" eaLnBrk="0" fontAlgn="base" latinLnBrk="0" hangingPunct="0">
-              <a:lnSpc>
-                <a:spcPct val="100000"/>
-              </a:lnSpc>
-              <a:spcBef>
-                <a:spcPct val="0"/>
-              </a:spcBef>
-              <a:spcAft>
-                <a:spcPct val="0"/>
-              </a:spcAft>
-              <a:buClrTx/>
-              <a:buSzTx/>
-              <a:buFontTx/>
-              <a:buNone/>
-              <a:tabLst/>
-            </a:pPr>
-            <a:r>
-              <a:rPr kumimoji="0" lang="de-DE" sz="1800" b="0" i="0" u="none" strike="noStrike" cap="none" normalizeH="0" baseline="0" dirty="0" err="1" smtClean="0">
-                <a:ln>
-                  <a:noFill/>
-                </a:ln>
-                <a:solidFill>
-                  <a:schemeClr val="tx1"/>
-                </a:solidFill>
-                <a:effectLst/>
-                <a:latin typeface="Arial" charset="0"/>
-              </a:rPr>
-              <a:t>bestimmung</a:t>
-            </a:r>
-            <a:endParaRPr kumimoji="0" lang="de-DE" sz="1800" b="0" i="0" u="none" strike="noStrike" cap="none" normalizeH="0" baseline="0" dirty="0" smtClean="0">
-              <a:ln>
-                <a:noFill/>
-              </a:ln>
-              <a:solidFill>
-                <a:schemeClr val="tx1"/>
-              </a:solidFill>
-              <a:effectLst/>
-              <a:latin typeface="Arial" charset="0"/>
-            </a:endParaRPr>
-          </a:p>
-        </p:txBody>
-      </p:sp>
-      <p:sp>
-        <p:nvSpPr>
-          <p:cNvPr id="11" name="Ellipse 10"/>
-          <p:cNvSpPr/>
-          <p:nvPr/>
-        </p:nvSpPr>
-        <p:spPr bwMode="auto">
-          <a:xfrm>
-            <a:off x="5654675" y="3686572"/>
-            <a:ext cx="2952750" cy="1135856"/>
-          </a:xfrm>
-          <a:prstGeom prst="ellipse">
-            <a:avLst/>
-          </a:prstGeom>
-          <a:ln>
-            <a:headEnd type="none" w="med" len="med"/>
-            <a:tailEnd type="none" w="med" len="med"/>
-          </a:ln>
-        </p:spPr>
-        <p:style>
-          <a:lnRef idx="2">
-            <a:schemeClr val="accent2"/>
-          </a:lnRef>
-          <a:fillRef idx="1">
-            <a:schemeClr val="lt1"/>
-          </a:fillRef>
-          <a:effectRef idx="0">
-            <a:schemeClr val="accent2"/>
-          </a:effectRef>
-          <a:fontRef idx="minor">
-            <a:schemeClr val="dk1"/>
-          </a:fontRef>
-        </p:style>
-        <p:txBody>
-          <a:bodyPr vert="horz" wrap="none" lIns="91440" tIns="45720" rIns="91440" bIns="45720" numCol="1" rtlCol="0" anchor="t" anchorCtr="0" compatLnSpc="1">
-            <a:prstTxWarp prst="textNoShape">
-              <a:avLst/>
-            </a:prstTxWarp>
-          </a:bodyPr>
-          <a:lstStyle/>
-          <a:p>
-            <a:pPr marL="0" marR="0" indent="0" algn="l" defTabSz="914400" rtl="0" eaLnBrk="0" fontAlgn="base" latinLnBrk="0" hangingPunct="0">
-              <a:lnSpc>
-                <a:spcPct val="100000"/>
-              </a:lnSpc>
-              <a:spcBef>
-                <a:spcPct val="0"/>
-              </a:spcBef>
-              <a:spcAft>
-                <a:spcPct val="0"/>
-              </a:spcAft>
-              <a:buClrTx/>
-              <a:buSzTx/>
-              <a:buFontTx/>
-              <a:buNone/>
-              <a:tabLst/>
-            </a:pPr>
-            <a:r>
-              <a:rPr kumimoji="0" lang="de-DE" sz="1800" b="0" i="0" u="none" strike="noStrike" cap="none" normalizeH="0" baseline="0" dirty="0" smtClean="0">
-                <a:ln>
-                  <a:noFill/>
-                </a:ln>
-                <a:solidFill>
-                  <a:schemeClr val="tx1"/>
-                </a:solidFill>
-                <a:effectLst/>
-                <a:latin typeface="Arial" charset="0"/>
-              </a:rPr>
-              <a:t>Positions</a:t>
-            </a:r>
-            <a:r>
-              <a:rPr lang="de-DE" dirty="0" smtClean="0">
-                <a:solidFill>
-                  <a:schemeClr val="tx1"/>
-                </a:solidFill>
-                <a:latin typeface="Arial" charset="0"/>
-              </a:rPr>
-              <a:t>bestimmung</a:t>
-            </a:r>
-          </a:p>
-          <a:p>
-            <a:pPr marL="0" marR="0" indent="0" algn="l" defTabSz="914400" rtl="0" eaLnBrk="0" fontAlgn="base" latinLnBrk="0" hangingPunct="0">
-              <a:lnSpc>
-                <a:spcPct val="100000"/>
-              </a:lnSpc>
-              <a:spcBef>
-                <a:spcPct val="0"/>
-              </a:spcBef>
-              <a:spcAft>
-                <a:spcPct val="0"/>
-              </a:spcAft>
-              <a:buClrTx/>
-              <a:buSzTx/>
-              <a:buFontTx/>
-              <a:buNone/>
-              <a:tabLst/>
-            </a:pPr>
-            <a:r>
-              <a:rPr kumimoji="0" lang="de-DE" sz="1800" b="0" i="0" u="none" strike="noStrike" cap="none" normalizeH="0" baseline="0" dirty="0" smtClean="0">
-                <a:ln>
-                  <a:noFill/>
-                </a:ln>
-                <a:solidFill>
-                  <a:schemeClr val="tx1"/>
-                </a:solidFill>
-                <a:effectLst/>
-                <a:latin typeface="Arial" charset="0"/>
-              </a:rPr>
-              <a:t>durch Triangulation</a:t>
-            </a:r>
-          </a:p>
-        </p:txBody>
-      </p:sp>
-      <p:cxnSp>
-        <p:nvCxnSpPr>
-          <p:cNvPr id="14" name="Gerade Verbindung mit Pfeil 13"/>
-          <p:cNvCxnSpPr/>
-          <p:nvPr/>
-        </p:nvCxnSpPr>
-        <p:spPr bwMode="auto">
-          <a:xfrm>
-            <a:off x="5165725" y="3909614"/>
-            <a:ext cx="488950" cy="172443"/>
-          </a:xfrm>
-          <a:prstGeom prst="straightConnector1">
-            <a:avLst/>
-          </a:prstGeom>
-          <a:ln>
-            <a:headEnd type="none" w="med" len="med"/>
-            <a:tailEnd type="arrow"/>
-          </a:ln>
-        </p:spPr>
-        <p:style>
-          <a:lnRef idx="3">
-            <a:schemeClr val="accent4"/>
-          </a:lnRef>
-          <a:fillRef idx="0">
-            <a:schemeClr val="accent4"/>
-          </a:fillRef>
-          <a:effectRef idx="2">
-            <a:schemeClr val="accent4"/>
-          </a:effectRef>
-          <a:fontRef idx="minor">
-            <a:schemeClr val="tx1"/>
-          </a:fontRef>
-        </p:style>
-      </p:cxnSp>
-      <p:cxnSp>
-        <p:nvCxnSpPr>
-          <p:cNvPr id="21" name="Gerade Verbindung mit Pfeil 20"/>
-          <p:cNvCxnSpPr/>
-          <p:nvPr/>
-        </p:nvCxnSpPr>
-        <p:spPr bwMode="auto">
-          <a:xfrm>
-            <a:off x="2679700" y="3144044"/>
-            <a:ext cx="488950" cy="172443"/>
-          </a:xfrm>
-          <a:prstGeom prst="straightConnector1">
-            <a:avLst/>
-          </a:prstGeom>
-          <a:ln>
-            <a:headEnd type="none" w="med" len="med"/>
-            <a:tailEnd type="arrow"/>
-          </a:ln>
-        </p:spPr>
-        <p:style>
-          <a:lnRef idx="3">
-            <a:schemeClr val="accent4"/>
-          </a:lnRef>
-          <a:fillRef idx="0">
-            <a:schemeClr val="accent4"/>
-          </a:fillRef>
-          <a:effectRef idx="2">
-            <a:schemeClr val="accent4"/>
-          </a:effectRef>
-          <a:fontRef idx="minor">
-            <a:schemeClr val="tx1"/>
-          </a:fontRef>
-        </p:style>
-      </p:cxnSp>
       <p:pic>
         <p:nvPicPr>
-          <p:cNvPr id="2" name="Picture 2" descr="C:\Benny\Uni\Master\2. Semester\Seminar - Technische Informatik\Ausarbeitung-Seminar-TI\ausarbeitung\pictures\triangulation.jpg"/>
+          <p:cNvPr id="3074" name="Picture 2"/>
           <p:cNvPicPr>
             <a:picLocks noChangeAspect="1" noChangeArrowheads="1"/>
           </p:cNvPicPr>
@@ -7263,260 +10701,8 @@
         </p:blipFill>
         <p:spPr bwMode="auto">
           <a:xfrm>
-            <a:off x="5654675" y="4913313"/>
-            <a:ext cx="2533650" cy="1704975"/>
-          </a:xfrm>
-          <a:prstGeom prst="rect">
-            <a:avLst/>
-          </a:prstGeom>
-          <a:noFill/>
-          <a:extLst>
-            <a:ext uri="{909E8E84-426E-40DD-AFC4-6F175D3DCCD1}">
-              <a14:hiddenFill xmlns:a14="http://schemas.microsoft.com/office/drawing/2010/main">
-                <a:solidFill>
-                  <a:srgbClr val="FFFFFF"/>
-                </a:solidFill>
-              </a14:hiddenFill>
-            </a:ext>
-          </a:extLst>
-        </p:spPr>
-      </p:pic>
-    </p:spTree>
-    <p:extLst>
-      <p:ext uri="{BB962C8B-B14F-4D97-AF65-F5344CB8AC3E}">
-        <p14:creationId xmlns:p14="http://schemas.microsoft.com/office/powerpoint/2010/main" val="2954750968"/>
-      </p:ext>
-    </p:extLst>
-  </p:cSld>
-  <p:clrMapOvr>
-    <a:masterClrMapping/>
-  </p:clrMapOvr>
-  <p:transition spd="slow"/>
-  <p:timing>
-    <p:tnLst>
-      <p:par>
-        <p:cTn id="1" dur="indefinite" restart="never" nodeType="tmRoot"/>
-      </p:par>
-    </p:tnLst>
-  </p:timing>
-</p:sld>
-</file>
-
-<file path=ppt/slides/slide6.xml><?xml version="1.0" encoding="utf-8"?>
-<p:sld xmlns:a="http://schemas.openxmlformats.org/drawingml/2006/main" xmlns:r="http://schemas.openxmlformats.org/officeDocument/2006/relationships" xmlns:p="http://schemas.openxmlformats.org/presentationml/2006/main">
-  <p:cSld>
-    <p:spTree>
-      <p:nvGrpSpPr>
-        <p:cNvPr id="1" name=""/>
-        <p:cNvGrpSpPr/>
-        <p:nvPr/>
-      </p:nvGrpSpPr>
-      <p:grpSpPr>
-        <a:xfrm>
-          <a:off x="0" y="0"/>
-          <a:ext cx="0" cy="0"/>
-          <a:chOff x="0" y="0"/>
-          <a:chExt cx="0" cy="0"/>
-        </a:xfrm>
-      </p:grpSpPr>
-      <p:sp>
-        <p:nvSpPr>
-          <p:cNvPr id="4" name="Rectangle 8"/>
-          <p:cNvSpPr>
-            <a:spLocks noGrp="1" noChangeArrowheads="1"/>
-          </p:cNvSpPr>
-          <p:nvPr>
-            <p:ph type="ftr" sz="quarter" idx="10"/>
-          </p:nvPr>
-        </p:nvSpPr>
-        <p:spPr>
-          <a:xfrm>
-            <a:off x="250824" y="6629400"/>
-            <a:ext cx="8359101" cy="228600"/>
-          </a:xfrm>
-          <a:ln/>
-        </p:spPr>
-        <p:txBody>
-          <a:bodyPr/>
-          <a:lstStyle/>
-          <a:p>
-            <a:r>
-              <a:rPr lang="de-DE" dirty="0"/>
-              <a:t>Seminar – Lokalisierung: </a:t>
-            </a:r>
-            <a:r>
-              <a:rPr lang="de-DE" dirty="0" err="1"/>
-              <a:t>Inertialsensorik</a:t>
-            </a:r>
-            <a:r>
-              <a:rPr lang="de-DE" dirty="0"/>
-              <a:t> und Funksysteme  - </a:t>
-            </a:r>
-            <a:r>
-              <a:rPr lang="de-DE" dirty="0" smtClean="0"/>
-              <a:t>17.06.2015 </a:t>
-            </a:r>
-            <a:r>
-              <a:rPr lang="de-DE" dirty="0"/>
-              <a:t>		</a:t>
-            </a:r>
-            <a:r>
-              <a:rPr lang="de-DE" dirty="0" err="1"/>
-              <a:t>Artemij</a:t>
-            </a:r>
-            <a:r>
-              <a:rPr lang="de-DE" dirty="0"/>
-              <a:t> </a:t>
-            </a:r>
-            <a:r>
-              <a:rPr lang="de-DE" dirty="0" err="1"/>
-              <a:t>Voskobojnikov</a:t>
-            </a:r>
-            <a:r>
-              <a:rPr lang="de-DE" dirty="0"/>
-              <a:t> und Benjamin </a:t>
-            </a:r>
-            <a:r>
-              <a:rPr lang="de-DE" dirty="0" err="1"/>
-              <a:t>Swiers</a:t>
-            </a:r>
-            <a:r>
-              <a:rPr lang="de-DE" dirty="0"/>
-              <a:t>		</a:t>
-            </a:r>
-          </a:p>
-        </p:txBody>
-      </p:sp>
-      <p:sp>
-        <p:nvSpPr>
-          <p:cNvPr id="67586" name="Rectangle 2"/>
-          <p:cNvSpPr>
-            <a:spLocks noGrp="1" noChangeArrowheads="1"/>
-          </p:cNvSpPr>
-          <p:nvPr>
-            <p:ph type="title"/>
-          </p:nvPr>
-        </p:nvSpPr>
-        <p:spPr>
-          <a:xfrm>
-            <a:off x="200025" y="298450"/>
-            <a:ext cx="6454775" cy="428625"/>
-          </a:xfrm>
-        </p:spPr>
-        <p:txBody>
-          <a:bodyPr/>
-          <a:lstStyle/>
-          <a:p>
-            <a:r>
-              <a:rPr lang="en-US" sz="1800" dirty="0"/>
-              <a:t>Differential air pressure</a:t>
-            </a:r>
-            <a:endParaRPr lang="de-DE" sz="1800" dirty="0" smtClean="0"/>
-          </a:p>
-        </p:txBody>
-      </p:sp>
-      <p:sp>
-        <p:nvSpPr>
-          <p:cNvPr id="67587" name="Rectangle 3"/>
-          <p:cNvSpPr>
-            <a:spLocks noGrp="1" noChangeArrowheads="1"/>
-          </p:cNvSpPr>
-          <p:nvPr>
-            <p:ph type="body" idx="1"/>
-          </p:nvPr>
-        </p:nvSpPr>
-        <p:spPr>
-          <a:xfrm>
-            <a:off x="250825" y="762001"/>
-            <a:ext cx="8642350" cy="5638799"/>
-          </a:xfrm>
-        </p:spPr>
-        <p:txBody>
-          <a:bodyPr/>
-          <a:lstStyle/>
-          <a:p>
-            <a:pPr marL="342900" indent="-342900">
-              <a:buFont typeface="Arial" pitchFamily="34" charset="0"/>
-              <a:buChar char="•"/>
-            </a:pPr>
-            <a:r>
-              <a:rPr lang="de-DE" sz="2200" dirty="0" smtClean="0"/>
-              <a:t>Basiert auf den Luftdruckschwankungen, die durch Personen ausgelöst werden</a:t>
-            </a:r>
-          </a:p>
-          <a:p>
-            <a:pPr marL="342900" indent="-342900">
-              <a:buFont typeface="Arial" pitchFamily="34" charset="0"/>
-              <a:buChar char="•"/>
-            </a:pPr>
-            <a:r>
-              <a:rPr lang="de-DE" sz="2200" dirty="0" smtClean="0"/>
-              <a:t>Wird in Klimaanlage integriert</a:t>
-            </a:r>
-          </a:p>
-          <a:p>
-            <a:pPr marL="342900" indent="-342900">
-              <a:buFont typeface="Arial" pitchFamily="34" charset="0"/>
-              <a:buChar char="•"/>
-            </a:pPr>
-            <a:r>
-              <a:rPr lang="de-DE" sz="2200" dirty="0" smtClean="0"/>
-              <a:t>Genauigkeit gering, da lediglich Öffnen/ Schließen von Türen erkannt wird </a:t>
-            </a:r>
-            <a:endParaRPr lang="de-DE" sz="2200" dirty="0"/>
-          </a:p>
-          <a:p>
-            <a:pPr marL="342900" indent="-342900">
-              <a:buFont typeface="Arial" pitchFamily="34" charset="0"/>
-              <a:buChar char="•"/>
-            </a:pPr>
-            <a:r>
-              <a:rPr lang="de-DE" sz="2200" dirty="0" smtClean="0"/>
-              <a:t>Alternative: Bewegungssensoren, die den Weg einer Person </a:t>
-            </a:r>
-            <a:r>
-              <a:rPr lang="de-DE" sz="2200" dirty="0" smtClean="0"/>
-              <a:t>registrieren</a:t>
-            </a:r>
-          </a:p>
-          <a:p>
-            <a:pPr marL="342900" indent="-342900">
-              <a:buFont typeface="Arial" pitchFamily="34" charset="0"/>
-              <a:buChar char="•"/>
-            </a:pPr>
-            <a:r>
-              <a:rPr lang="de-DE" sz="2200" dirty="0" smtClean="0"/>
-              <a:t>Genauigkeit: gering</a:t>
-            </a:r>
-            <a:endParaRPr lang="de-DE" sz="2200" dirty="0" smtClean="0"/>
-          </a:p>
-        </p:txBody>
-      </p:sp>
-      <p:pic>
-        <p:nvPicPr>
-          <p:cNvPr id="2050" name="Picture 2"/>
-          <p:cNvPicPr>
-            <a:picLocks noChangeAspect="1" noChangeArrowheads="1"/>
-          </p:cNvPicPr>
-          <p:nvPr/>
-        </p:nvPicPr>
-        <p:blipFill>
-          <a:blip r:embed="rId3">
-            <a:extLst>
-              <a:ext uri="{28A0092B-C50C-407E-A947-70E740481C1C}">
-                <a14:useLocalDpi xmlns:a14="http://schemas.microsoft.com/office/drawing/2010/main" val="0"/>
-              </a:ext>
-            </a:extLst>
-          </a:blip>
-          <a:srcRect/>
-          <a:stretch>
-            <a:fillRect/>
-          </a:stretch>
-        </p:blipFill>
-        <p:spPr bwMode="auto">
-          <a:xfrm>
-            <a:off x="3986213" y="3187700"/>
-            <a:ext cx="4829175" cy="3133725"/>
+            <a:off x="4381500" y="3791521"/>
+            <a:ext cx="2660650" cy="2367979"/>
           </a:xfrm>
           <a:prstGeom prst="rect">
             <a:avLst/>
@@ -7559,7 +10745,420 @@
     </p:spTree>
     <p:extLst>
       <p:ext uri="{BB962C8B-B14F-4D97-AF65-F5344CB8AC3E}">
-        <p14:creationId xmlns:p14="http://schemas.microsoft.com/office/powerpoint/2010/main" val="2862314468"/>
+        <p14:creationId xmlns:p14="http://schemas.microsoft.com/office/powerpoint/2010/main" val="3614830286"/>
+      </p:ext>
+    </p:extLst>
+  </p:cSld>
+  <p:clrMapOvr>
+    <a:masterClrMapping/>
+  </p:clrMapOvr>
+  <p:transition spd="slow"/>
+  <p:timing>
+    <p:tnLst>
+      <p:par>
+        <p:cTn id="1" dur="indefinite" restart="never" nodeType="tmRoot"/>
+      </p:par>
+    </p:tnLst>
+  </p:timing>
+</p:sld>
+</file>
+
+<file path=ppt/slides/slide6.xml><?xml version="1.0" encoding="utf-8"?>
+<p:sld xmlns:a="http://schemas.openxmlformats.org/drawingml/2006/main" xmlns:r="http://schemas.openxmlformats.org/officeDocument/2006/relationships" xmlns:p="http://schemas.openxmlformats.org/presentationml/2006/main">
+  <p:cSld>
+    <p:spTree>
+      <p:nvGrpSpPr>
+        <p:cNvPr id="1" name=""/>
+        <p:cNvGrpSpPr/>
+        <p:nvPr/>
+      </p:nvGrpSpPr>
+      <p:grpSpPr>
+        <a:xfrm>
+          <a:off x="0" y="0"/>
+          <a:ext cx="0" cy="0"/>
+          <a:chOff x="0" y="0"/>
+          <a:chExt cx="0" cy="0"/>
+        </a:xfrm>
+      </p:grpSpPr>
+      <p:sp>
+        <p:nvSpPr>
+          <p:cNvPr id="4" name="Rectangle 8"/>
+          <p:cNvSpPr>
+            <a:spLocks noGrp="1" noChangeArrowheads="1"/>
+          </p:cNvSpPr>
+          <p:nvPr>
+            <p:ph type="ftr" sz="quarter" idx="10"/>
+          </p:nvPr>
+        </p:nvSpPr>
+        <p:spPr>
+          <a:xfrm>
+            <a:off x="250824" y="6629400"/>
+            <a:ext cx="8359101" cy="228600"/>
+          </a:xfrm>
+          <a:ln/>
+        </p:spPr>
+        <p:txBody>
+          <a:bodyPr/>
+          <a:lstStyle/>
+          <a:p>
+            <a:r>
+              <a:rPr lang="de-DE" dirty="0"/>
+              <a:t>Seminar – Lokalisierung: </a:t>
+            </a:r>
+            <a:r>
+              <a:rPr lang="de-DE" dirty="0" err="1"/>
+              <a:t>Inertialsensorik</a:t>
+            </a:r>
+            <a:r>
+              <a:rPr lang="de-DE" dirty="0"/>
+              <a:t> und Funksysteme  - </a:t>
+            </a:r>
+            <a:r>
+              <a:rPr lang="de-DE" dirty="0" smtClean="0"/>
+              <a:t>17.06.2015 </a:t>
+            </a:r>
+            <a:r>
+              <a:rPr lang="de-DE" dirty="0"/>
+              <a:t>		</a:t>
+            </a:r>
+            <a:r>
+              <a:rPr lang="de-DE" dirty="0" err="1"/>
+              <a:t>Artemij</a:t>
+            </a:r>
+            <a:r>
+              <a:rPr lang="de-DE" dirty="0"/>
+              <a:t> </a:t>
+            </a:r>
+            <a:r>
+              <a:rPr lang="de-DE" dirty="0" err="1"/>
+              <a:t>Voskobojnikov</a:t>
+            </a:r>
+            <a:r>
+              <a:rPr lang="de-DE" dirty="0"/>
+              <a:t> und Benjamin </a:t>
+            </a:r>
+            <a:r>
+              <a:rPr lang="de-DE" dirty="0" err="1"/>
+              <a:t>Swiers</a:t>
+            </a:r>
+            <a:r>
+              <a:rPr lang="de-DE" dirty="0"/>
+              <a:t>		</a:t>
+            </a:r>
+          </a:p>
+        </p:txBody>
+      </p:sp>
+      <p:sp>
+        <p:nvSpPr>
+          <p:cNvPr id="67586" name="Rectangle 2"/>
+          <p:cNvSpPr>
+            <a:spLocks noGrp="1" noChangeArrowheads="1"/>
+          </p:cNvSpPr>
+          <p:nvPr>
+            <p:ph type="title"/>
+          </p:nvPr>
+        </p:nvSpPr>
+        <p:spPr>
+          <a:xfrm>
+            <a:off x="200025" y="298450"/>
+            <a:ext cx="6454775" cy="428625"/>
+          </a:xfrm>
+        </p:spPr>
+        <p:txBody>
+          <a:bodyPr/>
+          <a:lstStyle/>
+          <a:p>
+            <a:r>
+              <a:rPr lang="en-US" sz="1800" dirty="0"/>
+              <a:t>Radio Frequency </a:t>
+            </a:r>
+            <a:r>
+              <a:rPr lang="en-US" sz="1800" dirty="0" smtClean="0"/>
+              <a:t>(Wi-Fi-Networks)</a:t>
+            </a:r>
+            <a:endParaRPr lang="de-DE" sz="1800" dirty="0" smtClean="0"/>
+          </a:p>
+        </p:txBody>
+      </p:sp>
+      <p:sp>
+        <p:nvSpPr>
+          <p:cNvPr id="67587" name="Rectangle 3"/>
+          <p:cNvSpPr>
+            <a:spLocks noGrp="1" noChangeArrowheads="1"/>
+          </p:cNvSpPr>
+          <p:nvPr>
+            <p:ph type="body" idx="1"/>
+          </p:nvPr>
+        </p:nvSpPr>
+        <p:spPr>
+          <a:xfrm>
+            <a:off x="250825" y="762001"/>
+            <a:ext cx="8642350" cy="5841999"/>
+          </a:xfrm>
+        </p:spPr>
+        <p:txBody>
+          <a:bodyPr/>
+          <a:lstStyle/>
+          <a:p>
+            <a:pPr marL="342900" indent="-342900">
+              <a:buFont typeface="Arial" pitchFamily="34" charset="0"/>
+              <a:buChar char="•"/>
+            </a:pPr>
+            <a:endParaRPr lang="de-DE" sz="2200" b="1" dirty="0" smtClean="0"/>
+          </a:p>
+          <a:p>
+            <a:pPr marL="342900" indent="-342900">
+              <a:buFont typeface="Arial" pitchFamily="34" charset="0"/>
+              <a:buChar char="•"/>
+            </a:pPr>
+            <a:r>
+              <a:rPr lang="de-DE" sz="2200" b="1" dirty="0" smtClean="0"/>
+              <a:t>A</a:t>
+            </a:r>
+            <a:r>
+              <a:rPr lang="de-DE" sz="2200" dirty="0" smtClean="0"/>
+              <a:t>(</a:t>
+            </a:r>
+            <a:r>
+              <a:rPr lang="de-DE" sz="2200" dirty="0" err="1" smtClean="0"/>
+              <a:t>ccess</a:t>
+            </a:r>
+            <a:r>
+              <a:rPr lang="de-DE" sz="2200" dirty="0" smtClean="0"/>
+              <a:t>) </a:t>
+            </a:r>
+            <a:r>
+              <a:rPr lang="de-DE" sz="2200" b="1" dirty="0" smtClean="0"/>
+              <a:t>P</a:t>
+            </a:r>
+            <a:r>
+              <a:rPr lang="de-DE" sz="2200" dirty="0" smtClean="0"/>
+              <a:t>(</a:t>
+            </a:r>
+            <a:r>
+              <a:rPr lang="de-DE" sz="2200" dirty="0" err="1" smtClean="0"/>
+              <a:t>oints</a:t>
+            </a:r>
+            <a:r>
+              <a:rPr lang="de-DE" sz="2200" dirty="0" smtClean="0"/>
+              <a:t>)</a:t>
+            </a:r>
+          </a:p>
+          <a:p>
+            <a:pPr marL="342900" indent="-342900">
+              <a:buFont typeface="Arial" pitchFamily="34" charset="0"/>
+              <a:buChar char="•"/>
+            </a:pPr>
+            <a:r>
+              <a:rPr lang="de-DE" sz="2200" b="1" dirty="0" smtClean="0"/>
+              <a:t>M</a:t>
+            </a:r>
+            <a:r>
+              <a:rPr lang="de-DE" sz="2200" dirty="0" smtClean="0"/>
+              <a:t>(</a:t>
+            </a:r>
+            <a:r>
+              <a:rPr lang="de-DE" sz="2200" dirty="0" err="1" smtClean="0"/>
+              <a:t>onitoring</a:t>
+            </a:r>
+            <a:r>
+              <a:rPr lang="de-DE" sz="2200" dirty="0" smtClean="0"/>
+              <a:t>) </a:t>
+            </a:r>
+            <a:r>
+              <a:rPr lang="de-DE" sz="2200" b="1" dirty="0" smtClean="0"/>
+              <a:t>P</a:t>
+            </a:r>
+            <a:r>
+              <a:rPr lang="de-DE" sz="2200" dirty="0" smtClean="0"/>
+              <a:t>(</a:t>
+            </a:r>
+            <a:r>
+              <a:rPr lang="de-DE" sz="2200" dirty="0" err="1" smtClean="0"/>
+              <a:t>oints</a:t>
+            </a:r>
+            <a:r>
+              <a:rPr lang="de-DE" sz="2200" dirty="0" smtClean="0"/>
+              <a:t>)</a:t>
+            </a:r>
+          </a:p>
+          <a:p>
+            <a:pPr marL="342900" indent="-342900">
+              <a:buFont typeface="Arial" pitchFamily="34" charset="0"/>
+              <a:buChar char="•"/>
+            </a:pPr>
+            <a:r>
+              <a:rPr lang="de-DE" sz="2200" b="1" dirty="0" err="1" smtClean="0"/>
+              <a:t>DfP</a:t>
+            </a:r>
+            <a:r>
+              <a:rPr lang="de-DE" sz="2200" b="1" dirty="0" smtClean="0"/>
+              <a:t>-</a:t>
+            </a:r>
+            <a:r>
+              <a:rPr lang="de-DE" sz="2200" dirty="0" smtClean="0"/>
+              <a:t>Server</a:t>
+            </a:r>
+          </a:p>
+          <a:p>
+            <a:pPr marL="342900" indent="-342900">
+              <a:buFont typeface="Arial" pitchFamily="34" charset="0"/>
+              <a:buChar char="•"/>
+            </a:pPr>
+            <a:endParaRPr lang="de-DE" sz="2200" b="1" dirty="0"/>
+          </a:p>
+          <a:p>
+            <a:pPr marL="342900" indent="-342900">
+              <a:buFont typeface="Arial" pitchFamily="34" charset="0"/>
+              <a:buChar char="•"/>
+            </a:pPr>
+            <a:r>
+              <a:rPr lang="de-DE" sz="2200" dirty="0" smtClean="0"/>
+              <a:t>Änderungen des erhaltenen </a:t>
+            </a:r>
+            <a:endParaRPr lang="de-DE" sz="2200" i="1" dirty="0"/>
+          </a:p>
+          <a:p>
+            <a:r>
+              <a:rPr lang="de-DE" sz="2200" i="1" dirty="0" err="1" smtClean="0"/>
+              <a:t>Received</a:t>
+            </a:r>
+            <a:r>
+              <a:rPr lang="de-DE" sz="2200" i="1" dirty="0" smtClean="0"/>
+              <a:t> Signal </a:t>
+            </a:r>
+            <a:r>
+              <a:rPr lang="de-DE" sz="2200" i="1" dirty="0" err="1" smtClean="0"/>
+              <a:t>Strength</a:t>
+            </a:r>
+            <a:r>
+              <a:rPr lang="de-DE" sz="2200" i="1" dirty="0" smtClean="0"/>
+              <a:t> </a:t>
+            </a:r>
+            <a:r>
+              <a:rPr lang="de-DE" sz="2200" i="1" dirty="0" err="1" smtClean="0"/>
+              <a:t>Indication</a:t>
+            </a:r>
+            <a:endParaRPr lang="de-DE" sz="2200" i="1" dirty="0" smtClean="0"/>
+          </a:p>
+          <a:p>
+            <a:r>
+              <a:rPr lang="de-DE" sz="2200" i="1" dirty="0"/>
+              <a:t>w</a:t>
+            </a:r>
+            <a:r>
+              <a:rPr lang="de-DE" sz="2200" i="1" dirty="0" smtClean="0"/>
+              <a:t>erden gemessen</a:t>
+            </a:r>
+          </a:p>
+          <a:p>
+            <a:pPr marL="342900" indent="-342900">
+              <a:buFont typeface="Arial" pitchFamily="34" charset="0"/>
+              <a:buChar char="•"/>
+            </a:pPr>
+            <a:r>
+              <a:rPr lang="de-DE" sz="2200" i="1" dirty="0" smtClean="0"/>
+              <a:t>Der Server führt Berechnungen</a:t>
+            </a:r>
+          </a:p>
+          <a:p>
+            <a:r>
+              <a:rPr lang="de-DE" sz="2200" i="1" dirty="0" smtClean="0"/>
+              <a:t> durch</a:t>
+            </a:r>
+          </a:p>
+          <a:p>
+            <a:endParaRPr lang="de-DE" sz="2200" i="1" dirty="0"/>
+          </a:p>
+          <a:p>
+            <a:endParaRPr lang="de-DE" sz="2200" i="1" dirty="0" smtClean="0"/>
+          </a:p>
+          <a:p>
+            <a:endParaRPr lang="de-DE" sz="2200" i="1" dirty="0"/>
+          </a:p>
+          <a:p>
+            <a:pPr lvl="1" indent="0">
+              <a:buNone/>
+            </a:pPr>
+            <a:endParaRPr lang="de-DE" sz="2200" dirty="0"/>
+          </a:p>
+          <a:p>
+            <a:pPr lvl="1" indent="0">
+              <a:buNone/>
+            </a:pPr>
+            <a:r>
+              <a:rPr lang="de-DE" sz="900" dirty="0"/>
+              <a:t>Quelle: </a:t>
+            </a:r>
+            <a:r>
+              <a:rPr lang="de-DE" sz="900" dirty="0">
+                <a:hlinkClick r:id="rId3"/>
+              </a:rPr>
+              <a:t>https://</a:t>
+            </a:r>
+            <a:r>
+              <a:rPr lang="de-DE" sz="900" dirty="0" smtClean="0">
+                <a:hlinkClick r:id="rId3"/>
+              </a:rPr>
+              <a:t>www.cs.umd.edu/sites/default/files/scholarly_papers/MatthewMah_1.pdf</a:t>
+            </a:r>
+            <a:endParaRPr lang="de-DE" sz="900" dirty="0" smtClean="0"/>
+          </a:p>
+          <a:p>
+            <a:pPr lvl="1" indent="0">
+              <a:buNone/>
+            </a:pPr>
+            <a:endParaRPr lang="de-DE" sz="900" dirty="0"/>
+          </a:p>
+          <a:p>
+            <a:pPr lvl="1" indent="0">
+              <a:buNone/>
+            </a:pPr>
+            <a:endParaRPr lang="de-DE" sz="2200" dirty="0">
+              <a:solidFill>
+                <a:srgbClr val="FF0000"/>
+              </a:solidFill>
+            </a:endParaRPr>
+          </a:p>
+          <a:p>
+            <a:endParaRPr lang="de-DE" sz="2200" dirty="0" smtClean="0"/>
+          </a:p>
+        </p:txBody>
+      </p:sp>
+      <p:pic>
+        <p:nvPicPr>
+          <p:cNvPr id="5" name="Grafik 4"/>
+          <p:cNvPicPr>
+            <a:picLocks noChangeAspect="1"/>
+          </p:cNvPicPr>
+          <p:nvPr/>
+        </p:nvPicPr>
+        <p:blipFill>
+          <a:blip r:embed="rId4">
+            <a:extLst>
+              <a:ext uri="{28A0092B-C50C-407E-A947-70E740481C1C}">
+                <a14:useLocalDpi xmlns:a14="http://schemas.microsoft.com/office/drawing/2010/main" val="0"/>
+              </a:ext>
+            </a:extLst>
+          </a:blip>
+          <a:stretch>
+            <a:fillRect/>
+          </a:stretch>
+        </p:blipFill>
+        <p:spPr>
+          <a:xfrm>
+            <a:off x="4836539" y="806342"/>
+            <a:ext cx="4066161" cy="4565758"/>
+          </a:xfrm>
+          <a:prstGeom prst="rect">
+            <a:avLst/>
+          </a:prstGeom>
+        </p:spPr>
+      </p:pic>
+    </p:spTree>
+    <p:extLst>
+      <p:ext uri="{BB962C8B-B14F-4D97-AF65-F5344CB8AC3E}">
+        <p14:creationId xmlns:p14="http://schemas.microsoft.com/office/powerpoint/2010/main" val="1894686665"/>
       </p:ext>
     </p:extLst>
   </p:cSld>
@@ -7684,7 +11283,11 @@
           <a:p>
             <a:r>
               <a:rPr lang="en-US" sz="1800" dirty="0"/>
-              <a:t>Physical contact</a:t>
+              <a:t>Radio Frequency </a:t>
+            </a:r>
+            <a:r>
+              <a:rPr lang="en-US" sz="1800" dirty="0" smtClean="0"/>
+              <a:t>(Wi-Fi-Networks)</a:t>
             </a:r>
             <a:endParaRPr lang="de-DE" sz="1800" dirty="0" smtClean="0"/>
           </a:p>
@@ -7714,247 +11317,67 @@
               <a:buFont typeface="Arial" pitchFamily="34" charset="0"/>
               <a:buChar char="•"/>
             </a:pPr>
+            <a:endParaRPr lang="de-DE" sz="2200" dirty="0" smtClean="0"/>
+          </a:p>
+          <a:p>
+            <a:pPr marL="342900" indent="-342900">
+              <a:buFont typeface="Arial" pitchFamily="34" charset="0"/>
+              <a:buChar char="•"/>
+            </a:pPr>
+            <a:endParaRPr lang="de-DE" sz="2200" dirty="0"/>
+          </a:p>
+          <a:p>
             <a:r>
               <a:rPr lang="de-DE" sz="2200" dirty="0" smtClean="0"/>
-              <a:t>Verschiedene Arten zur Detektion</a:t>
-            </a:r>
-          </a:p>
-          <a:p>
-            <a:pPr marL="698500" lvl="1" indent="-342900">
-              <a:buFont typeface="Arial" pitchFamily="34" charset="0"/>
-              <a:buChar char="•"/>
-            </a:pPr>
+              <a:t>Drei Modi:</a:t>
+            </a:r>
+          </a:p>
+          <a:p>
+            <a:pPr lvl="1"/>
             <a:r>
               <a:rPr lang="de-DE" sz="2200" dirty="0" smtClean="0"/>
-              <a:t>Piezoelemente auf dem Boden</a:t>
-            </a:r>
-          </a:p>
-          <a:p>
-            <a:pPr marL="698500" lvl="1" indent="-342900">
-              <a:buFont typeface="Arial" pitchFamily="34" charset="0"/>
-              <a:buChar char="•"/>
-            </a:pPr>
+              <a:t>Monitoring Mode: jegliche Aktivität wird wahrgenommen</a:t>
+            </a:r>
+          </a:p>
+          <a:p>
+            <a:pPr lvl="1"/>
             <a:r>
               <a:rPr lang="de-DE" sz="2200" dirty="0" smtClean="0"/>
-              <a:t>Kapazitätsänderungen</a:t>
-            </a:r>
-          </a:p>
-          <a:p>
-            <a:pPr marL="698500" lvl="1" indent="-342900">
-              <a:buFont typeface="Arial" pitchFamily="34" charset="0"/>
-              <a:buChar char="•"/>
-            </a:pPr>
+              <a:t>Tracking Mode: Eindringling wird geortet und kann verfolgt werden (nur einer gleichzeitig)</a:t>
+            </a:r>
+          </a:p>
+          <a:p>
+            <a:pPr lvl="1"/>
+            <a:r>
+              <a:rPr lang="de-DE" sz="2200" dirty="0" err="1" smtClean="0"/>
+              <a:t>DfP</a:t>
+            </a:r>
             <a:r>
               <a:rPr lang="de-DE" sz="2200" dirty="0" smtClean="0"/>
-              <a:t>Kameras (nächste Folie)</a:t>
-            </a:r>
-          </a:p>
-          <a:p>
-            <a:pPr marL="342900" indent="-342900">
-              <a:buFont typeface="Arial" pitchFamily="34" charset="0"/>
-              <a:buChar char="•"/>
-            </a:pPr>
+              <a:t> Mode: Mehrere Eindringlinge können gleichzeitig geortet und verfolgt werden</a:t>
+            </a:r>
+          </a:p>
+          <a:p>
+            <a:pPr lvl="1"/>
             <a:r>
               <a:rPr lang="de-DE" sz="2200" dirty="0" smtClean="0"/>
-              <a:t>Sensoren müssen im Boden verlegt werden</a:t>
-            </a:r>
-          </a:p>
-          <a:p>
-            <a:pPr marL="342900" indent="-342900">
-              <a:buFont typeface="Arial" pitchFamily="34" charset="0"/>
-              <a:buChar char="•"/>
-            </a:pPr>
+              <a:t>Bevor es zu einem Alarm kommt, werden andere </a:t>
+            </a:r>
+            <a:r>
+              <a:rPr lang="de-DE" sz="2200" b="1" dirty="0" smtClean="0"/>
+              <a:t>MP</a:t>
+            </a:r>
             <a:r>
               <a:rPr lang="de-DE" sz="2200" dirty="0" smtClean="0"/>
-              <a:t>Möglichkeiten: </a:t>
-            </a:r>
-          </a:p>
-          <a:p>
-            <a:pPr marL="698500" lvl="1" indent="-342900">
-              <a:buFont typeface="Arial" pitchFamily="34" charset="0"/>
-              <a:buChar char="•"/>
-            </a:pPr>
-            <a:r>
-              <a:rPr lang="de-DE" sz="2200" dirty="0" smtClean="0"/>
-              <a:t>Lokalisierung</a:t>
-            </a:r>
-          </a:p>
-          <a:p>
-            <a:pPr marL="698500" lvl="1" indent="-342900">
-              <a:buFont typeface="Arial" pitchFamily="34" charset="0"/>
-              <a:buChar char="•"/>
-            </a:pPr>
-            <a:r>
-              <a:rPr lang="de-DE" sz="2200" dirty="0" smtClean="0"/>
-              <a:t>Tracking</a:t>
-            </a:r>
-          </a:p>
-          <a:p>
-            <a:pPr marL="698500" lvl="1" indent="-342900">
-              <a:buFont typeface="Arial" pitchFamily="34" charset="0"/>
-              <a:buChar char="•"/>
-            </a:pPr>
-            <a:r>
-              <a:rPr lang="de-DE" sz="2200" dirty="0" smtClean="0"/>
-              <a:t>Schritterkennung</a:t>
-            </a:r>
-          </a:p>
-          <a:p>
-            <a:pPr marL="698500" lvl="1" indent="-342900">
-              <a:buFont typeface="Arial" pitchFamily="34" charset="0"/>
-              <a:buChar char="•"/>
-            </a:pPr>
-            <a:r>
-              <a:rPr lang="de-DE" sz="2200" dirty="0" smtClean="0"/>
-              <a:t>Erkennen von Stürzen</a:t>
-            </a:r>
-          </a:p>
-          <a:p>
-            <a:pPr marL="698500" lvl="1" indent="-342900">
-              <a:buFont typeface="Arial" pitchFamily="34" charset="0"/>
-              <a:buChar char="•"/>
-            </a:pPr>
-            <a:r>
-              <a:rPr lang="de-DE" sz="2200" dirty="0" smtClean="0"/>
-              <a:t>Interaktion mit dem </a:t>
-            </a:r>
-            <a:r>
-              <a:rPr lang="de-DE" sz="2200" dirty="0" smtClean="0"/>
-              <a:t>Boden</a:t>
-            </a:r>
-          </a:p>
-          <a:p>
-            <a:pPr marL="342900" indent="-342900">
-              <a:buFont typeface="Arial" pitchFamily="34" charset="0"/>
-              <a:buChar char="•"/>
-            </a:pPr>
-            <a:r>
-              <a:rPr lang="de-DE" sz="2200" dirty="0" smtClean="0"/>
-              <a:t>Genauigkeit:</a:t>
-            </a:r>
-          </a:p>
-          <a:p>
-            <a:pPr marL="698500" lvl="1" indent="-342900">
-              <a:buFont typeface="Arial" pitchFamily="34" charset="0"/>
-              <a:buChar char="•"/>
-            </a:pPr>
-            <a:r>
-              <a:rPr lang="de-DE" sz="2200" dirty="0" smtClean="0"/>
-              <a:t>Abhängig von # Sensoren</a:t>
-            </a:r>
-          </a:p>
-          <a:p>
-            <a:pPr marL="698500" lvl="1" indent="-342900">
-              <a:buFont typeface="Arial" pitchFamily="34" charset="0"/>
-              <a:buChar char="•"/>
-            </a:pPr>
-            <a:r>
-              <a:rPr lang="de-DE" sz="2200" dirty="0" smtClean="0"/>
-              <a:t>Laufend vs. stehend</a:t>
-            </a:r>
-            <a:endParaRPr lang="de-DE" sz="2200" dirty="0" smtClean="0"/>
-          </a:p>
-          <a:p>
-            <a:pPr marL="698500" lvl="1" indent="-342900">
-              <a:buFont typeface="Arial" pitchFamily="34" charset="0"/>
-              <a:buChar char="•"/>
-            </a:pPr>
-            <a:endParaRPr lang="de-DE" sz="2200" dirty="0"/>
-          </a:p>
-          <a:p>
-            <a:pPr marL="698500" lvl="1" indent="-342900">
-              <a:buFont typeface="Arial" pitchFamily="34" charset="0"/>
-              <a:buChar char="•"/>
-            </a:pPr>
-            <a:endParaRPr lang="de-DE" sz="2200" dirty="0" smtClean="0"/>
-          </a:p>
-          <a:p>
-            <a:pPr marL="698500" lvl="1" indent="-342900">
-              <a:buFont typeface="Arial" pitchFamily="34" charset="0"/>
-              <a:buChar char="•"/>
-            </a:pPr>
-            <a:endParaRPr lang="de-DE" sz="2200" dirty="0" smtClean="0"/>
-          </a:p>
-          <a:p>
-            <a:pPr lvl="1" indent="0">
-              <a:buNone/>
-            </a:pPr>
-            <a:r>
-              <a:rPr lang="de-DE" sz="900" dirty="0" smtClean="0"/>
-              <a:t>Quelle</a:t>
-            </a:r>
-            <a:r>
-              <a:rPr lang="de-DE" sz="900" dirty="0"/>
-              <a:t>: </a:t>
-            </a:r>
-            <a:r>
-              <a:rPr lang="de-DE" sz="900" dirty="0">
-                <a:hlinkClick r:id="rId3"/>
-              </a:rPr>
-              <a:t>http://</a:t>
-            </a:r>
-            <a:r>
-              <a:rPr lang="de-DE" sz="900" dirty="0" smtClean="0">
-                <a:hlinkClick r:id="rId3"/>
-              </a:rPr>
-              <a:t>i.kinja-img.com/gawker-media/image/upload/s-</a:t>
-            </a:r>
-            <a:r>
-              <a:rPr lang="de-DE" sz="900" dirty="0">
-                <a:hlinkClick r:id="rId3"/>
-              </a:rPr>
-              <a:t>-WB7wQYq6--/</a:t>
-            </a:r>
-            <a:r>
-              <a:rPr lang="de-DE" sz="900" dirty="0" smtClean="0">
-                <a:hlinkClick r:id="rId3"/>
-              </a:rPr>
-              <a:t>c_fit,fl_progressive,q_80,w_636/19gzk7od0artwjpg.jpg</a:t>
-            </a:r>
-            <a:endParaRPr lang="de-DE" sz="900" dirty="0" smtClean="0"/>
-          </a:p>
-          <a:p>
-            <a:pPr lvl="1" indent="0">
-              <a:buNone/>
-            </a:pPr>
-            <a:endParaRPr lang="de-DE" sz="900" dirty="0" smtClean="0"/>
+              <a:t> kontaktiert</a:t>
+            </a:r>
           </a:p>
         </p:txBody>
       </p:sp>
-      <p:pic>
-        <p:nvPicPr>
-          <p:cNvPr id="2" name="Grafik 1"/>
-          <p:cNvPicPr>
-            <a:picLocks noChangeAspect="1"/>
-          </p:cNvPicPr>
-          <p:nvPr/>
-        </p:nvPicPr>
-        <p:blipFill>
-          <a:blip r:embed="rId4">
-            <a:extLst>
-              <a:ext uri="{28A0092B-C50C-407E-A947-70E740481C1C}">
-                <a14:useLocalDpi xmlns:a14="http://schemas.microsoft.com/office/drawing/2010/main" val="0"/>
-              </a:ext>
-            </a:extLst>
-          </a:blip>
-          <a:stretch>
-            <a:fillRect/>
-          </a:stretch>
-        </p:blipFill>
-        <p:spPr>
-          <a:xfrm>
-            <a:off x="4378825" y="2895600"/>
-            <a:ext cx="4676275" cy="3213100"/>
-          </a:xfrm>
-          <a:prstGeom prst="rect">
-            <a:avLst/>
-          </a:prstGeom>
-        </p:spPr>
-      </p:pic>
     </p:spTree>
     <p:extLst>
       <p:ext uri="{BB962C8B-B14F-4D97-AF65-F5344CB8AC3E}">
-        <p14:creationId xmlns:p14="http://schemas.microsoft.com/office/powerpoint/2010/main" val="229622651"/>
+        <p14:creationId xmlns:p14="http://schemas.microsoft.com/office/powerpoint/2010/main" val="679318537"/>
       </p:ext>
     </p:extLst>
   </p:cSld>
@@ -8078,16 +11501,12 @@
           <a:lstStyle/>
           <a:p>
             <a:r>
-              <a:rPr lang="en-US" sz="1800" dirty="0" err="1" smtClean="0"/>
-              <a:t>GravitySpace</a:t>
-            </a:r>
-            <a:r>
               <a:rPr lang="en-US" sz="1800" dirty="0"/>
-              <a:t> </a:t>
+              <a:t>Radio Frequency </a:t>
             </a:r>
             <a:r>
               <a:rPr lang="en-US" sz="1800" dirty="0" smtClean="0"/>
-              <a:t>(HPI)</a:t>
+              <a:t>(Wi-Fi-Networks)</a:t>
             </a:r>
             <a:endParaRPr lang="de-DE" sz="1800" dirty="0" smtClean="0"/>
           </a:p>
@@ -8118,8 +11537,28 @@
               <a:buChar char="•"/>
             </a:pPr>
             <a:r>
+              <a:rPr lang="de-DE" sz="2200" b="1" dirty="0" err="1" smtClean="0"/>
+              <a:t>Probability</a:t>
+            </a:r>
+            <a:r>
+              <a:rPr lang="de-DE" sz="2200" b="1" dirty="0" smtClean="0"/>
+              <a:t> </a:t>
+            </a:r>
+            <a:r>
+              <a:rPr lang="de-DE" sz="2200" b="1" dirty="0" err="1" smtClean="0"/>
+              <a:t>of</a:t>
+            </a:r>
+            <a:r>
+              <a:rPr lang="de-DE" sz="2200" b="1" dirty="0" smtClean="0"/>
+              <a:t> </a:t>
+            </a:r>
+            <a:r>
+              <a:rPr lang="de-DE" sz="2200" b="1" dirty="0" err="1" smtClean="0"/>
+              <a:t>Detection</a:t>
+            </a:r>
+            <a:r>
               <a:rPr lang="de-DE" sz="2200" dirty="0" smtClean="0"/>
-              <a:t>Nutze die Tatsache aus, dass ein Objekte unter Druck verschiedene Abdrücke hinterlässt</a:t>
+              <a:t>: Wahrscheinlichkeit einer korrekten Detektion</a:t>
             </a:r>
           </a:p>
           <a:p>
@@ -8128,8 +11567,16 @@
               <a:buChar char="•"/>
             </a:pPr>
             <a:r>
+              <a:rPr lang="de-DE" sz="2200" b="1" dirty="0" err="1" smtClean="0"/>
+              <a:t>False</a:t>
+            </a:r>
+            <a:r>
+              <a:rPr lang="de-DE" sz="2200" b="1" dirty="0" smtClean="0"/>
+              <a:t> Positive: Detektion</a:t>
+            </a:r>
+            <a:r>
               <a:rPr lang="de-DE" sz="2200" dirty="0" smtClean="0"/>
-              <a:t>Glasboden, unter dem Kameras angebracht sind</a:t>
+              <a:t>, auch wenn es keine eigentliche Aktivität gab</a:t>
             </a:r>
           </a:p>
           <a:p>
@@ -8137,122 +11584,126 @@
               <a:buFont typeface="Arial" pitchFamily="34" charset="0"/>
               <a:buChar char="•"/>
             </a:pPr>
-            <a:r>
-              <a:rPr lang="de-DE" sz="2200" dirty="0" smtClean="0"/>
-              <a:t>Möglichkeiten:</a:t>
-            </a:r>
-          </a:p>
-          <a:p>
-            <a:pPr marL="698500" lvl="1" indent="-342900">
-              <a:buFont typeface="Arial" pitchFamily="34" charset="0"/>
-              <a:buChar char="•"/>
-            </a:pPr>
-            <a:r>
-              <a:rPr lang="de-DE" sz="2200" dirty="0" smtClean="0"/>
-              <a:t>Lokalisierung</a:t>
-            </a:r>
-          </a:p>
-          <a:p>
-            <a:pPr marL="698500" lvl="1" indent="-342900">
-              <a:buFont typeface="Arial" pitchFamily="34" charset="0"/>
-              <a:buChar char="•"/>
-            </a:pPr>
-            <a:r>
-              <a:rPr lang="de-DE" sz="2200" dirty="0" smtClean="0"/>
-              <a:t>Tracking</a:t>
-            </a:r>
-          </a:p>
-          <a:p>
-            <a:pPr marL="698500" lvl="1" indent="-342900">
-              <a:buFont typeface="Arial" pitchFamily="34" charset="0"/>
-              <a:buChar char="•"/>
-            </a:pPr>
-            <a:r>
-              <a:rPr lang="de-DE" sz="2200" dirty="0" smtClean="0"/>
-              <a:t>Interaktion</a:t>
-            </a:r>
-          </a:p>
-          <a:p>
-            <a:pPr marL="698500" lvl="1" indent="-342900">
-              <a:buFont typeface="Arial" pitchFamily="34" charset="0"/>
-              <a:buChar char="•"/>
-            </a:pPr>
-            <a:r>
-              <a:rPr lang="de-DE" sz="2200" dirty="0" smtClean="0"/>
-              <a:t>Identifikation</a:t>
-            </a:r>
+            <a:endParaRPr lang="de-DE" sz="2200" dirty="0"/>
+          </a:p>
+          <a:p>
+            <a:pPr marL="342900" indent="-342900">
+              <a:buFont typeface="Arial" pitchFamily="34" charset="0"/>
+              <a:buChar char="•"/>
+            </a:pPr>
+            <a:endParaRPr lang="de-DE" sz="2200" dirty="0" smtClean="0"/>
+          </a:p>
+          <a:p>
+            <a:pPr marL="342900" indent="-342900">
+              <a:buFont typeface="Arial" pitchFamily="34" charset="0"/>
+              <a:buChar char="•"/>
+            </a:pPr>
+            <a:endParaRPr lang="de-DE" sz="2200" dirty="0"/>
+          </a:p>
+          <a:p>
+            <a:pPr marL="342900" indent="-342900">
+              <a:buFont typeface="Arial" pitchFamily="34" charset="0"/>
+              <a:buChar char="•"/>
+            </a:pPr>
+            <a:endParaRPr lang="de-DE" sz="2200" dirty="0" smtClean="0"/>
+          </a:p>
+          <a:p>
+            <a:pPr marL="342900" indent="-342900">
+              <a:buFont typeface="Arial" pitchFamily="34" charset="0"/>
+              <a:buChar char="•"/>
+            </a:pPr>
+            <a:endParaRPr lang="de-DE" sz="2200" dirty="0"/>
+          </a:p>
+          <a:p>
+            <a:pPr marL="342900" indent="-342900">
+              <a:buFont typeface="Arial" pitchFamily="34" charset="0"/>
+              <a:buChar char="•"/>
+            </a:pPr>
+            <a:endParaRPr lang="de-DE" sz="2200" dirty="0" smtClean="0"/>
+          </a:p>
+          <a:p>
+            <a:pPr marL="342900" indent="-342900">
+              <a:buFont typeface="Arial" pitchFamily="34" charset="0"/>
+              <a:buChar char="•"/>
+            </a:pPr>
+            <a:endParaRPr lang="de-DE" sz="2200" dirty="0"/>
+          </a:p>
+          <a:p>
+            <a:pPr marL="342900" indent="-342900">
+              <a:buFont typeface="Arial" pitchFamily="34" charset="0"/>
+              <a:buChar char="•"/>
+            </a:pPr>
+            <a:endParaRPr lang="de-DE" sz="2200" dirty="0" smtClean="0"/>
+          </a:p>
+          <a:p>
+            <a:pPr marL="342900" indent="-342900">
+              <a:buFont typeface="Arial" pitchFamily="34" charset="0"/>
+              <a:buChar char="•"/>
+            </a:pPr>
+            <a:endParaRPr lang="de-DE" sz="2200" dirty="0"/>
+          </a:p>
+          <a:p>
+            <a:pPr lvl="1" indent="0">
+              <a:buNone/>
+            </a:pPr>
+            <a:endParaRPr lang="de-DE" sz="2200" dirty="0"/>
+          </a:p>
+          <a:p>
+            <a:pPr lvl="1" indent="0">
+              <a:buNone/>
+            </a:pPr>
+            <a:r>
+              <a:rPr lang="de-DE" sz="900" dirty="0" smtClean="0"/>
+              <a:t>Quelle</a:t>
+            </a:r>
+            <a:r>
+              <a:rPr lang="de-DE" sz="900" dirty="0"/>
+              <a:t>: </a:t>
+            </a:r>
+            <a:r>
+              <a:rPr lang="de-DE" sz="900" dirty="0">
+                <a:hlinkClick r:id="rId3"/>
+              </a:rPr>
+              <a:t>https://</a:t>
+            </a:r>
+            <a:r>
+              <a:rPr lang="de-DE" sz="900" dirty="0" smtClean="0">
+                <a:hlinkClick r:id="rId3"/>
+              </a:rPr>
+              <a:t>www.cs.umd.edu/sites/default/files/scholarly_papers/MatthewMah_1.pdf</a:t>
+            </a:r>
+            <a:endParaRPr lang="de-DE" sz="900" dirty="0" smtClean="0"/>
+          </a:p>
+          <a:p>
+            <a:pPr lvl="1" indent="0">
+              <a:buNone/>
+            </a:pPr>
+            <a:endParaRPr lang="de-DE" sz="900" dirty="0"/>
+          </a:p>
+          <a:p>
+            <a:pPr lvl="1" indent="0">
+              <a:buNone/>
+            </a:pPr>
+            <a:endParaRPr lang="de-DE" sz="2200" dirty="0" smtClean="0">
+              <a:solidFill>
+                <a:srgbClr val="FF0000"/>
+              </a:solidFill>
+            </a:endParaRPr>
+          </a:p>
+          <a:p>
+            <a:pPr marL="342900" indent="-342900">
+              <a:buFont typeface="Arial" pitchFamily="34" charset="0"/>
+              <a:buChar char="•"/>
+            </a:pPr>
+            <a:endParaRPr lang="de-DE" sz="2200" dirty="0" smtClean="0"/>
           </a:p>
         </p:txBody>
       </p:sp>
       <p:pic>
         <p:nvPicPr>
-          <p:cNvPr id="1026" name="Picture 2"/>
+          <p:cNvPr id="6" name="Grafik 5"/>
           <p:cNvPicPr>
-            <a:picLocks noChangeAspect="1" noChangeArrowheads="1"/>
-          </p:cNvPicPr>
-          <p:nvPr/>
-        </p:nvPicPr>
-        <p:blipFill>
-          <a:blip r:embed="rId3">
-            <a:extLst>
-              <a:ext uri="{28A0092B-C50C-407E-A947-70E740481C1C}">
-                <a14:useLocalDpi xmlns:a14="http://schemas.microsoft.com/office/drawing/2010/main" val="0"/>
-              </a:ext>
-            </a:extLst>
-          </a:blip>
-          <a:srcRect/>
-          <a:stretch>
-            <a:fillRect/>
-          </a:stretch>
-        </p:blipFill>
-        <p:spPr bwMode="auto">
-          <a:xfrm>
-            <a:off x="4991100" y="1790059"/>
-            <a:ext cx="3633788" cy="2486666"/>
-          </a:xfrm>
-          <a:prstGeom prst="rect">
-            <a:avLst/>
-          </a:prstGeom>
-          <a:noFill/>
-          <a:ln>
-            <a:noFill/>
-          </a:ln>
-          <a:effectLst/>
-          <a:extLst>
-            <a:ext uri="{909E8E84-426E-40DD-AFC4-6F175D3DCCD1}">
-              <a14:hiddenFill xmlns:a14="http://schemas.microsoft.com/office/drawing/2010/main">
-                <a:solidFill>
-                  <a:schemeClr val="accent1"/>
-                </a:solidFill>
-              </a14:hiddenFill>
-            </a:ext>
-            <a:ext uri="{91240B29-F687-4F45-9708-019B960494DF}">
-              <a14:hiddenLine xmlns:a14="http://schemas.microsoft.com/office/drawing/2010/main" w="9525">
-                <a:solidFill>
-                  <a:schemeClr val="tx1"/>
-                </a:solidFill>
-                <a:miter lim="800000"/>
-                <a:headEnd/>
-                <a:tailEnd/>
-              </a14:hiddenLine>
-            </a:ext>
-            <a:ext uri="{AF507438-7753-43E0-B8FC-AC1667EBCBE1}">
-              <a14:hiddenEffects xmlns:a14="http://schemas.microsoft.com/office/drawing/2010/main">
-                <a:effectLst>
-                  <a:outerShdw dist="35921" dir="2700000" algn="ctr" rotWithShape="0">
-                    <a:schemeClr val="bg2"/>
-                  </a:outerShdw>
-                </a:effectLst>
-              </a14:hiddenEffects>
-            </a:ext>
-          </a:extLst>
-        </p:spPr>
-      </p:pic>
-      <p:pic>
-        <p:nvPicPr>
-          <p:cNvPr id="1027" name="Picture 3"/>
-          <p:cNvPicPr>
-            <a:picLocks noChangeAspect="1" noChangeArrowheads="1"/>
+            <a:picLocks noChangeAspect="1"/>
           </p:cNvPicPr>
           <p:nvPr/>
         </p:nvPicPr>
@@ -8264,59 +11715,25 @@
               </a:ext>
             </a:extLst>
           </a:blip>
-          <a:srcRect/>
           <a:stretch>
             <a:fillRect/>
           </a:stretch>
         </p:blipFill>
-        <p:spPr bwMode="auto">
+        <p:spPr>
           <a:xfrm>
-            <a:off x="301625" y="4111625"/>
-            <a:ext cx="3398073" cy="2254250"/>
+            <a:off x="0" y="2808392"/>
+            <a:ext cx="4875139" cy="3269554"/>
           </a:xfrm>
           <a:prstGeom prst="rect">
             <a:avLst/>
           </a:prstGeom>
-          <a:noFill/>
-          <a:ln>
-            <a:noFill/>
-          </a:ln>
-          <a:effectLst/>
-          <a:extLst>
-            <a:ext uri="{909E8E84-426E-40DD-AFC4-6F175D3DCCD1}">
-              <a14:hiddenFill xmlns:a14="http://schemas.microsoft.com/office/drawing/2010/main">
-                <a:solidFill>
-                  <a:schemeClr val="accent1"/>
-                </a:solidFill>
-              </a14:hiddenFill>
-            </a:ext>
-            <a:ext uri="{91240B29-F687-4F45-9708-019B960494DF}">
-              <a14:hiddenLine xmlns:a14="http://schemas.microsoft.com/office/drawing/2010/main" w="9525">
-                <a:solidFill>
-                  <a:schemeClr val="tx1"/>
-                </a:solidFill>
-                <a:miter lim="800000"/>
-                <a:headEnd/>
-                <a:tailEnd/>
-              </a14:hiddenLine>
-            </a:ext>
-            <a:ext uri="{AF507438-7753-43E0-B8FC-AC1667EBCBE1}">
-              <a14:hiddenEffects xmlns:a14="http://schemas.microsoft.com/office/drawing/2010/main">
-                <a:effectLst>
-                  <a:outerShdw dist="35921" dir="2700000" algn="ctr" rotWithShape="0">
-                    <a:schemeClr val="bg2"/>
-                  </a:outerShdw>
-                </a:effectLst>
-              </a14:hiddenEffects>
-            </a:ext>
-          </a:extLst>
         </p:spPr>
       </p:pic>
       <p:pic>
         <p:nvPicPr>
-          <p:cNvPr id="1029" name="Picture 5"/>
+          <p:cNvPr id="7" name="Grafik 6"/>
           <p:cNvPicPr>
-            <a:picLocks noChangeAspect="1" noChangeArrowheads="1"/>
+            <a:picLocks noChangeAspect="1"/>
           </p:cNvPicPr>
           <p:nvPr/>
         </p:nvPicPr>
@@ -8328,58 +11745,24 @@
               </a:ext>
             </a:extLst>
           </a:blip>
-          <a:srcRect/>
           <a:stretch>
             <a:fillRect/>
           </a:stretch>
         </p:blipFill>
-        <p:spPr bwMode="auto">
+        <p:spPr>
           <a:xfrm>
-            <a:off x="4898232" y="4276725"/>
-            <a:ext cx="3726656" cy="1962266"/>
+            <a:off x="4319351" y="2808393"/>
+            <a:ext cx="4861310" cy="3269554"/>
           </a:xfrm>
           <a:prstGeom prst="rect">
             <a:avLst/>
           </a:prstGeom>
-          <a:noFill/>
-          <a:ln>
-            <a:noFill/>
-          </a:ln>
-          <a:effectLst/>
-          <a:extLst>
-            <a:ext uri="{909E8E84-426E-40DD-AFC4-6F175D3DCCD1}">
-              <a14:hiddenFill xmlns:a14="http://schemas.microsoft.com/office/drawing/2010/main">
-                <a:solidFill>
-                  <a:schemeClr val="accent1"/>
-                </a:solidFill>
-              </a14:hiddenFill>
-            </a:ext>
-            <a:ext uri="{91240B29-F687-4F45-9708-019B960494DF}">
-              <a14:hiddenLine xmlns:a14="http://schemas.microsoft.com/office/drawing/2010/main" w="9525">
-                <a:solidFill>
-                  <a:schemeClr val="tx1"/>
-                </a:solidFill>
-                <a:miter lim="800000"/>
-                <a:headEnd/>
-                <a:tailEnd/>
-              </a14:hiddenLine>
-            </a:ext>
-            <a:ext uri="{AF507438-7753-43E0-B8FC-AC1667EBCBE1}">
-              <a14:hiddenEffects xmlns:a14="http://schemas.microsoft.com/office/drawing/2010/main">
-                <a:effectLst>
-                  <a:outerShdw dist="35921" dir="2700000" algn="ctr" rotWithShape="0">
-                    <a:schemeClr val="bg2"/>
-                  </a:outerShdw>
-                </a:effectLst>
-              </a14:hiddenEffects>
-            </a:ext>
-          </a:extLst>
         </p:spPr>
       </p:pic>
     </p:spTree>
     <p:extLst>
       <p:ext uri="{BB962C8B-B14F-4D97-AF65-F5344CB8AC3E}">
-        <p14:creationId xmlns:p14="http://schemas.microsoft.com/office/powerpoint/2010/main" val="692245389"/>
+        <p14:creationId xmlns:p14="http://schemas.microsoft.com/office/powerpoint/2010/main" val="2243171467"/>
       </p:ext>
     </p:extLst>
   </p:cSld>
@@ -8503,16 +11886,8 @@
           <a:lstStyle/>
           <a:p>
             <a:r>
-              <a:rPr lang="en-US" sz="1800" dirty="0" err="1" smtClean="0"/>
-              <a:t>GravitySpace</a:t>
-            </a:r>
-            <a:r>
-              <a:rPr lang="en-US" sz="1800" dirty="0"/>
-              <a:t> </a:t>
-            </a:r>
-            <a:r>
               <a:rPr lang="en-US" sz="1800" dirty="0" smtClean="0"/>
-              <a:t>(HPI)</a:t>
+              <a:t>Ultra-wideband (UWB)</a:t>
             </a:r>
             <a:endParaRPr lang="de-DE" sz="1800" dirty="0" smtClean="0"/>
           </a:p>
@@ -8544,176 +11919,65 @@
             </a:pPr>
             <a:endParaRPr lang="de-DE" sz="2200" dirty="0" smtClean="0"/>
           </a:p>
+          <a:p>
+            <a:endParaRPr lang="de-DE" sz="2200" dirty="0"/>
+          </a:p>
+          <a:p>
+            <a:pPr marL="342900" indent="-342900">
+              <a:buFont typeface="Arial" pitchFamily="34" charset="0"/>
+              <a:buChar char="•"/>
+            </a:pPr>
+            <a:r>
+              <a:rPr lang="de-DE" sz="2200" dirty="0" smtClean="0"/>
+              <a:t>Weiteres Verfahren unter Benutzung von Radiosignalen</a:t>
+            </a:r>
+          </a:p>
+          <a:p>
+            <a:pPr marL="342900" indent="-342900">
+              <a:buFont typeface="Arial" pitchFamily="34" charset="0"/>
+              <a:buChar char="•"/>
+            </a:pPr>
+            <a:r>
+              <a:rPr lang="de-DE" sz="2200" dirty="0" smtClean="0"/>
+              <a:t>Deutlich größere Bandbreite</a:t>
+            </a:r>
+          </a:p>
+          <a:p>
+            <a:pPr marL="342900" indent="-342900">
+              <a:buFont typeface="Arial" pitchFamily="34" charset="0"/>
+              <a:buChar char="•"/>
+            </a:pPr>
+            <a:r>
+              <a:rPr lang="de-DE" sz="2200" dirty="0" smtClean="0"/>
+              <a:t>-&gt; resistent gegen Interferenzen</a:t>
+            </a:r>
+          </a:p>
+          <a:p>
+            <a:pPr marL="342900" indent="-342900">
+              <a:buFont typeface="Arial" pitchFamily="34" charset="0"/>
+              <a:buChar char="•"/>
+            </a:pPr>
+            <a:r>
+              <a:rPr lang="de-DE" sz="2200" dirty="0" smtClean="0"/>
+              <a:t>(bessere) Penetration von Wänden</a:t>
+            </a:r>
+          </a:p>
+          <a:p>
+            <a:pPr marL="342900" indent="-342900">
+              <a:buFont typeface="Arial" pitchFamily="34" charset="0"/>
+              <a:buChar char="•"/>
+            </a:pPr>
+            <a:r>
+              <a:rPr lang="de-DE" sz="2200" dirty="0" smtClean="0"/>
+              <a:t>Preisgünstige und energieeffiziente Geräte</a:t>
+            </a:r>
+          </a:p>
         </p:txBody>
       </p:sp>
-      <p:pic>
-        <p:nvPicPr>
-          <p:cNvPr id="1027" name="Picture 3"/>
-          <p:cNvPicPr>
-            <a:picLocks noChangeAspect="1" noChangeArrowheads="1"/>
-          </p:cNvPicPr>
-          <p:nvPr/>
-        </p:nvPicPr>
-        <p:blipFill>
-          <a:blip r:embed="rId3">
-            <a:extLst>
-              <a:ext uri="{28A0092B-C50C-407E-A947-70E740481C1C}">
-                <a14:useLocalDpi xmlns:a14="http://schemas.microsoft.com/office/drawing/2010/main" val="0"/>
-              </a:ext>
-            </a:extLst>
-          </a:blip>
-          <a:srcRect/>
-          <a:stretch>
-            <a:fillRect/>
-          </a:stretch>
-        </p:blipFill>
-        <p:spPr bwMode="auto">
-          <a:xfrm>
-            <a:off x="226302" y="746124"/>
-            <a:ext cx="4178194" cy="2771775"/>
-          </a:xfrm>
-          <a:prstGeom prst="rect">
-            <a:avLst/>
-          </a:prstGeom>
-          <a:noFill/>
-          <a:ln>
-            <a:noFill/>
-          </a:ln>
-          <a:effectLst/>
-          <a:extLst>
-            <a:ext uri="{909E8E84-426E-40DD-AFC4-6F175D3DCCD1}">
-              <a14:hiddenFill xmlns:a14="http://schemas.microsoft.com/office/drawing/2010/main">
-                <a:solidFill>
-                  <a:schemeClr val="accent1"/>
-                </a:solidFill>
-              </a14:hiddenFill>
-            </a:ext>
-            <a:ext uri="{91240B29-F687-4F45-9708-019B960494DF}">
-              <a14:hiddenLine xmlns:a14="http://schemas.microsoft.com/office/drawing/2010/main" w="9525">
-                <a:solidFill>
-                  <a:schemeClr val="tx1"/>
-                </a:solidFill>
-                <a:miter lim="800000"/>
-                <a:headEnd/>
-                <a:tailEnd/>
-              </a14:hiddenLine>
-            </a:ext>
-            <a:ext uri="{AF507438-7753-43E0-B8FC-AC1667EBCBE1}">
-              <a14:hiddenEffects xmlns:a14="http://schemas.microsoft.com/office/drawing/2010/main">
-                <a:effectLst>
-                  <a:outerShdw dist="35921" dir="2700000" algn="ctr" rotWithShape="0">
-                    <a:schemeClr val="bg2"/>
-                  </a:outerShdw>
-                </a:effectLst>
-              </a14:hiddenEffects>
-            </a:ext>
-          </a:extLst>
-        </p:spPr>
-      </p:pic>
-      <p:pic>
-        <p:nvPicPr>
-          <p:cNvPr id="1029" name="Picture 5"/>
-          <p:cNvPicPr>
-            <a:picLocks noChangeAspect="1" noChangeArrowheads="1"/>
-          </p:cNvPicPr>
-          <p:nvPr/>
-        </p:nvPicPr>
-        <p:blipFill>
-          <a:blip r:embed="rId4">
-            <a:extLst>
-              <a:ext uri="{28A0092B-C50C-407E-A947-70E740481C1C}">
-                <a14:useLocalDpi xmlns:a14="http://schemas.microsoft.com/office/drawing/2010/main" val="0"/>
-              </a:ext>
-            </a:extLst>
-          </a:blip>
-          <a:srcRect/>
-          <a:stretch>
-            <a:fillRect/>
-          </a:stretch>
-        </p:blipFill>
-        <p:spPr bwMode="auto">
-          <a:xfrm>
-            <a:off x="4182572" y="3844923"/>
-            <a:ext cx="4685179" cy="2466975"/>
-          </a:xfrm>
-          <a:prstGeom prst="rect">
-            <a:avLst/>
-          </a:prstGeom>
-          <a:noFill/>
-          <a:ln>
-            <a:noFill/>
-          </a:ln>
-          <a:effectLst/>
-          <a:extLst>
-            <a:ext uri="{909E8E84-426E-40DD-AFC4-6F175D3DCCD1}">
-              <a14:hiddenFill xmlns:a14="http://schemas.microsoft.com/office/drawing/2010/main">
-                <a:solidFill>
-                  <a:schemeClr val="accent1"/>
-                </a:solidFill>
-              </a14:hiddenFill>
-            </a:ext>
-            <a:ext uri="{91240B29-F687-4F45-9708-019B960494DF}">
-              <a14:hiddenLine xmlns:a14="http://schemas.microsoft.com/office/drawing/2010/main" w="9525">
-                <a:solidFill>
-                  <a:schemeClr val="tx1"/>
-                </a:solidFill>
-                <a:miter lim="800000"/>
-                <a:headEnd/>
-                <a:tailEnd/>
-              </a14:hiddenLine>
-            </a:ext>
-            <a:ext uri="{AF507438-7753-43E0-B8FC-AC1667EBCBE1}">
-              <a14:hiddenEffects xmlns:a14="http://schemas.microsoft.com/office/drawing/2010/main">
-                <a:effectLst>
-                  <a:outerShdw dist="35921" dir="2700000" algn="ctr" rotWithShape="0">
-                    <a:schemeClr val="bg2"/>
-                  </a:outerShdw>
-                </a:effectLst>
-              </a14:hiddenEffects>
-            </a:ext>
-          </a:extLst>
-        </p:spPr>
-      </p:pic>
-      <p:cxnSp>
-        <p:nvCxnSpPr>
-          <p:cNvPr id="3" name="Gewinkelte Verbindung 2"/>
-          <p:cNvCxnSpPr/>
-          <p:nvPr/>
-        </p:nvCxnSpPr>
-        <p:spPr bwMode="auto">
-          <a:xfrm>
-            <a:off x="2197100" y="3714748"/>
-            <a:ext cx="1358903" cy="1104903"/>
-          </a:xfrm>
-          <a:prstGeom prst="bentConnector3">
-            <a:avLst>
-              <a:gd name="adj1" fmla="val -467"/>
-            </a:avLst>
-          </a:prstGeom>
-          <a:ln>
-            <a:headEnd type="none" w="med" len="med"/>
-            <a:tailEnd type="arrow"/>
-          </a:ln>
-        </p:spPr>
-        <p:style>
-          <a:lnRef idx="3">
-            <a:schemeClr val="accent2"/>
-          </a:lnRef>
-          <a:fillRef idx="0">
-            <a:schemeClr val="accent2"/>
-          </a:fillRef>
-          <a:effectRef idx="2">
-            <a:schemeClr val="accent2"/>
-          </a:effectRef>
-          <a:fontRef idx="minor">
-            <a:schemeClr val="tx1"/>
-          </a:fontRef>
-        </p:style>
-      </p:cxnSp>
     </p:spTree>
     <p:extLst>
       <p:ext uri="{BB962C8B-B14F-4D97-AF65-F5344CB8AC3E}">
-        <p14:creationId xmlns:p14="http://schemas.microsoft.com/office/powerpoint/2010/main" val="3103527347"/>
+        <p14:creationId xmlns:p14="http://schemas.microsoft.com/office/powerpoint/2010/main" val="3614830286"/>
       </p:ext>
     </p:extLst>
   </p:cSld>

--- a/Vortrag/Seminar_TI_Sensorlose_Lokalisierung.pptx
+++ b/Vortrag/Seminar_TI_Sensorlose_Lokalisierung.pptx
@@ -1175,12 +1175,8 @@
           <a:lstStyle/>
           <a:p>
             <a:r>
-              <a:rPr lang="de-DE" dirty="0" smtClean="0"/>
-              <a:t>Verlauf</a:t>
-            </a:r>
-            <a:r>
-              <a:rPr lang="de-DE" baseline="0" dirty="0" smtClean="0"/>
-              <a:t> der Präsentation wird wie folgt aussehen</a:t>
+              <a:rPr lang="de-DE" smtClean="0"/>
+              <a:t>Barometer</a:t>
             </a:r>
             <a:endParaRPr lang="de-DE" dirty="0" smtClean="0"/>
           </a:p>
